--- a/eece2160/f16/lectures/eece.2160f16_lec23_strings.pptx
+++ b/eece2160/f16/lectures/eece.2160f16_lec23_strings.pptx
@@ -5,21 +5,23 @@
     <p:sldMasterId id="2147483792" r:id="rId1"/>
   </p:sldMasterIdLst>
   <p:notesMasterIdLst>
-    <p:notesMasterId r:id="rId11"/>
+    <p:notesMasterId r:id="rId13"/>
   </p:notesMasterIdLst>
   <p:handoutMasterIdLst>
-    <p:handoutMasterId r:id="rId12"/>
+    <p:handoutMasterId r:id="rId14"/>
   </p:handoutMasterIdLst>
   <p:sldIdLst>
     <p:sldId id="256" r:id="rId2"/>
     <p:sldId id="257" r:id="rId3"/>
     <p:sldId id="509" r:id="rId4"/>
-    <p:sldId id="510" r:id="rId5"/>
-    <p:sldId id="511" r:id="rId6"/>
-    <p:sldId id="512" r:id="rId7"/>
-    <p:sldId id="507" r:id="rId8"/>
-    <p:sldId id="508" r:id="rId9"/>
-    <p:sldId id="410" r:id="rId10"/>
+    <p:sldId id="513" r:id="rId5"/>
+    <p:sldId id="514" r:id="rId6"/>
+    <p:sldId id="515" r:id="rId7"/>
+    <p:sldId id="516" r:id="rId8"/>
+    <p:sldId id="517" r:id="rId9"/>
+    <p:sldId id="507" r:id="rId10"/>
+    <p:sldId id="508" r:id="rId11"/>
+    <p:sldId id="410" r:id="rId12"/>
   </p:sldIdLst>
   <p:sldSz cx="9144000" cy="6858000" type="screen4x3"/>
   <p:notesSz cx="9144000" cy="6858000"/>
@@ -1332,9 +1334,9 @@
             <a:pPr>
               <a:defRPr/>
             </a:pPr>
-            <a:fld id="{2DB7A370-11EA-874D-902A-0EC8C119D8E4}" type="datetime1">
+            <a:fld id="{90AF3C7D-1CA9-A149-8497-A8D17F2FA3C6}" type="datetime1">
               <a:rPr lang="en-US" smtClean="0"/>
-              <a:t>10/26/16</a:t>
+              <a:t>10/30/16</a:t>
             </a:fld>
             <a:endParaRPr lang="en-US"/>
           </a:p>
@@ -1369,7 +1371,7 @@
             </a:pPr>
             <a:r>
               <a:rPr lang="en-US" altLang="en-US" smtClean="0"/>
-              <a:t>ECE Application Programming: Lecture 22</a:t>
+              <a:t>ECE Application Programming: Lecture 23</a:t>
             </a:r>
             <a:endParaRPr lang="en-US" altLang="en-US"/>
           </a:p>
@@ -1537,9 +1539,9 @@
             <a:pPr>
               <a:defRPr/>
             </a:pPr>
-            <a:fld id="{5D864B0A-32C5-FD49-9675-7B160F63F39F}" type="datetime1">
+            <a:fld id="{FF751A43-135E-AC47-83A0-91455CF239CC}" type="datetime1">
               <a:rPr lang="en-US" smtClean="0"/>
-              <a:t>10/26/16</a:t>
+              <a:t>10/30/16</a:t>
             </a:fld>
             <a:endParaRPr lang="en-US"/>
           </a:p>
@@ -1571,7 +1573,7 @@
             </a:pPr>
             <a:r>
               <a:rPr lang="en-US" altLang="en-US" smtClean="0"/>
-              <a:t>ECE Application Programming: Lecture 22</a:t>
+              <a:t>ECE Application Programming: Lecture 23</a:t>
             </a:r>
             <a:endParaRPr lang="en-US" altLang="en-US"/>
           </a:p>
@@ -1751,9 +1753,9 @@
             <a:pPr>
               <a:defRPr/>
             </a:pPr>
-            <a:fld id="{08A123A4-A677-AB4C-AD04-AF75E2247EF9}" type="datetime1">
+            <a:fld id="{915A63AA-E992-5F49-8892-2161EA764DC6}" type="datetime1">
               <a:rPr lang="en-US" smtClean="0"/>
-              <a:t>10/26/16</a:t>
+              <a:t>10/30/16</a:t>
             </a:fld>
             <a:endParaRPr lang="en-US"/>
           </a:p>
@@ -1785,7 +1787,7 @@
             </a:pPr>
             <a:r>
               <a:rPr lang="en-US" altLang="en-US" smtClean="0"/>
-              <a:t>ECE Application Programming: Lecture 22</a:t>
+              <a:t>ECE Application Programming: Lecture 23</a:t>
             </a:r>
             <a:endParaRPr lang="en-US" altLang="en-US"/>
           </a:p>
@@ -2022,9 +2024,9 @@
             <a:pPr>
               <a:defRPr/>
             </a:pPr>
-            <a:fld id="{76F75B88-AC16-DB4C-8CCA-AAF239FCD363}" type="datetime1">
+            <a:fld id="{41667DB1-B5E5-514B-9181-1E78EBF02015}" type="datetime1">
               <a:rPr lang="en-US" smtClean="0"/>
-              <a:t>10/26/16</a:t>
+              <a:t>10/30/16</a:t>
             </a:fld>
             <a:endParaRPr lang="en-US"/>
           </a:p>
@@ -2056,7 +2058,7 @@
             </a:pPr>
             <a:r>
               <a:rPr lang="en-US" altLang="en-US" smtClean="0"/>
-              <a:t>ECE Application Programming: Lecture 22</a:t>
+              <a:t>ECE Application Programming: Lecture 23</a:t>
             </a:r>
             <a:endParaRPr lang="en-US" altLang="en-US"/>
           </a:p>
@@ -2293,9 +2295,9 @@
             <a:pPr>
               <a:defRPr/>
             </a:pPr>
-            <a:fld id="{2D261A1F-C69F-074C-9C0F-D4EE3E906CE8}" type="datetime1">
+            <a:fld id="{099C5FA3-C548-C240-A1C8-E04D83142CC9}" type="datetime1">
               <a:rPr lang="en-US" smtClean="0"/>
-              <a:t>10/26/16</a:t>
+              <a:t>10/30/16</a:t>
             </a:fld>
             <a:endParaRPr lang="en-US"/>
           </a:p>
@@ -2327,7 +2329,7 @@
             </a:pPr>
             <a:r>
               <a:rPr lang="en-US" altLang="en-US" smtClean="0"/>
-              <a:t>ECE Application Programming: Lecture 22</a:t>
+              <a:t>ECE Application Programming: Lecture 23</a:t>
             </a:r>
             <a:endParaRPr lang="en-US" altLang="en-US"/>
           </a:p>
@@ -2497,9 +2499,9 @@
             <a:pPr>
               <a:defRPr/>
             </a:pPr>
-            <a:fld id="{695C49C0-B6F8-964A-95DE-B75503CE0DD2}" type="datetime1">
+            <a:fld id="{5A60FFEA-4473-3E4A-8A8E-F3BDE6AF2325}" type="datetime1">
               <a:rPr lang="en-US" smtClean="0"/>
-              <a:t>10/26/16</a:t>
+              <a:t>10/30/16</a:t>
             </a:fld>
             <a:endParaRPr lang="en-US"/>
           </a:p>
@@ -2531,7 +2533,7 @@
             </a:pPr>
             <a:r>
               <a:rPr lang="en-US" altLang="en-US" smtClean="0"/>
-              <a:t>ECE Application Programming: Lecture 22</a:t>
+              <a:t>ECE Application Programming: Lecture 23</a:t>
             </a:r>
             <a:endParaRPr lang="en-US" altLang="en-US"/>
           </a:p>
@@ -2723,9 +2725,9 @@
             <a:pPr>
               <a:defRPr/>
             </a:pPr>
-            <a:fld id="{F86F08C7-14CD-384A-AF06-9240DFFE0E0D}" type="datetime1">
+            <a:fld id="{DD35EBB4-BAC3-5E41-9F9F-E5F3D7197136}" type="datetime1">
               <a:rPr lang="en-US" smtClean="0"/>
-              <a:t>10/26/16</a:t>
+              <a:t>10/30/16</a:t>
             </a:fld>
             <a:endParaRPr lang="en-US"/>
           </a:p>
@@ -2757,7 +2759,7 @@
             </a:pPr>
             <a:r>
               <a:rPr lang="en-US" altLang="en-US" smtClean="0"/>
-              <a:t>ECE Application Programming: Lecture 22</a:t>
+              <a:t>ECE Application Programming: Lecture 23</a:t>
             </a:r>
             <a:endParaRPr lang="en-US" altLang="en-US"/>
           </a:p>
@@ -3045,9 +3047,9 @@
             <a:pPr>
               <a:defRPr/>
             </a:pPr>
-            <a:fld id="{238F59D6-CCF5-D94D-ABF6-AEA2C6C5C225}" type="datetime1">
+            <a:fld id="{B130716C-4704-734A-A262-C1E896EF9536}" type="datetime1">
               <a:rPr lang="en-US" smtClean="0"/>
-              <a:t>10/26/16</a:t>
+              <a:t>10/30/16</a:t>
             </a:fld>
             <a:endParaRPr lang="en-US"/>
           </a:p>
@@ -3079,7 +3081,7 @@
             </a:pPr>
             <a:r>
               <a:rPr lang="en-US" altLang="en-US" smtClean="0"/>
-              <a:t>ECE Application Programming: Lecture 22</a:t>
+              <a:t>ECE Application Programming: Lecture 23</a:t>
             </a:r>
             <a:endParaRPr lang="en-US" altLang="en-US"/>
           </a:p>
@@ -3506,9 +3508,9 @@
             <a:pPr>
               <a:defRPr/>
             </a:pPr>
-            <a:fld id="{EB9AB8C8-BD32-D941-B56B-B96E851B17C1}" type="datetime1">
+            <a:fld id="{73654A73-8BD8-FC46-AB90-36E448097932}" type="datetime1">
               <a:rPr lang="en-US" smtClean="0"/>
-              <a:t>10/26/16</a:t>
+              <a:t>10/30/16</a:t>
             </a:fld>
             <a:endParaRPr lang="en-US"/>
           </a:p>
@@ -3540,7 +3542,7 @@
             </a:pPr>
             <a:r>
               <a:rPr lang="en-US" altLang="en-US" smtClean="0"/>
-              <a:t>ECE Application Programming: Lecture 22</a:t>
+              <a:t>ECE Application Programming: Lecture 23</a:t>
             </a:r>
             <a:endParaRPr lang="en-US" altLang="en-US"/>
           </a:p>
@@ -3658,9 +3660,9 @@
             <a:pPr>
               <a:defRPr/>
             </a:pPr>
-            <a:fld id="{D79EB709-D58F-CE42-AD08-D5229D101251}" type="datetime1">
+            <a:fld id="{32900565-5740-5446-98B9-5CFC7EC5E952}" type="datetime1">
               <a:rPr lang="en-US" smtClean="0"/>
-              <a:t>10/26/16</a:t>
+              <a:t>10/30/16</a:t>
             </a:fld>
             <a:endParaRPr lang="en-US"/>
           </a:p>
@@ -3692,7 +3694,7 @@
             </a:pPr>
             <a:r>
               <a:rPr lang="en-US" altLang="en-US" smtClean="0"/>
-              <a:t>ECE Application Programming: Lecture 22</a:t>
+              <a:t>ECE Application Programming: Lecture 23</a:t>
             </a:r>
             <a:endParaRPr lang="en-US" altLang="en-US"/>
           </a:p>
@@ -3787,9 +3789,9 @@
             <a:pPr>
               <a:defRPr/>
             </a:pPr>
-            <a:fld id="{A1B5BB8A-7D5D-8744-9C53-8B4F9902E92D}" type="datetime1">
+            <a:fld id="{2C4F384E-1F59-094D-ABD9-4378AEAA714C}" type="datetime1">
               <a:rPr lang="en-US" smtClean="0"/>
-              <a:t>10/26/16</a:t>
+              <a:t>10/30/16</a:t>
             </a:fld>
             <a:endParaRPr lang="en-US"/>
           </a:p>
@@ -3821,7 +3823,7 @@
             </a:pPr>
             <a:r>
               <a:rPr lang="en-US" altLang="en-US" smtClean="0"/>
-              <a:t>ECE Application Programming: Lecture 22</a:t>
+              <a:t>ECE Application Programming: Lecture 23</a:t>
             </a:r>
             <a:endParaRPr lang="en-US" altLang="en-US"/>
           </a:p>
@@ -4098,9 +4100,9 @@
             <a:pPr>
               <a:defRPr/>
             </a:pPr>
-            <a:fld id="{A3DD2EFE-CD9C-3A43-997C-53D8D44E9FDC}" type="datetime1">
+            <a:fld id="{9605A04D-9D94-0D4B-AC5A-79729FCE6A80}" type="datetime1">
               <a:rPr lang="en-US" smtClean="0"/>
-              <a:t>10/26/16</a:t>
+              <a:t>10/30/16</a:t>
             </a:fld>
             <a:endParaRPr lang="en-US"/>
           </a:p>
@@ -4132,7 +4134,7 @@
             </a:pPr>
             <a:r>
               <a:rPr lang="en-US" altLang="en-US" smtClean="0"/>
-              <a:t>ECE Application Programming: Lecture 22</a:t>
+              <a:t>ECE Application Programming: Lecture 23</a:t>
             </a:r>
             <a:endParaRPr lang="en-US" altLang="en-US"/>
           </a:p>
@@ -4386,9 +4388,9 @@
             <a:pPr>
               <a:defRPr/>
             </a:pPr>
-            <a:fld id="{1F220CA5-871B-D140-8C47-ABD9ACA7592A}" type="datetime1">
+            <a:fld id="{CF2B4D1F-DC06-B249-9D40-6CB88BB788B6}" type="datetime1">
               <a:rPr lang="en-US" smtClean="0"/>
-              <a:t>10/26/16</a:t>
+              <a:t>10/30/16</a:t>
             </a:fld>
             <a:endParaRPr lang="en-US"/>
           </a:p>
@@ -4420,7 +4422,7 @@
             </a:pPr>
             <a:r>
               <a:rPr lang="en-US" altLang="en-US" smtClean="0"/>
-              <a:t>ECE Application Programming: Lecture 22</a:t>
+              <a:t>ECE Application Programming: Lecture 23</a:t>
             </a:r>
             <a:endParaRPr lang="en-US" altLang="en-US"/>
           </a:p>
@@ -4693,9 +4695,9 @@
             <a:pPr>
               <a:defRPr/>
             </a:pPr>
-            <a:fld id="{13212818-FA0C-B24F-99F6-462F7A804036}" type="datetime1">
+            <a:fld id="{5527361D-799A-8146-ADB3-501C28FA60EC}" type="datetime1">
               <a:rPr lang="en-US" smtClean="0"/>
-              <a:t>10/26/16</a:t>
+              <a:t>10/30/16</a:t>
             </a:fld>
             <a:endParaRPr lang="en-US"/>
           </a:p>
@@ -4749,7 +4751,7 @@
             </a:pPr>
             <a:r>
               <a:rPr lang="en-US" altLang="en-US" smtClean="0"/>
-              <a:t>ECE Application Programming: Lecture 22</a:t>
+              <a:t>ECE Application Programming: Lecture 23</a:t>
             </a:r>
             <a:endParaRPr lang="en-US" altLang="en-US"/>
           </a:p>
@@ -5592,16 +5594,1159 @@
               <a:rPr lang="en-US" dirty="0" smtClean="0">
                 <a:latin typeface="Arial" charset="0"/>
               </a:rPr>
-              <a:t>More on </a:t>
-            </a:r>
-            <a:r>
-              <a:rPr lang="en-US" dirty="0" smtClean="0">
-                <a:latin typeface="Arial" charset="0"/>
-              </a:rPr>
-              <a:t>strings</a:t>
+              <a:t>Character arrays and strings</a:t>
             </a:r>
             <a:endParaRPr lang="en-US" dirty="0">
               <a:latin typeface="Arial" charset="0"/>
+            </a:endParaRPr>
+          </a:p>
+        </p:txBody>
+      </p:sp>
+    </p:spTree>
+  </p:cSld>
+  <p:clrMapOvr>
+    <a:masterClrMapping/>
+  </p:clrMapOvr>
+  <p:timing>
+    <p:tnLst>
+      <p:par>
+        <p:cTn xmlns:p14="http://schemas.microsoft.com/office/powerpoint/2010/main" id="1" dur="indefinite" restart="never" nodeType="tmRoot"/>
+      </p:par>
+    </p:tnLst>
+  </p:timing>
+</p:sld>
+</file>
+
+<file path=ppt/slides/slide10.xml><?xml version="1.0" encoding="utf-8"?>
+<p:sld xmlns:a="http://schemas.openxmlformats.org/drawingml/2006/main" xmlns:r="http://schemas.openxmlformats.org/officeDocument/2006/relationships" xmlns:p="http://schemas.openxmlformats.org/presentationml/2006/main">
+  <p:cSld>
+    <p:spTree>
+      <p:nvGrpSpPr>
+        <p:cNvPr id="1" name=""/>
+        <p:cNvGrpSpPr/>
+        <p:nvPr/>
+      </p:nvGrpSpPr>
+      <p:grpSpPr>
+        <a:xfrm>
+          <a:off x="0" y="0"/>
+          <a:ext cx="0" cy="0"/>
+          <a:chOff x="0" y="0"/>
+          <a:chExt cx="0" cy="0"/>
+        </a:xfrm>
+      </p:grpSpPr>
+      <p:sp>
+        <p:nvSpPr>
+          <p:cNvPr id="26625" name="Title 1"/>
+          <p:cNvSpPr>
+            <a:spLocks noGrp="1"/>
+          </p:cNvSpPr>
+          <p:nvPr>
+            <p:ph type="title"/>
+          </p:nvPr>
+        </p:nvSpPr>
+        <p:spPr/>
+        <p:txBody>
+          <a:bodyPr/>
+          <a:lstStyle/>
+          <a:p>
+            <a:r>
+              <a:rPr lang="en-US">
+                <a:latin typeface="Garamond" charset="0"/>
+              </a:rPr>
+              <a:t>Example solution</a:t>
+            </a:r>
+          </a:p>
+        </p:txBody>
+      </p:sp>
+      <p:sp>
+        <p:nvSpPr>
+          <p:cNvPr id="8" name="Content Placeholder 7"/>
+          <p:cNvSpPr>
+            <a:spLocks noGrp="1"/>
+          </p:cNvSpPr>
+          <p:nvPr>
+            <p:ph idx="1"/>
+          </p:nvPr>
+        </p:nvSpPr>
+        <p:spPr/>
+        <p:txBody>
+          <a:bodyPr>
+            <a:normAutofit fontScale="92500" lnSpcReduction="10000"/>
+          </a:bodyPr>
+          <a:lstStyle/>
+          <a:p>
+            <a:pPr>
+              <a:buFont typeface="Wingdings" pitchFamily="2" charset="2"/>
+              <a:buNone/>
+              <a:defRPr/>
+            </a:pPr>
+            <a:r>
+              <a:rPr lang="en-US" dirty="0" smtClean="0">
+                <a:latin typeface="Courier New" pitchFamily="49" charset="0"/>
+                <a:ea typeface="+mn-ea"/>
+                <a:cs typeface="Courier New" pitchFamily="49" charset="0"/>
+              </a:rPr>
+              <a:t>s1 = 16				</a:t>
+            </a:r>
+            <a:r>
+              <a:rPr lang="en-US" dirty="0" smtClean="0">
+                <a:ea typeface="+mn-ea"/>
+                <a:cs typeface="Courier New" pitchFamily="49" charset="0"/>
+                <a:sym typeface="Wingdings" pitchFamily="2" charset="2"/>
+              </a:rPr>
+              <a:t>Initial value of s1</a:t>
+            </a:r>
+            <a:endParaRPr lang="en-US" dirty="0" smtClean="0">
+              <a:latin typeface="Courier New" pitchFamily="49" charset="0"/>
+              <a:ea typeface="+mn-ea"/>
+              <a:cs typeface="Courier New" pitchFamily="49" charset="0"/>
+            </a:endParaRPr>
+          </a:p>
+          <a:p>
+            <a:pPr>
+              <a:buFont typeface="Wingdings" pitchFamily="2" charset="2"/>
+              <a:buNone/>
+              <a:defRPr/>
+            </a:pPr>
+            <a:r>
+              <a:rPr lang="en-US" dirty="0" smtClean="0">
+                <a:latin typeface="Courier New" pitchFamily="49" charset="0"/>
+                <a:ea typeface="+mn-ea"/>
+                <a:cs typeface="Courier New" pitchFamily="49" charset="0"/>
+              </a:rPr>
+              <a:t>Length of s1 = 2</a:t>
+            </a:r>
+          </a:p>
+          <a:p>
+            <a:pPr>
+              <a:buFont typeface="Wingdings" pitchFamily="2" charset="2"/>
+              <a:buNone/>
+              <a:defRPr/>
+            </a:pPr>
+            <a:endParaRPr lang="en-US" dirty="0" smtClean="0">
+              <a:latin typeface="Courier New" pitchFamily="49" charset="0"/>
+              <a:ea typeface="+mn-ea"/>
+              <a:cs typeface="Courier New" pitchFamily="49" charset="0"/>
+            </a:endParaRPr>
+          </a:p>
+          <a:p>
+            <a:pPr>
+              <a:buFont typeface="Wingdings" pitchFamily="2" charset="2"/>
+              <a:buNone/>
+              <a:defRPr/>
+            </a:pPr>
+            <a:r>
+              <a:rPr lang="en-US" dirty="0" smtClean="0">
+                <a:latin typeface="Courier New" pitchFamily="49" charset="0"/>
+                <a:ea typeface="+mn-ea"/>
+                <a:cs typeface="Courier New" pitchFamily="49" charset="0"/>
+              </a:rPr>
+              <a:t>6						</a:t>
+            </a:r>
+            <a:r>
+              <a:rPr lang="en-US" dirty="0" smtClean="0">
+                <a:ea typeface="+mn-ea"/>
+                <a:cs typeface="Courier New" pitchFamily="49" charset="0"/>
+                <a:sym typeface="Wingdings" pitchFamily="2" charset="2"/>
+              </a:rPr>
+              <a:t> s1[1]</a:t>
+            </a:r>
+          </a:p>
+          <a:p>
+            <a:pPr>
+              <a:buFont typeface="Wingdings" pitchFamily="2" charset="2"/>
+              <a:buNone/>
+              <a:defRPr/>
+            </a:pPr>
+            <a:r>
+              <a:rPr lang="en-US" dirty="0" smtClean="0">
+                <a:latin typeface="Courier New" pitchFamily="49" charset="0"/>
+                <a:ea typeface="+mn-ea"/>
+                <a:cs typeface="Courier New" pitchFamily="49" charset="0"/>
+              </a:rPr>
+              <a:t>	</a:t>
+            </a:r>
+          </a:p>
+          <a:p>
+            <a:pPr>
+              <a:buFont typeface="Wingdings" pitchFamily="2" charset="2"/>
+              <a:buNone/>
+              <a:defRPr/>
+            </a:pPr>
+            <a:r>
+              <a:rPr lang="en-US" dirty="0" smtClean="0">
+                <a:latin typeface="Courier New" pitchFamily="49" charset="0"/>
+                <a:ea typeface="+mn-ea"/>
+                <a:cs typeface="Courier New" pitchFamily="49" charset="0"/>
+              </a:rPr>
+              <a:t>s1 = 16.216			</a:t>
+            </a:r>
+            <a:r>
+              <a:rPr lang="en-US" dirty="0" smtClean="0">
+                <a:ea typeface="+mn-ea"/>
+                <a:cs typeface="Courier New" pitchFamily="49" charset="0"/>
+                <a:sym typeface="Wingdings" pitchFamily="2" charset="2"/>
+              </a:rPr>
+              <a:t> s1 after </a:t>
+            </a:r>
+            <a:r>
+              <a:rPr lang="en-US" dirty="0" err="1" smtClean="0">
+                <a:ea typeface="+mn-ea"/>
+                <a:cs typeface="Courier New" pitchFamily="49" charset="0"/>
+                <a:sym typeface="Wingdings" pitchFamily="2" charset="2"/>
+              </a:rPr>
+              <a:t>strncat</a:t>
+            </a:r>
+            <a:r>
+              <a:rPr lang="en-US" dirty="0" smtClean="0">
+                <a:ea typeface="+mn-ea"/>
+                <a:cs typeface="Courier New" pitchFamily="49" charset="0"/>
+                <a:sym typeface="Wingdings" pitchFamily="2" charset="2"/>
+              </a:rPr>
+              <a:t>()</a:t>
+            </a:r>
+          </a:p>
+          <a:p>
+            <a:pPr>
+              <a:buFont typeface="Wingdings" pitchFamily="2" charset="2"/>
+              <a:buNone/>
+              <a:defRPr/>
+            </a:pPr>
+            <a:r>
+              <a:rPr lang="en-US" dirty="0" smtClean="0">
+                <a:latin typeface="Courier New" pitchFamily="49" charset="0"/>
+                <a:ea typeface="+mn-ea"/>
+                <a:cs typeface="Courier New" pitchFamily="49" charset="0"/>
+              </a:rPr>
+              <a:t>Length of s1 = 6</a:t>
+            </a:r>
+          </a:p>
+          <a:p>
+            <a:pPr>
+              <a:buFont typeface="Wingdings" pitchFamily="2" charset="2"/>
+              <a:buNone/>
+              <a:defRPr/>
+            </a:pPr>
+            <a:endParaRPr lang="en-US" dirty="0" smtClean="0">
+              <a:latin typeface="Courier New" pitchFamily="49" charset="0"/>
+              <a:ea typeface="+mn-ea"/>
+              <a:cs typeface="Courier New" pitchFamily="49" charset="0"/>
+            </a:endParaRPr>
+          </a:p>
+          <a:p>
+            <a:pPr>
+              <a:buFont typeface="Wingdings" pitchFamily="2" charset="2"/>
+              <a:buNone/>
+              <a:defRPr/>
+            </a:pPr>
+            <a:r>
+              <a:rPr lang="en-US" dirty="0" smtClean="0">
+                <a:latin typeface="Courier New" pitchFamily="49" charset="0"/>
+                <a:ea typeface="+mn-ea"/>
+                <a:cs typeface="Courier New" pitchFamily="49" charset="0"/>
+              </a:rPr>
+              <a:t>Enter two strings: </a:t>
+            </a:r>
+            <a:r>
+              <a:rPr lang="en-US" u="sng" dirty="0" smtClean="0">
+                <a:latin typeface="Courier New" pitchFamily="49" charset="0"/>
+                <a:ea typeface="+mn-ea"/>
+                <a:cs typeface="Courier New" pitchFamily="49" charset="0"/>
+              </a:rPr>
+              <a:t>ABC ABD</a:t>
+            </a:r>
+            <a:endParaRPr lang="en-US" dirty="0" smtClean="0">
+              <a:latin typeface="Courier New" pitchFamily="49" charset="0"/>
+              <a:ea typeface="+mn-ea"/>
+              <a:cs typeface="Courier New" pitchFamily="49" charset="0"/>
+            </a:endParaRPr>
+          </a:p>
+          <a:p>
+            <a:pPr>
+              <a:buFont typeface="Wingdings" pitchFamily="2" charset="2"/>
+              <a:buNone/>
+              <a:defRPr/>
+            </a:pPr>
+            <a:r>
+              <a:rPr lang="en-US" dirty="0" smtClean="0">
+                <a:latin typeface="Courier New" pitchFamily="49" charset="0"/>
+                <a:ea typeface="+mn-ea"/>
+                <a:cs typeface="Courier New" pitchFamily="49" charset="0"/>
+              </a:rPr>
+              <a:t>ABC &lt; ABD			</a:t>
+            </a:r>
+            <a:r>
+              <a:rPr lang="en-US" dirty="0" smtClean="0">
+                <a:ea typeface="+mn-ea"/>
+                <a:cs typeface="Courier New" pitchFamily="49" charset="0"/>
+                <a:sym typeface="Wingdings" pitchFamily="2" charset="2"/>
+              </a:rPr>
+              <a:t> Result of </a:t>
+            </a:r>
+            <a:r>
+              <a:rPr lang="en-US" dirty="0" err="1" smtClean="0">
+                <a:ea typeface="+mn-ea"/>
+                <a:cs typeface="Courier New" pitchFamily="49" charset="0"/>
+                <a:sym typeface="Wingdings" pitchFamily="2" charset="2"/>
+              </a:rPr>
+              <a:t>strncmp</a:t>
+            </a:r>
+            <a:r>
+              <a:rPr lang="en-US" dirty="0" smtClean="0">
+                <a:ea typeface="+mn-ea"/>
+                <a:cs typeface="Courier New" pitchFamily="49" charset="0"/>
+                <a:sym typeface="Wingdings" pitchFamily="2" charset="2"/>
+              </a:rPr>
+              <a:t>()</a:t>
+            </a:r>
+            <a:endParaRPr lang="en-US" dirty="0" smtClean="0">
+              <a:latin typeface="Courier New" pitchFamily="49" charset="0"/>
+              <a:ea typeface="+mn-ea"/>
+              <a:cs typeface="Courier New" pitchFamily="49" charset="0"/>
+            </a:endParaRPr>
+          </a:p>
+          <a:p>
+            <a:pPr>
+              <a:buFont typeface="Wingdings" pitchFamily="2" charset="2"/>
+              <a:buNone/>
+              <a:defRPr/>
+            </a:pPr>
+            <a:endParaRPr lang="en-US" dirty="0">
+              <a:latin typeface="Courier New" pitchFamily="49" charset="0"/>
+              <a:ea typeface="+mn-ea"/>
+              <a:cs typeface="Courier New" pitchFamily="49" charset="0"/>
+            </a:endParaRPr>
+          </a:p>
+        </p:txBody>
+      </p:sp>
+      <p:sp>
+        <p:nvSpPr>
+          <p:cNvPr id="26627" name="Date Placeholder 4"/>
+          <p:cNvSpPr>
+            <a:spLocks noGrp="1"/>
+          </p:cNvSpPr>
+          <p:nvPr>
+            <p:ph type="dt" sz="quarter" idx="10"/>
+          </p:nvPr>
+        </p:nvSpPr>
+        <p:spPr>
+          <a:noFill/>
+          <a:ln/>
+          <a:extLst>
+            <a:ext uri="{909E8E84-426E-40dd-AFC4-6F175D3DCCD1}">
+              <a14:hiddenFill xmlns:a14="http://schemas.microsoft.com/office/drawing/2010/main">
+                <a:solidFill>
+                  <a:srgbClr val="FFFFFF"/>
+                </a:solidFill>
+              </a14:hiddenFill>
+            </a:ext>
+            <a:ext uri="{91240B29-F687-4f45-9708-019B960494DF}">
+              <a14:hiddenLine xmlns:a14="http://schemas.microsoft.com/office/drawing/2010/main" w="9525">
+                <a:solidFill>
+                  <a:srgbClr val="000000"/>
+                </a:solidFill>
+                <a:miter lim="800000"/>
+                <a:headEnd/>
+                <a:tailEnd/>
+              </a14:hiddenLine>
+            </a:ext>
+          </a:extLst>
+        </p:spPr>
+        <p:txBody>
+          <a:bodyPr/>
+          <a:lstStyle>
+            <a:lvl1pPr eaLnBrk="0" hangingPunct="0">
+              <a:defRPr sz="2400">
+                <a:solidFill>
+                  <a:schemeClr val="tx1"/>
+                </a:solidFill>
+                <a:latin typeface="Arial" charset="0"/>
+                <a:ea typeface="ＭＳ Ｐゴシック" charset="0"/>
+                <a:cs typeface="ＭＳ Ｐゴシック" charset="0"/>
+              </a:defRPr>
+            </a:lvl1pPr>
+            <a:lvl2pPr marL="742950" indent="-285750" eaLnBrk="0" hangingPunct="0">
+              <a:defRPr sz="2400">
+                <a:solidFill>
+                  <a:schemeClr val="tx1"/>
+                </a:solidFill>
+                <a:latin typeface="Arial" charset="0"/>
+                <a:ea typeface="ＭＳ Ｐゴシック" charset="0"/>
+              </a:defRPr>
+            </a:lvl2pPr>
+            <a:lvl3pPr marL="1143000" indent="-228600" eaLnBrk="0" hangingPunct="0">
+              <a:defRPr sz="2400">
+                <a:solidFill>
+                  <a:schemeClr val="tx1"/>
+                </a:solidFill>
+                <a:latin typeface="Arial" charset="0"/>
+                <a:ea typeface="ＭＳ Ｐゴシック" charset="0"/>
+              </a:defRPr>
+            </a:lvl3pPr>
+            <a:lvl4pPr marL="1600200" indent="-228600" eaLnBrk="0" hangingPunct="0">
+              <a:defRPr sz="2400">
+                <a:solidFill>
+                  <a:schemeClr val="tx1"/>
+                </a:solidFill>
+                <a:latin typeface="Arial" charset="0"/>
+                <a:ea typeface="ＭＳ Ｐゴシック" charset="0"/>
+              </a:defRPr>
+            </a:lvl4pPr>
+            <a:lvl5pPr marL="2057400" indent="-228600" eaLnBrk="0" hangingPunct="0">
+              <a:defRPr sz="2400">
+                <a:solidFill>
+                  <a:schemeClr val="tx1"/>
+                </a:solidFill>
+                <a:latin typeface="Arial" charset="0"/>
+                <a:ea typeface="ＭＳ Ｐゴシック" charset="0"/>
+              </a:defRPr>
+            </a:lvl5pPr>
+            <a:lvl6pPr marL="2514600" indent="-228600" eaLnBrk="0" fontAlgn="base" hangingPunct="0">
+              <a:spcBef>
+                <a:spcPct val="0"/>
+              </a:spcBef>
+              <a:spcAft>
+                <a:spcPct val="0"/>
+              </a:spcAft>
+              <a:defRPr sz="2400">
+                <a:solidFill>
+                  <a:schemeClr val="tx1"/>
+                </a:solidFill>
+                <a:latin typeface="Arial" charset="0"/>
+                <a:ea typeface="ＭＳ Ｐゴシック" charset="0"/>
+              </a:defRPr>
+            </a:lvl6pPr>
+            <a:lvl7pPr marL="2971800" indent="-228600" eaLnBrk="0" fontAlgn="base" hangingPunct="0">
+              <a:spcBef>
+                <a:spcPct val="0"/>
+              </a:spcBef>
+              <a:spcAft>
+                <a:spcPct val="0"/>
+              </a:spcAft>
+              <a:defRPr sz="2400">
+                <a:solidFill>
+                  <a:schemeClr val="tx1"/>
+                </a:solidFill>
+                <a:latin typeface="Arial" charset="0"/>
+                <a:ea typeface="ＭＳ Ｐゴシック" charset="0"/>
+              </a:defRPr>
+            </a:lvl7pPr>
+            <a:lvl8pPr marL="3429000" indent="-228600" eaLnBrk="0" fontAlgn="base" hangingPunct="0">
+              <a:spcBef>
+                <a:spcPct val="0"/>
+              </a:spcBef>
+              <a:spcAft>
+                <a:spcPct val="0"/>
+              </a:spcAft>
+              <a:defRPr sz="2400">
+                <a:solidFill>
+                  <a:schemeClr val="tx1"/>
+                </a:solidFill>
+                <a:latin typeface="Arial" charset="0"/>
+                <a:ea typeface="ＭＳ Ｐゴシック" charset="0"/>
+              </a:defRPr>
+            </a:lvl8pPr>
+            <a:lvl9pPr marL="3886200" indent="-228600" eaLnBrk="0" fontAlgn="base" hangingPunct="0">
+              <a:spcBef>
+                <a:spcPct val="0"/>
+              </a:spcBef>
+              <a:spcAft>
+                <a:spcPct val="0"/>
+              </a:spcAft>
+              <a:defRPr sz="2400">
+                <a:solidFill>
+                  <a:schemeClr val="tx1"/>
+                </a:solidFill>
+                <a:latin typeface="Arial" charset="0"/>
+                <a:ea typeface="ＭＳ Ｐゴシック" charset="0"/>
+              </a:defRPr>
+            </a:lvl9pPr>
+          </a:lstStyle>
+          <a:p>
+            <a:pPr eaLnBrk="1" hangingPunct="1"/>
+            <a:fld id="{CAFD4660-D642-124F-BBB0-A8898ADE8747}" type="datetime1">
+              <a:rPr lang="en-US" sz="1200" smtClean="0">
+                <a:latin typeface="Garamond" charset="0"/>
+                <a:cs typeface="Arial" charset="0"/>
+              </a:rPr>
+              <a:t>10/30/16</a:t>
+            </a:fld>
+            <a:endParaRPr lang="en-US" sz="1200">
+              <a:latin typeface="Garamond" charset="0"/>
+              <a:cs typeface="Arial" charset="0"/>
+            </a:endParaRPr>
+          </a:p>
+        </p:txBody>
+      </p:sp>
+      <p:sp>
+        <p:nvSpPr>
+          <p:cNvPr id="6" name="Footer Placeholder 5"/>
+          <p:cNvSpPr>
+            <a:spLocks noGrp="1"/>
+          </p:cNvSpPr>
+          <p:nvPr>
+            <p:ph type="ftr" sz="quarter" idx="11"/>
+          </p:nvPr>
+        </p:nvSpPr>
+        <p:spPr/>
+        <p:txBody>
+          <a:bodyPr/>
+          <a:lstStyle/>
+          <a:p>
+            <a:pPr>
+              <a:defRPr/>
+            </a:pPr>
+            <a:r>
+              <a:rPr lang="en-US" altLang="en-US" smtClean="0"/>
+              <a:t>ECE Application Programming: Lecture 23</a:t>
+            </a:r>
+            <a:endParaRPr lang="en-US" altLang="en-US"/>
+          </a:p>
+        </p:txBody>
+      </p:sp>
+      <p:sp>
+        <p:nvSpPr>
+          <p:cNvPr id="26629" name="Slide Number Placeholder 6"/>
+          <p:cNvSpPr>
+            <a:spLocks noGrp="1"/>
+          </p:cNvSpPr>
+          <p:nvPr>
+            <p:ph type="sldNum" sz="quarter" idx="12"/>
+          </p:nvPr>
+        </p:nvSpPr>
+        <p:spPr>
+          <a:noFill/>
+          <a:ln/>
+          <a:extLst>
+            <a:ext uri="{909E8E84-426E-40dd-AFC4-6F175D3DCCD1}">
+              <a14:hiddenFill xmlns:a14="http://schemas.microsoft.com/office/drawing/2010/main">
+                <a:solidFill>
+                  <a:srgbClr val="FFFFFF"/>
+                </a:solidFill>
+              </a14:hiddenFill>
+            </a:ext>
+            <a:ext uri="{91240B29-F687-4f45-9708-019B960494DF}">
+              <a14:hiddenLine xmlns:a14="http://schemas.microsoft.com/office/drawing/2010/main" w="9525">
+                <a:solidFill>
+                  <a:srgbClr val="000000"/>
+                </a:solidFill>
+                <a:miter lim="800000"/>
+                <a:headEnd/>
+                <a:tailEnd/>
+              </a14:hiddenLine>
+            </a:ext>
+          </a:extLst>
+        </p:spPr>
+        <p:txBody>
+          <a:bodyPr/>
+          <a:lstStyle>
+            <a:lvl1pPr eaLnBrk="0" hangingPunct="0">
+              <a:defRPr sz="2400">
+                <a:solidFill>
+                  <a:schemeClr val="tx1"/>
+                </a:solidFill>
+                <a:latin typeface="Arial" charset="0"/>
+                <a:ea typeface="ＭＳ Ｐゴシック" charset="0"/>
+                <a:cs typeface="ＭＳ Ｐゴシック" charset="0"/>
+              </a:defRPr>
+            </a:lvl1pPr>
+            <a:lvl2pPr marL="742950" indent="-285750" eaLnBrk="0" hangingPunct="0">
+              <a:defRPr sz="2400">
+                <a:solidFill>
+                  <a:schemeClr val="tx1"/>
+                </a:solidFill>
+                <a:latin typeface="Arial" charset="0"/>
+                <a:ea typeface="ＭＳ Ｐゴシック" charset="0"/>
+              </a:defRPr>
+            </a:lvl2pPr>
+            <a:lvl3pPr marL="1143000" indent="-228600" eaLnBrk="0" hangingPunct="0">
+              <a:defRPr sz="2400">
+                <a:solidFill>
+                  <a:schemeClr val="tx1"/>
+                </a:solidFill>
+                <a:latin typeface="Arial" charset="0"/>
+                <a:ea typeface="ＭＳ Ｐゴシック" charset="0"/>
+              </a:defRPr>
+            </a:lvl3pPr>
+            <a:lvl4pPr marL="1600200" indent="-228600" eaLnBrk="0" hangingPunct="0">
+              <a:defRPr sz="2400">
+                <a:solidFill>
+                  <a:schemeClr val="tx1"/>
+                </a:solidFill>
+                <a:latin typeface="Arial" charset="0"/>
+                <a:ea typeface="ＭＳ Ｐゴシック" charset="0"/>
+              </a:defRPr>
+            </a:lvl4pPr>
+            <a:lvl5pPr marL="2057400" indent="-228600" eaLnBrk="0" hangingPunct="0">
+              <a:defRPr sz="2400">
+                <a:solidFill>
+                  <a:schemeClr val="tx1"/>
+                </a:solidFill>
+                <a:latin typeface="Arial" charset="0"/>
+                <a:ea typeface="ＭＳ Ｐゴシック" charset="0"/>
+              </a:defRPr>
+            </a:lvl5pPr>
+            <a:lvl6pPr marL="2514600" indent="-228600" eaLnBrk="0" fontAlgn="base" hangingPunct="0">
+              <a:spcBef>
+                <a:spcPct val="0"/>
+              </a:spcBef>
+              <a:spcAft>
+                <a:spcPct val="0"/>
+              </a:spcAft>
+              <a:defRPr sz="2400">
+                <a:solidFill>
+                  <a:schemeClr val="tx1"/>
+                </a:solidFill>
+                <a:latin typeface="Arial" charset="0"/>
+                <a:ea typeface="ＭＳ Ｐゴシック" charset="0"/>
+              </a:defRPr>
+            </a:lvl6pPr>
+            <a:lvl7pPr marL="2971800" indent="-228600" eaLnBrk="0" fontAlgn="base" hangingPunct="0">
+              <a:spcBef>
+                <a:spcPct val="0"/>
+              </a:spcBef>
+              <a:spcAft>
+                <a:spcPct val="0"/>
+              </a:spcAft>
+              <a:defRPr sz="2400">
+                <a:solidFill>
+                  <a:schemeClr val="tx1"/>
+                </a:solidFill>
+                <a:latin typeface="Arial" charset="0"/>
+                <a:ea typeface="ＭＳ Ｐゴシック" charset="0"/>
+              </a:defRPr>
+            </a:lvl7pPr>
+            <a:lvl8pPr marL="3429000" indent="-228600" eaLnBrk="0" fontAlgn="base" hangingPunct="0">
+              <a:spcBef>
+                <a:spcPct val="0"/>
+              </a:spcBef>
+              <a:spcAft>
+                <a:spcPct val="0"/>
+              </a:spcAft>
+              <a:defRPr sz="2400">
+                <a:solidFill>
+                  <a:schemeClr val="tx1"/>
+                </a:solidFill>
+                <a:latin typeface="Arial" charset="0"/>
+                <a:ea typeface="ＭＳ Ｐゴシック" charset="0"/>
+              </a:defRPr>
+            </a:lvl8pPr>
+            <a:lvl9pPr marL="3886200" indent="-228600" eaLnBrk="0" fontAlgn="base" hangingPunct="0">
+              <a:spcBef>
+                <a:spcPct val="0"/>
+              </a:spcBef>
+              <a:spcAft>
+                <a:spcPct val="0"/>
+              </a:spcAft>
+              <a:defRPr sz="2400">
+                <a:solidFill>
+                  <a:schemeClr val="tx1"/>
+                </a:solidFill>
+                <a:latin typeface="Arial" charset="0"/>
+                <a:ea typeface="ＭＳ Ｐゴシック" charset="0"/>
+              </a:defRPr>
+            </a:lvl9pPr>
+          </a:lstStyle>
+          <a:p>
+            <a:pPr eaLnBrk="1" hangingPunct="1"/>
+            <a:fld id="{EBA00BFF-6F30-D348-9DEE-A61DE5213C31}" type="slidenum">
+              <a:rPr lang="en-US" sz="1200">
+                <a:latin typeface="Garamond" charset="0"/>
+                <a:cs typeface="Arial" charset="0"/>
+              </a:rPr>
+              <a:pPr eaLnBrk="1" hangingPunct="1"/>
+              <a:t>10</a:t>
+            </a:fld>
+            <a:endParaRPr lang="en-US" sz="1200">
+              <a:latin typeface="Garamond" charset="0"/>
+              <a:cs typeface="Arial" charset="0"/>
+            </a:endParaRPr>
+          </a:p>
+        </p:txBody>
+      </p:sp>
+    </p:spTree>
+    <p:extLst>
+      <p:ext uri="{BB962C8B-B14F-4D97-AF65-F5344CB8AC3E}">
+        <p14:creationId xmlns:p14="http://schemas.microsoft.com/office/powerpoint/2010/main" val="3020675307"/>
+      </p:ext>
+    </p:extLst>
+  </p:cSld>
+  <p:clrMapOvr>
+    <a:masterClrMapping/>
+  </p:clrMapOvr>
+  <p:timing>
+    <p:tnLst>
+      <p:par>
+        <p:cTn xmlns:p14="http://schemas.microsoft.com/office/powerpoint/2010/main" id="1" dur="indefinite" restart="never" nodeType="tmRoot"/>
+      </p:par>
+    </p:tnLst>
+  </p:timing>
+</p:sld>
+</file>
+
+<file path=ppt/slides/slide11.xml><?xml version="1.0" encoding="utf-8"?>
+<p:sld xmlns:a="http://schemas.openxmlformats.org/drawingml/2006/main" xmlns:r="http://schemas.openxmlformats.org/officeDocument/2006/relationships" xmlns:p="http://schemas.openxmlformats.org/presentationml/2006/main">
+  <p:cSld>
+    <p:spTree>
+      <p:nvGrpSpPr>
+        <p:cNvPr id="1" name=""/>
+        <p:cNvGrpSpPr/>
+        <p:nvPr/>
+      </p:nvGrpSpPr>
+      <p:grpSpPr>
+        <a:xfrm>
+          <a:off x="0" y="0"/>
+          <a:ext cx="0" cy="0"/>
+          <a:chOff x="0" y="0"/>
+          <a:chExt cx="0" cy="0"/>
+        </a:xfrm>
+      </p:grpSpPr>
+      <p:sp>
+        <p:nvSpPr>
+          <p:cNvPr id="40961" name="Title 1"/>
+          <p:cNvSpPr>
+            <a:spLocks noGrp="1"/>
+          </p:cNvSpPr>
+          <p:nvPr>
+            <p:ph type="title"/>
+          </p:nvPr>
+        </p:nvSpPr>
+        <p:spPr/>
+        <p:txBody>
+          <a:bodyPr/>
+          <a:lstStyle/>
+          <a:p>
+            <a:r>
+              <a:rPr lang="en-US">
+                <a:latin typeface="Garamond" charset="0"/>
+              </a:rPr>
+              <a:t>Final notes</a:t>
+            </a:r>
+          </a:p>
+        </p:txBody>
+      </p:sp>
+      <p:sp>
+        <p:nvSpPr>
+          <p:cNvPr id="40962" name="Content Placeholder 2"/>
+          <p:cNvSpPr>
+            <a:spLocks noGrp="1"/>
+          </p:cNvSpPr>
+          <p:nvPr>
+            <p:ph idx="1"/>
+          </p:nvPr>
+        </p:nvSpPr>
+        <p:spPr/>
+        <p:txBody>
+          <a:bodyPr>
+            <a:normAutofit/>
+          </a:bodyPr>
+          <a:lstStyle/>
+          <a:p>
+            <a:r>
+              <a:rPr lang="en-US" dirty="0">
+                <a:latin typeface="Arial" charset="0"/>
+              </a:rPr>
+              <a:t>Next time</a:t>
+            </a:r>
+          </a:p>
+          <a:p>
+            <a:pPr lvl="1"/>
+            <a:r>
+              <a:rPr lang="en-US" dirty="0" smtClean="0">
+                <a:latin typeface="Arial" charset="0"/>
+              </a:rPr>
+              <a:t>Exam 2 Preview</a:t>
+            </a:r>
+            <a:endParaRPr lang="en-US" dirty="0">
+              <a:latin typeface="Arial" charset="0"/>
+            </a:endParaRPr>
+          </a:p>
+          <a:p>
+            <a:r>
+              <a:rPr lang="en-US" dirty="0">
+                <a:latin typeface="Arial" charset="0"/>
+              </a:rPr>
+              <a:t>Reminders:</a:t>
+            </a:r>
+          </a:p>
+          <a:p>
+            <a:pPr lvl="1"/>
+            <a:r>
+              <a:rPr lang="en-US" dirty="0">
+                <a:latin typeface="Arial" charset="0"/>
+              </a:rPr>
+              <a:t>Program 6 due 11/7</a:t>
+            </a:r>
+          </a:p>
+          <a:p>
+            <a:pPr lvl="1"/>
+            <a:r>
+              <a:rPr lang="en-US" dirty="0">
+                <a:latin typeface="Arial" charset="0"/>
+              </a:rPr>
+              <a:t>Exam 2 in class 11/4</a:t>
+            </a:r>
+          </a:p>
+          <a:p>
+            <a:pPr lvl="2"/>
+            <a:r>
+              <a:rPr lang="en-US" dirty="0">
+                <a:latin typeface="Arial" charset="0"/>
+              </a:rPr>
+              <a:t>Will be allowed one double-sided 8.5” x 11” note sheet</a:t>
+            </a:r>
+          </a:p>
+          <a:p>
+            <a:pPr lvl="2"/>
+            <a:r>
+              <a:rPr lang="en-US">
+                <a:latin typeface="Arial" charset="0"/>
+              </a:rPr>
+              <a:t>Covers material starting after Exam 1, through lecture 21 (lectures 12-16, 18-23)</a:t>
+            </a:r>
+            <a:endParaRPr lang="en-US" dirty="0">
+              <a:latin typeface="Arial" charset="0"/>
+            </a:endParaRPr>
+          </a:p>
+        </p:txBody>
+      </p:sp>
+      <p:sp>
+        <p:nvSpPr>
+          <p:cNvPr id="40963" name="Date Placeholder 3"/>
+          <p:cNvSpPr>
+            <a:spLocks noGrp="1"/>
+          </p:cNvSpPr>
+          <p:nvPr>
+            <p:ph type="dt" sz="quarter" idx="10"/>
+          </p:nvPr>
+        </p:nvSpPr>
+        <p:spPr>
+          <a:noFill/>
+          <a:ln/>
+          <a:extLst>
+            <a:ext uri="{909E8E84-426E-40dd-AFC4-6F175D3DCCD1}">
+              <a14:hiddenFill xmlns:a14="http://schemas.microsoft.com/office/drawing/2010/main">
+                <a:solidFill>
+                  <a:srgbClr val="FFFFFF"/>
+                </a:solidFill>
+              </a14:hiddenFill>
+            </a:ext>
+            <a:ext uri="{91240B29-F687-4f45-9708-019B960494DF}">
+              <a14:hiddenLine xmlns:a14="http://schemas.microsoft.com/office/drawing/2010/main" w="9525">
+                <a:solidFill>
+                  <a:srgbClr val="000000"/>
+                </a:solidFill>
+                <a:miter lim="800000"/>
+                <a:headEnd/>
+                <a:tailEnd/>
+              </a14:hiddenLine>
+            </a:ext>
+          </a:extLst>
+        </p:spPr>
+        <p:txBody>
+          <a:bodyPr/>
+          <a:lstStyle>
+            <a:lvl1pPr eaLnBrk="0" hangingPunct="0">
+              <a:defRPr sz="2400">
+                <a:solidFill>
+                  <a:schemeClr val="tx1"/>
+                </a:solidFill>
+                <a:latin typeface="Arial" charset="0"/>
+                <a:ea typeface="ＭＳ Ｐゴシック" charset="0"/>
+                <a:cs typeface="ＭＳ Ｐゴシック" charset="0"/>
+              </a:defRPr>
+            </a:lvl1pPr>
+            <a:lvl2pPr marL="742950" indent="-285750" eaLnBrk="0" hangingPunct="0">
+              <a:defRPr sz="2400">
+                <a:solidFill>
+                  <a:schemeClr val="tx1"/>
+                </a:solidFill>
+                <a:latin typeface="Arial" charset="0"/>
+                <a:ea typeface="ＭＳ Ｐゴシック" charset="0"/>
+              </a:defRPr>
+            </a:lvl2pPr>
+            <a:lvl3pPr marL="1143000" indent="-228600" eaLnBrk="0" hangingPunct="0">
+              <a:defRPr sz="2400">
+                <a:solidFill>
+                  <a:schemeClr val="tx1"/>
+                </a:solidFill>
+                <a:latin typeface="Arial" charset="0"/>
+                <a:ea typeface="ＭＳ Ｐゴシック" charset="0"/>
+              </a:defRPr>
+            </a:lvl3pPr>
+            <a:lvl4pPr marL="1600200" indent="-228600" eaLnBrk="0" hangingPunct="0">
+              <a:defRPr sz="2400">
+                <a:solidFill>
+                  <a:schemeClr val="tx1"/>
+                </a:solidFill>
+                <a:latin typeface="Arial" charset="0"/>
+                <a:ea typeface="ＭＳ Ｐゴシック" charset="0"/>
+              </a:defRPr>
+            </a:lvl4pPr>
+            <a:lvl5pPr marL="2057400" indent="-228600" eaLnBrk="0" hangingPunct="0">
+              <a:defRPr sz="2400">
+                <a:solidFill>
+                  <a:schemeClr val="tx1"/>
+                </a:solidFill>
+                <a:latin typeface="Arial" charset="0"/>
+                <a:ea typeface="ＭＳ Ｐゴシック" charset="0"/>
+              </a:defRPr>
+            </a:lvl5pPr>
+            <a:lvl6pPr marL="2514600" indent="-228600" eaLnBrk="0" fontAlgn="base" hangingPunct="0">
+              <a:spcBef>
+                <a:spcPct val="0"/>
+              </a:spcBef>
+              <a:spcAft>
+                <a:spcPct val="0"/>
+              </a:spcAft>
+              <a:defRPr sz="2400">
+                <a:solidFill>
+                  <a:schemeClr val="tx1"/>
+                </a:solidFill>
+                <a:latin typeface="Arial" charset="0"/>
+                <a:ea typeface="ＭＳ Ｐゴシック" charset="0"/>
+              </a:defRPr>
+            </a:lvl6pPr>
+            <a:lvl7pPr marL="2971800" indent="-228600" eaLnBrk="0" fontAlgn="base" hangingPunct="0">
+              <a:spcBef>
+                <a:spcPct val="0"/>
+              </a:spcBef>
+              <a:spcAft>
+                <a:spcPct val="0"/>
+              </a:spcAft>
+              <a:defRPr sz="2400">
+                <a:solidFill>
+                  <a:schemeClr val="tx1"/>
+                </a:solidFill>
+                <a:latin typeface="Arial" charset="0"/>
+                <a:ea typeface="ＭＳ Ｐゴシック" charset="0"/>
+              </a:defRPr>
+            </a:lvl7pPr>
+            <a:lvl8pPr marL="3429000" indent="-228600" eaLnBrk="0" fontAlgn="base" hangingPunct="0">
+              <a:spcBef>
+                <a:spcPct val="0"/>
+              </a:spcBef>
+              <a:spcAft>
+                <a:spcPct val="0"/>
+              </a:spcAft>
+              <a:defRPr sz="2400">
+                <a:solidFill>
+                  <a:schemeClr val="tx1"/>
+                </a:solidFill>
+                <a:latin typeface="Arial" charset="0"/>
+                <a:ea typeface="ＭＳ Ｐゴシック" charset="0"/>
+              </a:defRPr>
+            </a:lvl8pPr>
+            <a:lvl9pPr marL="3886200" indent="-228600" eaLnBrk="0" fontAlgn="base" hangingPunct="0">
+              <a:spcBef>
+                <a:spcPct val="0"/>
+              </a:spcBef>
+              <a:spcAft>
+                <a:spcPct val="0"/>
+              </a:spcAft>
+              <a:defRPr sz="2400">
+                <a:solidFill>
+                  <a:schemeClr val="tx1"/>
+                </a:solidFill>
+                <a:latin typeface="Arial" charset="0"/>
+                <a:ea typeface="ＭＳ Ｐゴシック" charset="0"/>
+              </a:defRPr>
+            </a:lvl9pPr>
+          </a:lstStyle>
+          <a:p>
+            <a:pPr eaLnBrk="1" hangingPunct="1"/>
+            <a:fld id="{45CED821-B087-5848-80E9-4CFE8BBE01BE}" type="datetime1">
+              <a:rPr lang="en-US" sz="1200" smtClean="0">
+                <a:latin typeface="Garamond" charset="0"/>
+              </a:rPr>
+              <a:t>10/30/16</a:t>
+            </a:fld>
+            <a:endParaRPr lang="en-US" sz="1200">
+              <a:latin typeface="Garamond" charset="0"/>
+            </a:endParaRPr>
+          </a:p>
+        </p:txBody>
+      </p:sp>
+      <p:sp>
+        <p:nvSpPr>
+          <p:cNvPr id="5" name="Footer Placeholder 4"/>
+          <p:cNvSpPr>
+            <a:spLocks noGrp="1"/>
+          </p:cNvSpPr>
+          <p:nvPr>
+            <p:ph type="ftr" sz="quarter" idx="11"/>
+          </p:nvPr>
+        </p:nvSpPr>
+        <p:spPr/>
+        <p:txBody>
+          <a:bodyPr/>
+          <a:lstStyle/>
+          <a:p>
+            <a:pPr>
+              <a:defRPr/>
+            </a:pPr>
+            <a:r>
+              <a:rPr lang="en-US" altLang="en-US" smtClean="0"/>
+              <a:t>ECE Application Programming: Lecture 23</a:t>
+            </a:r>
+            <a:endParaRPr lang="en-US" altLang="en-US"/>
+          </a:p>
+        </p:txBody>
+      </p:sp>
+      <p:sp>
+        <p:nvSpPr>
+          <p:cNvPr id="40965" name="Slide Number Placeholder 5"/>
+          <p:cNvSpPr>
+            <a:spLocks noGrp="1"/>
+          </p:cNvSpPr>
+          <p:nvPr>
+            <p:ph type="sldNum" sz="quarter" idx="12"/>
+          </p:nvPr>
+        </p:nvSpPr>
+        <p:spPr>
+          <a:noFill/>
+          <a:ln/>
+          <a:extLst>
+            <a:ext uri="{909E8E84-426E-40dd-AFC4-6F175D3DCCD1}">
+              <a14:hiddenFill xmlns:a14="http://schemas.microsoft.com/office/drawing/2010/main">
+                <a:solidFill>
+                  <a:srgbClr val="FFFFFF"/>
+                </a:solidFill>
+              </a14:hiddenFill>
+            </a:ext>
+            <a:ext uri="{91240B29-F687-4f45-9708-019B960494DF}">
+              <a14:hiddenLine xmlns:a14="http://schemas.microsoft.com/office/drawing/2010/main" w="9525">
+                <a:solidFill>
+                  <a:srgbClr val="000000"/>
+                </a:solidFill>
+                <a:miter lim="800000"/>
+                <a:headEnd/>
+                <a:tailEnd/>
+              </a14:hiddenLine>
+            </a:ext>
+          </a:extLst>
+        </p:spPr>
+        <p:txBody>
+          <a:bodyPr/>
+          <a:lstStyle>
+            <a:lvl1pPr eaLnBrk="0" hangingPunct="0">
+              <a:defRPr sz="2400">
+                <a:solidFill>
+                  <a:schemeClr val="tx1"/>
+                </a:solidFill>
+                <a:latin typeface="Arial" charset="0"/>
+                <a:ea typeface="ＭＳ Ｐゴシック" charset="0"/>
+                <a:cs typeface="ＭＳ Ｐゴシック" charset="0"/>
+              </a:defRPr>
+            </a:lvl1pPr>
+            <a:lvl2pPr marL="742950" indent="-285750" eaLnBrk="0" hangingPunct="0">
+              <a:defRPr sz="2400">
+                <a:solidFill>
+                  <a:schemeClr val="tx1"/>
+                </a:solidFill>
+                <a:latin typeface="Arial" charset="0"/>
+                <a:ea typeface="ＭＳ Ｐゴシック" charset="0"/>
+              </a:defRPr>
+            </a:lvl2pPr>
+            <a:lvl3pPr marL="1143000" indent="-228600" eaLnBrk="0" hangingPunct="0">
+              <a:defRPr sz="2400">
+                <a:solidFill>
+                  <a:schemeClr val="tx1"/>
+                </a:solidFill>
+                <a:latin typeface="Arial" charset="0"/>
+                <a:ea typeface="ＭＳ Ｐゴシック" charset="0"/>
+              </a:defRPr>
+            </a:lvl3pPr>
+            <a:lvl4pPr marL="1600200" indent="-228600" eaLnBrk="0" hangingPunct="0">
+              <a:defRPr sz="2400">
+                <a:solidFill>
+                  <a:schemeClr val="tx1"/>
+                </a:solidFill>
+                <a:latin typeface="Arial" charset="0"/>
+                <a:ea typeface="ＭＳ Ｐゴシック" charset="0"/>
+              </a:defRPr>
+            </a:lvl4pPr>
+            <a:lvl5pPr marL="2057400" indent="-228600" eaLnBrk="0" hangingPunct="0">
+              <a:defRPr sz="2400">
+                <a:solidFill>
+                  <a:schemeClr val="tx1"/>
+                </a:solidFill>
+                <a:latin typeface="Arial" charset="0"/>
+                <a:ea typeface="ＭＳ Ｐゴシック" charset="0"/>
+              </a:defRPr>
+            </a:lvl5pPr>
+            <a:lvl6pPr marL="2514600" indent="-228600" eaLnBrk="0" fontAlgn="base" hangingPunct="0">
+              <a:spcBef>
+                <a:spcPct val="0"/>
+              </a:spcBef>
+              <a:spcAft>
+                <a:spcPct val="0"/>
+              </a:spcAft>
+              <a:defRPr sz="2400">
+                <a:solidFill>
+                  <a:schemeClr val="tx1"/>
+                </a:solidFill>
+                <a:latin typeface="Arial" charset="0"/>
+                <a:ea typeface="ＭＳ Ｐゴシック" charset="0"/>
+              </a:defRPr>
+            </a:lvl6pPr>
+            <a:lvl7pPr marL="2971800" indent="-228600" eaLnBrk="0" fontAlgn="base" hangingPunct="0">
+              <a:spcBef>
+                <a:spcPct val="0"/>
+              </a:spcBef>
+              <a:spcAft>
+                <a:spcPct val="0"/>
+              </a:spcAft>
+              <a:defRPr sz="2400">
+                <a:solidFill>
+                  <a:schemeClr val="tx1"/>
+                </a:solidFill>
+                <a:latin typeface="Arial" charset="0"/>
+                <a:ea typeface="ＭＳ Ｐゴシック" charset="0"/>
+              </a:defRPr>
+            </a:lvl7pPr>
+            <a:lvl8pPr marL="3429000" indent="-228600" eaLnBrk="0" fontAlgn="base" hangingPunct="0">
+              <a:spcBef>
+                <a:spcPct val="0"/>
+              </a:spcBef>
+              <a:spcAft>
+                <a:spcPct val="0"/>
+              </a:spcAft>
+              <a:defRPr sz="2400">
+                <a:solidFill>
+                  <a:schemeClr val="tx1"/>
+                </a:solidFill>
+                <a:latin typeface="Arial" charset="0"/>
+                <a:ea typeface="ＭＳ Ｐゴシック" charset="0"/>
+              </a:defRPr>
+            </a:lvl8pPr>
+            <a:lvl9pPr marL="3886200" indent="-228600" eaLnBrk="0" fontAlgn="base" hangingPunct="0">
+              <a:spcBef>
+                <a:spcPct val="0"/>
+              </a:spcBef>
+              <a:spcAft>
+                <a:spcPct val="0"/>
+              </a:spcAft>
+              <a:defRPr sz="2400">
+                <a:solidFill>
+                  <a:schemeClr val="tx1"/>
+                </a:solidFill>
+                <a:latin typeface="Arial" charset="0"/>
+                <a:ea typeface="ＭＳ Ｐゴシック" charset="0"/>
+              </a:defRPr>
+            </a:lvl9pPr>
+          </a:lstStyle>
+          <a:p>
+            <a:pPr eaLnBrk="1" hangingPunct="1"/>
+            <a:fld id="{995840FA-E6F5-0343-A066-8FDDE6435D57}" type="slidenum">
+              <a:rPr lang="en-US" sz="1200">
+                <a:latin typeface="Garamond" charset="0"/>
+              </a:rPr>
+              <a:pPr eaLnBrk="1" hangingPunct="1"/>
+              <a:t>11</a:t>
+            </a:fld>
+            <a:endParaRPr lang="en-US" sz="1200">
+              <a:latin typeface="Garamond" charset="0"/>
             </a:endParaRPr>
           </a:p>
         </p:txBody>
@@ -5769,9 +6914,6 @@
               </a:rPr>
               <a:t>12-16, 18-23)</a:t>
             </a:r>
-            <a:endParaRPr lang="en-US" dirty="0" smtClean="0">
-              <a:latin typeface="Arial" charset="0"/>
-            </a:endParaRPr>
           </a:p>
           <a:p>
             <a:r>
@@ -5790,13 +6932,7 @@
               <a:rPr lang="en-US" dirty="0" smtClean="0">
                 <a:latin typeface="Arial" charset="0"/>
               </a:rPr>
-              <a:t>2-D arrays and </a:t>
-            </a:r>
-            <a:r>
-              <a:rPr lang="en-US" dirty="0" smtClean="0">
-                <a:latin typeface="Arial" charset="0"/>
-              </a:rPr>
-              <a:t>functions</a:t>
+              <a:t>2-D arrays and functions</a:t>
             </a:r>
           </a:p>
           <a:p>
@@ -5978,11 +7114,11 @@
           </a:lstStyle>
           <a:p>
             <a:pPr eaLnBrk="1" hangingPunct="1"/>
-            <a:fld id="{BFC745CF-BAA5-904D-8170-F28A4C162745}" type="datetime1">
+            <a:fld id="{C574FF9F-3402-164F-A82F-A5422AA3F640}" type="datetime1">
               <a:rPr lang="en-US" sz="1200" smtClean="0">
                 <a:latin typeface="Garamond" charset="0"/>
               </a:rPr>
-              <a:t>10/26/16</a:t>
+              <a:t>10/30/16</a:t>
             </a:fld>
             <a:endParaRPr lang="en-US" sz="1200">
               <a:latin typeface="Garamond" charset="0"/>
@@ -6010,7 +7146,7 @@
             </a:pPr>
             <a:r>
               <a:rPr lang="en-US" altLang="en-US" smtClean="0"/>
-              <a:t>ECE Application Programming: Lecture 22</a:t>
+              <a:t>ECE Application Programming: Lecture 23</a:t>
             </a:r>
             <a:endParaRPr lang="en-US" altLang="en-US" dirty="0"/>
           </a:p>
@@ -6626,11 +7762,11 @@
           </a:lstStyle>
           <a:p>
             <a:pPr eaLnBrk="1" hangingPunct="1"/>
-            <a:fld id="{B4E6BEB2-2CF6-6041-B948-DF4D40A7FE66}" type="datetime1">
+            <a:fld id="{50109EC5-A602-6348-B89A-F844123CC068}" type="datetime1">
               <a:rPr lang="en-US" sz="1200" smtClean="0">
                 <a:latin typeface="Garamond" charset="0"/>
               </a:rPr>
-              <a:t>10/26/16</a:t>
+              <a:t>10/30/16</a:t>
             </a:fld>
             <a:endParaRPr lang="en-US" sz="1200">
               <a:latin typeface="Garamond" charset="0"/>
@@ -6658,7 +7794,7 @@
             </a:pPr>
             <a:r>
               <a:rPr lang="en-US" altLang="en-US" smtClean="0"/>
-              <a:t>ECE Application Programming: Lecture 22</a:t>
+              <a:t>ECE Application Programming: Lecture 23</a:t>
             </a:r>
             <a:endParaRPr lang="en-US" altLang="en-US"/>
           </a:p>
@@ -8212,7 +9348,7 @@
       </p:grpSpPr>
       <p:sp>
         <p:nvSpPr>
-          <p:cNvPr id="21505" name="Title 1"/>
+          <p:cNvPr id="20481" name="Title 1"/>
           <p:cNvSpPr>
             <a:spLocks noGrp="1"/>
           </p:cNvSpPr>
@@ -8229,14 +9365,14 @@
               <a:rPr lang="en-US">
                 <a:latin typeface="Garamond" charset="0"/>
               </a:rPr>
-              <a:t>Review: strings</a:t>
+              <a:t>Strings in C</a:t>
             </a:r>
           </a:p>
         </p:txBody>
       </p:sp>
       <p:sp>
         <p:nvSpPr>
-          <p:cNvPr id="21506" name="Content Placeholder 2"/>
+          <p:cNvPr id="20482" name="Content Placeholder 2"/>
           <p:cNvSpPr>
             <a:spLocks noGrp="1"/>
           </p:cNvSpPr>
@@ -8244,99 +9380,137 @@
             <p:ph idx="1"/>
           </p:nvPr>
         </p:nvSpPr>
-        <p:spPr/>
+        <p:spPr>
+          <a:xfrm>
+            <a:off x="457200" y="1066800"/>
+            <a:ext cx="8229600" cy="5064125"/>
+          </a:xfrm>
+        </p:spPr>
         <p:txBody>
-          <a:bodyPr>
-            <a:normAutofit fontScale="92500" lnSpcReduction="20000"/>
-          </a:bodyPr>
+          <a:bodyPr/>
           <a:lstStyle/>
           <a:p>
-            <a:r>
-              <a:rPr lang="en-US" sz="2800" dirty="0">
-                <a:latin typeface="Arial" charset="0"/>
-              </a:rPr>
-              <a:t>Represented as character arrays</a:t>
-            </a:r>
-          </a:p>
-          <a:p>
-            <a:r>
-              <a:rPr lang="en-US" sz="2800" dirty="0">
-                <a:latin typeface="Arial" charset="0"/>
-              </a:rPr>
-              <a:t>Can be initialized using string constants</a:t>
-            </a:r>
-          </a:p>
-          <a:p>
-            <a:pPr lvl="1"/>
-            <a:r>
-              <a:rPr lang="en-US" sz="2400" dirty="0">
+            <a:pPr>
+              <a:lnSpc>
+                <a:spcPct val="80000"/>
+              </a:lnSpc>
+            </a:pPr>
+            <a:r>
+              <a:rPr lang="en-US" sz="2300">
+                <a:latin typeface="Arial" charset="0"/>
+              </a:rPr>
+              <a:t>Strings in C: null-terminated arrays of characters</a:t>
+            </a:r>
+          </a:p>
+          <a:p>
+            <a:pPr lvl="1">
+              <a:lnSpc>
+                <a:spcPct val="80000"/>
+              </a:lnSpc>
+            </a:pPr>
+            <a:r>
+              <a:rPr lang="ja-JP" altLang="en-US" sz="2000">
+                <a:latin typeface="Courier New" charset="0"/>
+                <a:cs typeface="Courier New" charset="0"/>
+              </a:rPr>
+              <a:t>“</a:t>
+            </a:r>
+            <a:r>
+              <a:rPr lang="en-US" altLang="ja-JP" sz="2000">
+                <a:latin typeface="Courier New" charset="0"/>
+                <a:cs typeface="Courier New" charset="0"/>
+              </a:rPr>
+              <a:t>Hello</a:t>
+            </a:r>
+            <a:r>
+              <a:rPr lang="ja-JP" altLang="en-US" sz="2000">
+                <a:latin typeface="Courier New" charset="0"/>
+                <a:cs typeface="Courier New" charset="0"/>
+              </a:rPr>
+              <a:t>”</a:t>
+            </a:r>
+            <a:r>
+              <a:rPr lang="en-US" altLang="ja-JP" sz="2000">
                 <a:latin typeface="Courier New" charset="0"/>
                 <a:cs typeface="Courier New" charset="0"/>
                 <a:sym typeface="Wingdings" charset="0"/>
               </a:rPr>
-              <a:t>char hello[] = </a:t>
-            </a:r>
-            <a:r>
-              <a:rPr lang="ja-JP" altLang="en-US" sz="2400" dirty="0">
+              <a:t>{</a:t>
+            </a:r>
+            <a:r>
+              <a:rPr lang="ja-JP" altLang="en-US" sz="2000">
                 <a:latin typeface="Courier New" charset="0"/>
                 <a:cs typeface="Courier New" charset="0"/>
                 <a:sym typeface="Wingdings" charset="0"/>
               </a:rPr>
-              <a:t>“</a:t>
-            </a:r>
-            <a:r>
-              <a:rPr lang="en-US" altLang="ja-JP" sz="2400" dirty="0">
+              <a:t>‘</a:t>
+            </a:r>
+            <a:r>
+              <a:rPr lang="en-US" altLang="ja-JP" sz="2000">
                 <a:latin typeface="Courier New" charset="0"/>
                 <a:cs typeface="Courier New" charset="0"/>
                 <a:sym typeface="Wingdings" charset="0"/>
               </a:rPr>
-              <a:t>Hello</a:t>
-            </a:r>
-            <a:r>
-              <a:rPr lang="ja-JP" altLang="en-US" sz="2400" dirty="0">
+              <a:t>H</a:t>
+            </a:r>
+            <a:r>
+              <a:rPr lang="ja-JP" altLang="en-US" sz="2000">
                 <a:latin typeface="Courier New" charset="0"/>
                 <a:cs typeface="Courier New" charset="0"/>
                 <a:sym typeface="Wingdings" charset="0"/>
               </a:rPr>
-              <a:t>”</a:t>
-            </a:r>
-            <a:r>
-              <a:rPr lang="en-US" altLang="ja-JP" sz="2400" dirty="0">
+              <a:t>’</a:t>
+            </a:r>
+            <a:r>
+              <a:rPr lang="en-US" altLang="ja-JP" sz="2000">
                 <a:latin typeface="Courier New" charset="0"/>
                 <a:cs typeface="Courier New" charset="0"/>
                 <a:sym typeface="Wingdings" charset="0"/>
               </a:rPr>
-              <a:t>;</a:t>
-            </a:r>
-          </a:p>
-          <a:p>
-            <a:r>
-              <a:rPr lang="en-US" sz="2800" dirty="0">
-                <a:latin typeface="Arial" charset="0"/>
-              </a:rPr>
-              <a:t>Can access individual elements</a:t>
-            </a:r>
-          </a:p>
-          <a:p>
-            <a:pPr lvl="1"/>
-            <a:r>
-              <a:rPr lang="en-US" sz="2400" dirty="0">
+              <a:t>, </a:t>
+            </a:r>
+            <a:r>
+              <a:rPr lang="ja-JP" altLang="en-US" sz="2000">
                 <a:latin typeface="Courier New" charset="0"/>
                 <a:cs typeface="Courier New" charset="0"/>
                 <a:sym typeface="Wingdings" charset="0"/>
               </a:rPr>
-              <a:t>hello[3] = </a:t>
-            </a:r>
-            <a:r>
-              <a:rPr lang="ja-JP" altLang="en-US" sz="2400" dirty="0">
+              <a:t>‘</a:t>
+            </a:r>
+            <a:r>
+              <a:rPr lang="en-US" altLang="ja-JP" sz="2000">
                 <a:latin typeface="Courier New" charset="0"/>
                 <a:cs typeface="Courier New" charset="0"/>
                 <a:sym typeface="Wingdings" charset="0"/>
               </a:rPr>
+              <a:t>e</a:t>
+            </a:r>
+            <a:r>
+              <a:rPr lang="ja-JP" altLang="en-US" sz="2000">
+                <a:latin typeface="Courier New" charset="0"/>
+                <a:cs typeface="Courier New" charset="0"/>
+                <a:sym typeface="Wingdings" charset="0"/>
+              </a:rPr>
+              <a:t>’</a:t>
+            </a:r>
+            <a:r>
+              <a:rPr lang="en-US" altLang="ja-JP" sz="2000">
+                <a:latin typeface="Courier New" charset="0"/>
+                <a:cs typeface="Courier New" charset="0"/>
+                <a:sym typeface="Wingdings" charset="0"/>
+              </a:rPr>
+              <a:t>, </a:t>
+            </a:r>
+            <a:r>
+              <a:rPr lang="ja-JP" altLang="en-US" sz="2000">
+                <a:latin typeface="Courier New" charset="0"/>
+                <a:cs typeface="Courier New" charset="0"/>
+                <a:sym typeface="Wingdings" charset="0"/>
+              </a:rPr>
               <a:t>‘</a:t>
             </a:r>
             <a:r>
-              <a:rPr lang="en-US" altLang="ja-JP" sz="2400" dirty="0">
+              <a:rPr lang="en-US" altLang="ja-JP" sz="2000">
                 <a:latin typeface="Courier New" charset="0"/>
                 <a:cs typeface="Courier New" charset="0"/>
                 <a:sym typeface="Wingdings" charset="0"/>
@@ -8344,7 +9518,7 @@
               <a:t>l</a:t>
             </a:r>
             <a:r>
-              <a:rPr lang="ja-JP" altLang="en-US" sz="2400" dirty="0">
+              <a:rPr lang="ja-JP" altLang="en-US" sz="2000">
                 <a:latin typeface="Courier New" charset="0"/>
                 <a:cs typeface="Courier New" charset="0"/>
                 <a:sym typeface="Wingdings" charset="0"/>
@@ -8352,196 +9526,587 @@
               <a:t>’</a:t>
             </a:r>
             <a:r>
-              <a:rPr lang="en-US" altLang="ja-JP" sz="2400" dirty="0">
+              <a:rPr lang="en-US" altLang="ja-JP" sz="2000">
                 <a:latin typeface="Courier New" charset="0"/>
                 <a:cs typeface="Courier New" charset="0"/>
                 <a:sym typeface="Wingdings" charset="0"/>
               </a:rPr>
-              <a:t>;</a:t>
-            </a:r>
-            <a:endParaRPr lang="en-US" altLang="ja-JP" sz="2400" dirty="0">
-              <a:latin typeface="Arial" charset="0"/>
-            </a:endParaRPr>
-          </a:p>
-          <a:p>
-            <a:r>
-              <a:rPr lang="en-US" sz="2800" dirty="0">
-                <a:latin typeface="Arial" charset="0"/>
-              </a:rPr>
-              <a:t>Can print directly or with formatting</a:t>
-            </a:r>
-          </a:p>
-          <a:p>
-            <a:pPr lvl="1"/>
-            <a:r>
-              <a:rPr lang="en-US" sz="2400" dirty="0">
-                <a:latin typeface="Arial" charset="0"/>
-              </a:rPr>
-              <a:t>Print directly: </a:t>
-            </a:r>
-            <a:r>
-              <a:rPr lang="en-US" sz="2400" dirty="0" err="1">
-                <a:latin typeface="Courier New" charset="0"/>
-                <a:cs typeface="Courier New" charset="0"/>
-              </a:rPr>
-              <a:t>printf</a:t>
-            </a:r>
-            <a:r>
-              <a:rPr lang="en-US" sz="2400" dirty="0">
-                <a:latin typeface="Courier New" charset="0"/>
-                <a:cs typeface="Courier New" charset="0"/>
-              </a:rPr>
-              <a:t>(hello);</a:t>
-            </a:r>
-          </a:p>
-          <a:p>
-            <a:pPr lvl="1"/>
-            <a:r>
-              <a:rPr lang="en-US" sz="2400" dirty="0">
-                <a:latin typeface="Arial" charset="0"/>
-                <a:cs typeface="Courier New" charset="0"/>
-              </a:rPr>
-              <a:t>Print w/formatting using %s: </a:t>
-            </a:r>
-            <a:r>
-              <a:rPr lang="en-US" sz="2400" dirty="0" err="1">
-                <a:latin typeface="Courier New" charset="0"/>
-                <a:cs typeface="Courier New" charset="0"/>
-              </a:rPr>
-              <a:t>printf</a:t>
-            </a:r>
-            <a:r>
-              <a:rPr lang="en-US" sz="2400" dirty="0">
-                <a:latin typeface="Courier New" charset="0"/>
-                <a:cs typeface="Courier New" charset="0"/>
-              </a:rPr>
-              <a:t>(</a:t>
-            </a:r>
-            <a:r>
-              <a:rPr lang="ja-JP" altLang="en-US" sz="2400" dirty="0">
-                <a:latin typeface="Courier New" charset="0"/>
-                <a:cs typeface="Courier New" charset="0"/>
-              </a:rPr>
-              <a:t>“</a:t>
-            </a:r>
-            <a:r>
-              <a:rPr lang="en-US" altLang="ja-JP" sz="2400" dirty="0">
-                <a:latin typeface="Courier New" charset="0"/>
-                <a:cs typeface="Courier New" charset="0"/>
-              </a:rPr>
-              <a:t>%s\n</a:t>
-            </a:r>
-            <a:r>
-              <a:rPr lang="ja-JP" altLang="en-US" sz="2400" dirty="0">
-                <a:latin typeface="Courier New" charset="0"/>
-                <a:cs typeface="Courier New" charset="0"/>
-              </a:rPr>
-              <a:t>”</a:t>
-            </a:r>
-            <a:r>
-              <a:rPr lang="en-US" altLang="ja-JP" sz="2400" dirty="0">
-                <a:latin typeface="Courier New" charset="0"/>
-                <a:cs typeface="Courier New" charset="0"/>
-              </a:rPr>
-              <a:t>, 						 	hello</a:t>
-            </a:r>
-            <a:r>
-              <a:rPr lang="en-US" altLang="ja-JP" sz="2400" dirty="0" smtClean="0">
-                <a:latin typeface="Courier New" charset="0"/>
-                <a:cs typeface="Courier New" charset="0"/>
-              </a:rPr>
-              <a:t>);</a:t>
-            </a:r>
-          </a:p>
-          <a:p>
-            <a:r>
-              <a:rPr lang="en-US" altLang="ja-JP" sz="2800" dirty="0" smtClean="0">
-                <a:latin typeface="Courier New" charset="0"/>
-                <a:cs typeface="Courier New" charset="0"/>
-              </a:rPr>
-              <a:t>Reading strings: </a:t>
-            </a:r>
-            <a:r>
-              <a:rPr lang="en-US" altLang="ja-JP" sz="2800" dirty="0" err="1" smtClean="0">
-                <a:latin typeface="Courier New" charset="0"/>
-                <a:cs typeface="Courier New" charset="0"/>
-              </a:rPr>
-              <a:t>scanf</a:t>
-            </a:r>
-            <a:r>
-              <a:rPr lang="en-US" altLang="ja-JP" sz="2800" dirty="0" smtClean="0">
-                <a:latin typeface="Courier New" charset="0"/>
-                <a:cs typeface="Courier New" charset="0"/>
-              </a:rPr>
-              <a:t>(“%s”, </a:t>
-            </a:r>
-            <a:r>
-              <a:rPr lang="en-US" altLang="ja-JP" sz="2800" dirty="0" err="1" smtClean="0">
-                <a:latin typeface="Courier New" charset="0"/>
-                <a:cs typeface="Courier New" charset="0"/>
-              </a:rPr>
-              <a:t>str</a:t>
-            </a:r>
-            <a:r>
-              <a:rPr lang="en-US" altLang="ja-JP" sz="2800" dirty="0" smtClean="0">
-                <a:latin typeface="Courier New" charset="0"/>
-                <a:cs typeface="Courier New" charset="0"/>
-              </a:rPr>
-              <a:t>);</a:t>
-            </a:r>
-          </a:p>
-          <a:p>
-            <a:pPr lvl="1"/>
-            <a:r>
-              <a:rPr lang="en-US" altLang="ja-JP" sz="2400" dirty="0" smtClean="0">
-                <a:latin typeface="Arial"/>
-                <a:cs typeface="Arial"/>
-              </a:rPr>
-              <a:t>Reads all characters up to (but not including) first space, tab, or newline</a:t>
-            </a:r>
-            <a:endParaRPr lang="en-US" altLang="ja-JP" sz="2400" dirty="0">
-              <a:latin typeface="Arial"/>
-              <a:cs typeface="Arial"/>
-            </a:endParaRPr>
-          </a:p>
-          <a:p>
-            <a:r>
-              <a:rPr lang="en-US" sz="2800" dirty="0">
-                <a:latin typeface="Arial" charset="0"/>
-              </a:rPr>
-              <a:t>Must leave enough room for terminating </a:t>
-            </a:r>
-            <a:r>
-              <a:rPr lang="ja-JP" altLang="en-US" sz="2800" dirty="0">
-                <a:latin typeface="Courier New" charset="0"/>
-                <a:cs typeface="Courier New" charset="0"/>
+              <a:t>, </a:t>
+            </a:r>
+            <a:r>
+              <a:rPr lang="ja-JP" altLang="en-US" sz="2000">
+                <a:latin typeface="Courier New" charset="0"/>
+                <a:cs typeface="Courier New" charset="0"/>
+                <a:sym typeface="Wingdings" charset="0"/>
               </a:rPr>
               <a:t>‘</a:t>
             </a:r>
             <a:r>
-              <a:rPr lang="en-US" altLang="ja-JP" sz="2800" dirty="0">
-                <a:latin typeface="Courier New" charset="0"/>
-                <a:cs typeface="Courier New" charset="0"/>
-              </a:rPr>
-              <a:t>\0</a:t>
-            </a:r>
-            <a:r>
-              <a:rPr lang="ja-JP" altLang="en-US" sz="2800" dirty="0">
-                <a:latin typeface="Courier New" charset="0"/>
-                <a:cs typeface="Courier New" charset="0"/>
+              <a:rPr lang="en-US" altLang="ja-JP" sz="2000">
+                <a:latin typeface="Courier New" charset="0"/>
+                <a:cs typeface="Courier New" charset="0"/>
+                <a:sym typeface="Wingdings" charset="0"/>
+              </a:rPr>
+              <a:t>l</a:t>
+            </a:r>
+            <a:r>
+              <a:rPr lang="ja-JP" altLang="en-US" sz="2000">
+                <a:latin typeface="Courier New" charset="0"/>
+                <a:cs typeface="Courier New" charset="0"/>
+                <a:sym typeface="Wingdings" charset="0"/>
               </a:rPr>
               <a:t>’</a:t>
             </a:r>
-            <a:endParaRPr lang="en-US" sz="2800" dirty="0">
+            <a:r>
+              <a:rPr lang="en-US" altLang="ja-JP" sz="2000">
+                <a:latin typeface="Courier New" charset="0"/>
+                <a:cs typeface="Courier New" charset="0"/>
+                <a:sym typeface="Wingdings" charset="0"/>
+              </a:rPr>
+              <a:t>, </a:t>
+            </a:r>
+            <a:r>
+              <a:rPr lang="ja-JP" altLang="en-US" sz="2000">
+                <a:latin typeface="Courier New" charset="0"/>
+                <a:cs typeface="Courier New" charset="0"/>
+                <a:sym typeface="Wingdings" charset="0"/>
+              </a:rPr>
+              <a:t>‘</a:t>
+            </a:r>
+            <a:r>
+              <a:rPr lang="en-US" altLang="ja-JP" sz="2000">
+                <a:latin typeface="Courier New" charset="0"/>
+                <a:cs typeface="Courier New" charset="0"/>
+                <a:sym typeface="Wingdings" charset="0"/>
+              </a:rPr>
+              <a:t>o</a:t>
+            </a:r>
+            <a:r>
+              <a:rPr lang="ja-JP" altLang="en-US" sz="2000">
+                <a:latin typeface="Courier New" charset="0"/>
+                <a:cs typeface="Courier New" charset="0"/>
+                <a:sym typeface="Wingdings" charset="0"/>
+              </a:rPr>
+              <a:t>’</a:t>
+            </a:r>
+            <a:r>
+              <a:rPr lang="en-US" altLang="ja-JP" sz="2000">
+                <a:latin typeface="Courier New" charset="0"/>
+                <a:cs typeface="Courier New" charset="0"/>
+                <a:sym typeface="Wingdings" charset="0"/>
+              </a:rPr>
+              <a:t>, 0}</a:t>
+            </a:r>
+            <a:endParaRPr lang="en-US" altLang="ja-JP" sz="2000">
               <a:latin typeface="Courier New" charset="0"/>
               <a:cs typeface="Courier New" charset="0"/>
+            </a:endParaRPr>
+          </a:p>
+          <a:p>
+            <a:pPr lvl="1">
+              <a:lnSpc>
+                <a:spcPct val="80000"/>
+              </a:lnSpc>
+            </a:pPr>
+            <a:r>
+              <a:rPr lang="en-US" sz="2000">
+                <a:latin typeface="Arial" charset="0"/>
+              </a:rPr>
+              <a:t>Null character = 0 = </a:t>
+            </a:r>
+            <a:r>
+              <a:rPr lang="ja-JP" altLang="en-US" sz="2000">
+                <a:latin typeface="Courier New" charset="0"/>
+                <a:cs typeface="Courier New" charset="0"/>
+              </a:rPr>
+              <a:t>‘</a:t>
+            </a:r>
+            <a:r>
+              <a:rPr lang="en-US" altLang="ja-JP" sz="2000">
+                <a:latin typeface="Courier New" charset="0"/>
+                <a:cs typeface="Courier New" charset="0"/>
+              </a:rPr>
+              <a:t>\0</a:t>
+            </a:r>
+            <a:r>
+              <a:rPr lang="ja-JP" altLang="en-US" sz="2000">
+                <a:latin typeface="Courier New" charset="0"/>
+                <a:cs typeface="Courier New" charset="0"/>
+              </a:rPr>
+              <a:t>’</a:t>
+            </a:r>
+            <a:endParaRPr lang="en-US" altLang="ja-JP" sz="2000">
+              <a:latin typeface="Courier New" charset="0"/>
+              <a:cs typeface="Courier New" charset="0"/>
+            </a:endParaRPr>
+          </a:p>
+          <a:p>
+            <a:pPr>
+              <a:lnSpc>
+                <a:spcPct val="80000"/>
+              </a:lnSpc>
+            </a:pPr>
+            <a:r>
+              <a:rPr lang="en-US" sz="2300">
+                <a:latin typeface="Arial" charset="0"/>
+              </a:rPr>
+              <a:t>Can declare array to hold string</a:t>
+            </a:r>
+          </a:p>
+          <a:p>
+            <a:pPr lvl="1">
+              <a:lnSpc>
+                <a:spcPct val="80000"/>
+              </a:lnSpc>
+            </a:pPr>
+            <a:r>
+              <a:rPr lang="en-US" sz="2000">
+                <a:latin typeface="Arial" charset="0"/>
+              </a:rPr>
+              <a:t>Need space to hold null: </a:t>
+            </a:r>
+            <a:r>
+              <a:rPr lang="en-US" sz="2000">
+                <a:latin typeface="Courier New" charset="0"/>
+                <a:cs typeface="Courier New" charset="0"/>
+              </a:rPr>
+              <a:t>char hello[5]</a:t>
+            </a:r>
+            <a:r>
+              <a:rPr lang="en-US" sz="2000">
+                <a:latin typeface="Arial" charset="0"/>
+                <a:cs typeface="Courier New" charset="0"/>
+              </a:rPr>
+              <a:t> would be </a:t>
+            </a:r>
+            <a:r>
+              <a:rPr lang="en-US" sz="2000">
+                <a:latin typeface="Arial" charset="0"/>
+                <a:sym typeface="Wingdings" charset="0"/>
+              </a:rPr>
+              <a:t>too small</a:t>
+            </a:r>
+          </a:p>
+          <a:p>
+            <a:pPr lvl="1">
+              <a:lnSpc>
+                <a:spcPct val="80000"/>
+              </a:lnSpc>
+            </a:pPr>
+            <a:r>
+              <a:rPr lang="en-US" sz="2000">
+                <a:latin typeface="Arial" charset="0"/>
+                <a:cs typeface="Courier New" charset="0"/>
+                <a:sym typeface="Wingdings" charset="0"/>
+              </a:rPr>
+              <a:t>Can use string constants to directly initialize</a:t>
+            </a:r>
+          </a:p>
+          <a:p>
+            <a:pPr lvl="1">
+              <a:lnSpc>
+                <a:spcPct val="80000"/>
+              </a:lnSpc>
+              <a:buFont typeface="Wingdings" charset="0"/>
+              <a:buNone/>
+            </a:pPr>
+            <a:r>
+              <a:rPr lang="en-US" sz="2000">
+                <a:latin typeface="Arial" charset="0"/>
+                <a:cs typeface="Courier New" charset="0"/>
+                <a:sym typeface="Wingdings" charset="0"/>
+              </a:rPr>
+              <a:t>	</a:t>
+            </a:r>
+            <a:r>
+              <a:rPr lang="en-US" sz="2000">
+                <a:latin typeface="Courier New" charset="0"/>
+                <a:cs typeface="Courier New" charset="0"/>
+                <a:sym typeface="Wingdings" charset="0"/>
+              </a:rPr>
+              <a:t>char hello[] = </a:t>
+            </a:r>
+            <a:r>
+              <a:rPr lang="ja-JP" altLang="en-US" sz="2000">
+                <a:latin typeface="Courier New" charset="0"/>
+                <a:cs typeface="Courier New" charset="0"/>
+                <a:sym typeface="Wingdings" charset="0"/>
+              </a:rPr>
+              <a:t>“</a:t>
+            </a:r>
+            <a:r>
+              <a:rPr lang="en-US" altLang="ja-JP" sz="2000">
+                <a:latin typeface="Courier New" charset="0"/>
+                <a:cs typeface="Courier New" charset="0"/>
+                <a:sym typeface="Wingdings" charset="0"/>
+              </a:rPr>
+              <a:t>Hello</a:t>
+            </a:r>
+            <a:r>
+              <a:rPr lang="ja-JP" altLang="en-US" sz="2000">
+                <a:latin typeface="Courier New" charset="0"/>
+                <a:cs typeface="Courier New" charset="0"/>
+                <a:sym typeface="Wingdings" charset="0"/>
+              </a:rPr>
+              <a:t>”</a:t>
+            </a:r>
+            <a:r>
+              <a:rPr lang="en-US" altLang="ja-JP" sz="2000">
+                <a:latin typeface="Courier New" charset="0"/>
+                <a:cs typeface="Courier New" charset="0"/>
+                <a:sym typeface="Wingdings" charset="0"/>
+              </a:rPr>
+              <a:t>;</a:t>
+            </a:r>
+            <a:endParaRPr lang="en-US" altLang="ja-JP" sz="2000">
+              <a:latin typeface="Arial" charset="0"/>
+              <a:cs typeface="Courier New" charset="0"/>
+            </a:endParaRPr>
+          </a:p>
+          <a:p>
+            <a:pPr lvl="1">
+              <a:lnSpc>
+                <a:spcPct val="80000"/>
+              </a:lnSpc>
+            </a:pPr>
+            <a:r>
+              <a:rPr lang="en-US" sz="2000">
+                <a:latin typeface="Arial" charset="0"/>
+                <a:cs typeface="Courier New" charset="0"/>
+                <a:sym typeface="Wingdings" charset="0"/>
+              </a:rPr>
+              <a:t>Equivalent to:</a:t>
+            </a:r>
+          </a:p>
+          <a:p>
+            <a:pPr lvl="1">
+              <a:lnSpc>
+                <a:spcPct val="80000"/>
+              </a:lnSpc>
+              <a:buFont typeface="Wingdings" charset="0"/>
+              <a:buNone/>
+            </a:pPr>
+            <a:r>
+              <a:rPr lang="en-US" sz="2000">
+                <a:latin typeface="Arial" charset="0"/>
+                <a:cs typeface="Courier New" charset="0"/>
+                <a:sym typeface="Wingdings" charset="0"/>
+              </a:rPr>
+              <a:t>	</a:t>
+            </a:r>
+            <a:r>
+              <a:rPr lang="en-US" sz="2000">
+                <a:latin typeface="Courier New" charset="0"/>
+                <a:cs typeface="Courier New" charset="0"/>
+                <a:sym typeface="Wingdings" charset="0"/>
+              </a:rPr>
+              <a:t>char hello[6];</a:t>
+            </a:r>
+          </a:p>
+          <a:p>
+            <a:pPr lvl="1">
+              <a:lnSpc>
+                <a:spcPct val="80000"/>
+              </a:lnSpc>
+              <a:buFont typeface="Wingdings" charset="0"/>
+              <a:buNone/>
+            </a:pPr>
+            <a:r>
+              <a:rPr lang="en-US" sz="2000">
+                <a:latin typeface="Courier New" charset="0"/>
+                <a:cs typeface="Courier New" charset="0"/>
+                <a:sym typeface="Wingdings" charset="0"/>
+              </a:rPr>
+              <a:t>	hello[0] = </a:t>
+            </a:r>
+            <a:r>
+              <a:rPr lang="ja-JP" altLang="en-US" sz="2000">
+                <a:latin typeface="Courier New" charset="0"/>
+                <a:cs typeface="Courier New" charset="0"/>
+                <a:sym typeface="Wingdings" charset="0"/>
+              </a:rPr>
+              <a:t>‘</a:t>
+            </a:r>
+            <a:r>
+              <a:rPr lang="en-US" altLang="ja-JP" sz="2000">
+                <a:latin typeface="Courier New" charset="0"/>
+                <a:cs typeface="Courier New" charset="0"/>
+                <a:sym typeface="Wingdings" charset="0"/>
+              </a:rPr>
+              <a:t>H</a:t>
+            </a:r>
+            <a:r>
+              <a:rPr lang="ja-JP" altLang="en-US" sz="2000">
+                <a:latin typeface="Courier New" charset="0"/>
+                <a:cs typeface="Courier New" charset="0"/>
+                <a:sym typeface="Wingdings" charset="0"/>
+              </a:rPr>
+              <a:t>’</a:t>
+            </a:r>
+            <a:r>
+              <a:rPr lang="en-US" altLang="ja-JP" sz="2000">
+                <a:latin typeface="Courier New" charset="0"/>
+                <a:cs typeface="Courier New" charset="0"/>
+                <a:sym typeface="Wingdings" charset="0"/>
+              </a:rPr>
+              <a:t>;</a:t>
+            </a:r>
+          </a:p>
+          <a:p>
+            <a:pPr lvl="1">
+              <a:lnSpc>
+                <a:spcPct val="80000"/>
+              </a:lnSpc>
+              <a:buFont typeface="Wingdings" charset="0"/>
+              <a:buNone/>
+            </a:pPr>
+            <a:r>
+              <a:rPr lang="en-US" sz="2000">
+                <a:latin typeface="Courier New" charset="0"/>
+                <a:cs typeface="Courier New" charset="0"/>
+                <a:sym typeface="Wingdings" charset="0"/>
+              </a:rPr>
+              <a:t>	hello[1] = </a:t>
+            </a:r>
+            <a:r>
+              <a:rPr lang="ja-JP" altLang="en-US" sz="2000">
+                <a:latin typeface="Courier New" charset="0"/>
+                <a:cs typeface="Courier New" charset="0"/>
+                <a:sym typeface="Wingdings" charset="0"/>
+              </a:rPr>
+              <a:t>‘</a:t>
+            </a:r>
+            <a:r>
+              <a:rPr lang="en-US" altLang="ja-JP" sz="2000">
+                <a:latin typeface="Courier New" charset="0"/>
+                <a:cs typeface="Courier New" charset="0"/>
+                <a:sym typeface="Wingdings" charset="0"/>
+              </a:rPr>
+              <a:t>e</a:t>
+            </a:r>
+            <a:r>
+              <a:rPr lang="ja-JP" altLang="en-US" sz="2000">
+                <a:latin typeface="Courier New" charset="0"/>
+                <a:cs typeface="Courier New" charset="0"/>
+                <a:sym typeface="Wingdings" charset="0"/>
+              </a:rPr>
+              <a:t>’</a:t>
+            </a:r>
+            <a:r>
+              <a:rPr lang="en-US" altLang="ja-JP" sz="2000">
+                <a:latin typeface="Courier New" charset="0"/>
+                <a:cs typeface="Courier New" charset="0"/>
+                <a:sym typeface="Wingdings" charset="0"/>
+              </a:rPr>
+              <a:t>;</a:t>
+            </a:r>
+          </a:p>
+          <a:p>
+            <a:pPr lvl="1">
+              <a:lnSpc>
+                <a:spcPct val="80000"/>
+              </a:lnSpc>
+              <a:buFont typeface="Wingdings" charset="0"/>
+              <a:buNone/>
+            </a:pPr>
+            <a:r>
+              <a:rPr lang="en-US" sz="2000">
+                <a:latin typeface="Courier New" charset="0"/>
+                <a:cs typeface="Courier New" charset="0"/>
+                <a:sym typeface="Wingdings" charset="0"/>
+              </a:rPr>
+              <a:t>	hello[2] = </a:t>
+            </a:r>
+            <a:r>
+              <a:rPr lang="ja-JP" altLang="en-US" sz="2000">
+                <a:latin typeface="Courier New" charset="0"/>
+                <a:cs typeface="Courier New" charset="0"/>
+                <a:sym typeface="Wingdings" charset="0"/>
+              </a:rPr>
+              <a:t>‘</a:t>
+            </a:r>
+            <a:r>
+              <a:rPr lang="en-US" altLang="ja-JP" sz="2000">
+                <a:latin typeface="Courier New" charset="0"/>
+                <a:cs typeface="Courier New" charset="0"/>
+                <a:sym typeface="Wingdings" charset="0"/>
+              </a:rPr>
+              <a:t>l</a:t>
+            </a:r>
+            <a:r>
+              <a:rPr lang="ja-JP" altLang="en-US" sz="2000">
+                <a:latin typeface="Courier New" charset="0"/>
+                <a:cs typeface="Courier New" charset="0"/>
+                <a:sym typeface="Wingdings" charset="0"/>
+              </a:rPr>
+              <a:t>’</a:t>
+            </a:r>
+            <a:r>
+              <a:rPr lang="en-US" altLang="ja-JP" sz="2000">
+                <a:latin typeface="Courier New" charset="0"/>
+                <a:cs typeface="Courier New" charset="0"/>
+                <a:sym typeface="Wingdings" charset="0"/>
+              </a:rPr>
+              <a:t>;</a:t>
+            </a:r>
+          </a:p>
+          <a:p>
+            <a:pPr lvl="1">
+              <a:lnSpc>
+                <a:spcPct val="80000"/>
+              </a:lnSpc>
+              <a:buFont typeface="Wingdings" charset="0"/>
+              <a:buNone/>
+            </a:pPr>
+            <a:r>
+              <a:rPr lang="en-US" sz="2000">
+                <a:latin typeface="Courier New" charset="0"/>
+                <a:cs typeface="Courier New" charset="0"/>
+                <a:sym typeface="Wingdings" charset="0"/>
+              </a:rPr>
+              <a:t>	hello[3] = </a:t>
+            </a:r>
+            <a:r>
+              <a:rPr lang="ja-JP" altLang="en-US" sz="2000">
+                <a:latin typeface="Courier New" charset="0"/>
+                <a:cs typeface="Courier New" charset="0"/>
+                <a:sym typeface="Wingdings" charset="0"/>
+              </a:rPr>
+              <a:t>‘</a:t>
+            </a:r>
+            <a:r>
+              <a:rPr lang="en-US" altLang="ja-JP" sz="2000">
+                <a:latin typeface="Courier New" charset="0"/>
+                <a:cs typeface="Courier New" charset="0"/>
+                <a:sym typeface="Wingdings" charset="0"/>
+              </a:rPr>
+              <a:t>l</a:t>
+            </a:r>
+            <a:r>
+              <a:rPr lang="ja-JP" altLang="en-US" sz="2000">
+                <a:latin typeface="Courier New" charset="0"/>
+                <a:cs typeface="Courier New" charset="0"/>
+                <a:sym typeface="Wingdings" charset="0"/>
+              </a:rPr>
+              <a:t>’</a:t>
+            </a:r>
+            <a:r>
+              <a:rPr lang="en-US" altLang="ja-JP" sz="2000">
+                <a:latin typeface="Courier New" charset="0"/>
+                <a:cs typeface="Courier New" charset="0"/>
+                <a:sym typeface="Wingdings" charset="0"/>
+              </a:rPr>
+              <a:t>;</a:t>
+            </a:r>
+          </a:p>
+          <a:p>
+            <a:pPr lvl="1">
+              <a:lnSpc>
+                <a:spcPct val="80000"/>
+              </a:lnSpc>
+              <a:buFont typeface="Wingdings" charset="0"/>
+              <a:buNone/>
+            </a:pPr>
+            <a:r>
+              <a:rPr lang="en-US" sz="2000">
+                <a:latin typeface="Courier New" charset="0"/>
+                <a:cs typeface="Courier New" charset="0"/>
+                <a:sym typeface="Wingdings" charset="0"/>
+              </a:rPr>
+              <a:t>	hello[4] = </a:t>
+            </a:r>
+            <a:r>
+              <a:rPr lang="ja-JP" altLang="en-US" sz="2000">
+                <a:latin typeface="Courier New" charset="0"/>
+                <a:cs typeface="Courier New" charset="0"/>
+                <a:sym typeface="Wingdings" charset="0"/>
+              </a:rPr>
+              <a:t>‘</a:t>
+            </a:r>
+            <a:r>
+              <a:rPr lang="en-US" altLang="ja-JP" sz="2000">
+                <a:latin typeface="Courier New" charset="0"/>
+                <a:cs typeface="Courier New" charset="0"/>
+                <a:sym typeface="Wingdings" charset="0"/>
+              </a:rPr>
+              <a:t>o</a:t>
+            </a:r>
+            <a:r>
+              <a:rPr lang="ja-JP" altLang="en-US" sz="2000">
+                <a:latin typeface="Courier New" charset="0"/>
+                <a:cs typeface="Courier New" charset="0"/>
+                <a:sym typeface="Wingdings" charset="0"/>
+              </a:rPr>
+              <a:t>’</a:t>
+            </a:r>
+            <a:r>
+              <a:rPr lang="en-US" altLang="ja-JP" sz="2000">
+                <a:latin typeface="Courier New" charset="0"/>
+                <a:cs typeface="Courier New" charset="0"/>
+                <a:sym typeface="Wingdings" charset="0"/>
+              </a:rPr>
+              <a:t>;</a:t>
+            </a:r>
+          </a:p>
+          <a:p>
+            <a:pPr lvl="1">
+              <a:lnSpc>
+                <a:spcPct val="80000"/>
+              </a:lnSpc>
+              <a:buFont typeface="Wingdings" charset="0"/>
+              <a:buNone/>
+            </a:pPr>
+            <a:r>
+              <a:rPr lang="en-US" sz="2000">
+                <a:latin typeface="Courier New" charset="0"/>
+                <a:cs typeface="Courier New" charset="0"/>
+                <a:sym typeface="Wingdings" charset="0"/>
+              </a:rPr>
+              <a:t>	hello[5] = 0	   --OR--	hello[5] = </a:t>
+            </a:r>
+            <a:r>
+              <a:rPr lang="ja-JP" altLang="en-US" sz="2000">
+                <a:latin typeface="Courier New" charset="0"/>
+                <a:cs typeface="Courier New" charset="0"/>
+                <a:sym typeface="Wingdings" charset="0"/>
+              </a:rPr>
+              <a:t>‘</a:t>
+            </a:r>
+            <a:r>
+              <a:rPr lang="en-US" altLang="ja-JP" sz="2000">
+                <a:latin typeface="Courier New" charset="0"/>
+                <a:cs typeface="Courier New" charset="0"/>
+                <a:sym typeface="Wingdings" charset="0"/>
+              </a:rPr>
+              <a:t>\0</a:t>
+            </a:r>
+            <a:r>
+              <a:rPr lang="ja-JP" altLang="en-US" sz="2000">
+                <a:latin typeface="Courier New" charset="0"/>
+                <a:cs typeface="Courier New" charset="0"/>
+                <a:sym typeface="Wingdings" charset="0"/>
+              </a:rPr>
+              <a:t>’</a:t>
+            </a:r>
+            <a:r>
+              <a:rPr lang="en-US" altLang="ja-JP" sz="2000">
+                <a:latin typeface="Courier New" charset="0"/>
+                <a:cs typeface="Courier New" charset="0"/>
+                <a:sym typeface="Wingdings" charset="0"/>
+              </a:rPr>
+              <a:t>;</a:t>
+            </a:r>
+            <a:endParaRPr lang="en-US" sz="2000">
+              <a:latin typeface="Courier New" charset="0"/>
+              <a:cs typeface="Courier New" charset="0"/>
+              <a:sym typeface="Wingdings" charset="0"/>
             </a:endParaRPr>
           </a:p>
         </p:txBody>
       </p:sp>
       <p:sp>
         <p:nvSpPr>
-          <p:cNvPr id="21507" name="Date Placeholder 3"/>
+          <p:cNvPr id="20483" name="Date Placeholder 3"/>
           <p:cNvSpPr>
             <a:spLocks noGrp="1"/>
           </p:cNvSpPr>
@@ -8684,15 +10249,16 @@
           </a:lstStyle>
           <a:p>
             <a:pPr eaLnBrk="1" hangingPunct="1"/>
-            <a:fld id="{34F0398E-46F2-EF42-8168-2E8AAE845CCB}" type="datetime1">
-              <a:rPr lang="en-US" sz="1200">
+            <a:fld id="{67114149-7234-0347-A79C-A76E04A0A6D4}" type="datetime1">
+              <a:rPr lang="en-US" sz="1200" smtClean="0">
                 <a:latin typeface="Garamond" charset="0"/>
-              </a:rPr>
-              <a:pPr eaLnBrk="1" hangingPunct="1"/>
-              <a:t>10/26/16</a:t>
+                <a:cs typeface="Arial" charset="0"/>
+              </a:rPr>
+              <a:t>10/30/16</a:t>
             </a:fld>
             <a:endParaRPr lang="en-US" sz="1200">
               <a:latin typeface="Garamond" charset="0"/>
+              <a:cs typeface="Arial" charset="0"/>
             </a:endParaRPr>
           </a:p>
         </p:txBody>
@@ -8716,15 +10282,16 @@
               <a:defRPr/>
             </a:pPr>
             <a:r>
-              <a:rPr lang="en-US" altLang="en-US"/>
-              <a:t>ECE Application Programming: Exam 2 Preview</a:t>
-            </a:r>
+              <a:rPr lang="en-US" altLang="en-US" smtClean="0"/>
+              <a:t>ECE Application Programming: Lecture 23</a:t>
+            </a:r>
+            <a:endParaRPr lang="en-US" altLang="en-US"/>
           </a:p>
         </p:txBody>
       </p:sp>
       <p:sp>
         <p:nvSpPr>
-          <p:cNvPr id="21509" name="Slide Number Placeholder 5"/>
+          <p:cNvPr id="20485" name="Slide Number Placeholder 5"/>
           <p:cNvSpPr>
             <a:spLocks noGrp="1"/>
           </p:cNvSpPr>
@@ -8867,15 +10434,17 @@
           </a:lstStyle>
           <a:p>
             <a:pPr eaLnBrk="1" hangingPunct="1"/>
-            <a:fld id="{A3DB60E1-8167-7D48-B2C2-B7C9F249252B}" type="slidenum">
+            <a:fld id="{E4D82A59-3716-D24B-9BF5-562DCA8E0DCF}" type="slidenum">
               <a:rPr lang="en-US" sz="1200">
                 <a:latin typeface="Garamond" charset="0"/>
+                <a:cs typeface="Arial" charset="0"/>
               </a:rPr>
               <a:pPr eaLnBrk="1" hangingPunct="1"/>
               <a:t>4</a:t>
             </a:fld>
             <a:endParaRPr lang="en-US" sz="1200">
               <a:latin typeface="Garamond" charset="0"/>
+              <a:cs typeface="Arial" charset="0"/>
             </a:endParaRPr>
           </a:p>
         </p:txBody>
@@ -8883,7 +10452,7 @@
     </p:spTree>
     <p:extLst>
       <p:ext uri="{BB962C8B-B14F-4D97-AF65-F5344CB8AC3E}">
-        <p14:creationId xmlns:p14="http://schemas.microsoft.com/office/powerpoint/2010/main" val="1598280574"/>
+        <p14:creationId xmlns:p14="http://schemas.microsoft.com/office/powerpoint/2010/main" val="1747388100"/>
       </p:ext>
     </p:extLst>
   </p:cSld>
@@ -8919,7 +10488,7 @@
       </p:grpSpPr>
       <p:sp>
         <p:nvSpPr>
-          <p:cNvPr id="22529" name="Title 1"/>
+          <p:cNvPr id="21505" name="Title 1"/>
           <p:cNvSpPr>
             <a:spLocks noGrp="1"/>
           </p:cNvSpPr>
@@ -8936,14 +10505,14 @@
               <a:rPr lang="en-US">
                 <a:latin typeface="Garamond" charset="0"/>
               </a:rPr>
-              <a:t>Review: String functions</a:t>
+              <a:t>Strings, output, and functions</a:t>
             </a:r>
           </a:p>
         </p:txBody>
       </p:sp>
       <p:sp>
         <p:nvSpPr>
-          <p:cNvPr id="3" name="Content Placeholder 2"/>
+          <p:cNvPr id="21506" name="Content Placeholder 2"/>
           <p:cNvSpPr>
             <a:spLocks noGrp="1"/>
           </p:cNvSpPr>
@@ -8953,382 +10522,142 @@
         </p:nvSpPr>
         <p:spPr/>
         <p:txBody>
-          <a:bodyPr>
-            <a:normAutofit fontScale="92500" lnSpcReduction="20000"/>
-          </a:bodyPr>
+          <a:bodyPr/>
           <a:lstStyle/>
           <a:p>
-            <a:pPr>
-              <a:buFont typeface="Wingdings" pitchFamily="2" charset="2"/>
-              <a:buChar char="n"/>
-              <a:defRPr/>
-            </a:pPr>
-            <a:r>
-              <a:rPr lang="en-US" dirty="0" smtClean="0">
-                <a:ea typeface="+mn-ea"/>
-                <a:cs typeface="+mn-cs"/>
-              </a:rPr>
-              <a:t>In </a:t>
-            </a:r>
-            <a:r>
-              <a:rPr lang="en-US" dirty="0" smtClean="0">
-                <a:latin typeface="Courier New" pitchFamily="49" charset="0"/>
-                <a:ea typeface="+mn-ea"/>
-                <a:cs typeface="Courier New" pitchFamily="49" charset="0"/>
-              </a:rPr>
-              <a:t>&lt;</a:t>
-            </a:r>
-            <a:r>
-              <a:rPr lang="en-US" dirty="0" err="1" smtClean="0">
-                <a:latin typeface="Courier New" pitchFamily="49" charset="0"/>
-                <a:ea typeface="+mn-ea"/>
-                <a:cs typeface="Courier New" pitchFamily="49" charset="0"/>
-              </a:rPr>
-              <a:t>string.h</a:t>
-            </a:r>
-            <a:r>
-              <a:rPr lang="en-US" dirty="0" smtClean="0">
-                <a:latin typeface="Courier New" pitchFamily="49" charset="0"/>
-                <a:ea typeface="+mn-ea"/>
-                <a:cs typeface="Courier New" pitchFamily="49" charset="0"/>
-              </a:rPr>
-              <a:t>&gt;</a:t>
-            </a:r>
-            <a:r>
-              <a:rPr lang="en-US" dirty="0" smtClean="0">
-                <a:ea typeface="+mn-ea"/>
-                <a:cs typeface="+mn-cs"/>
-              </a:rPr>
-              <a:t> library:</a:t>
-            </a:r>
-          </a:p>
-          <a:p>
-            <a:pPr lvl="1">
-              <a:buFont typeface="Wingdings" pitchFamily="2" charset="2"/>
-              <a:buChar char="q"/>
-              <a:defRPr/>
-            </a:pPr>
-            <a:r>
-              <a:rPr lang="en-US" dirty="0" smtClean="0"/>
-              <a:t>Copying strings:</a:t>
-            </a:r>
-          </a:p>
-          <a:p>
-            <a:pPr lvl="2">
-              <a:buFont typeface="Wingdings" pitchFamily="2" charset="2"/>
-              <a:buChar char="n"/>
-              <a:defRPr/>
-            </a:pPr>
-            <a:r>
-              <a:rPr lang="en-US" dirty="0" smtClean="0">
-                <a:latin typeface="Courier New" pitchFamily="49" charset="0"/>
-                <a:cs typeface="Courier New" pitchFamily="49" charset="0"/>
+            <a:r>
+              <a:rPr lang="en-US">
+                <a:latin typeface="Arial" charset="0"/>
+              </a:rPr>
+              <a:t>Can pass string as array or pointer: </a:t>
+            </a:r>
+            <a:r>
+              <a:rPr lang="en-US">
+                <a:latin typeface="Courier New" charset="0"/>
+                <a:cs typeface="Courier New" charset="0"/>
               </a:rPr>
               <a:t>char *</a:t>
             </a:r>
-            <a:r>
-              <a:rPr lang="en-US" dirty="0" err="1" smtClean="0">
-                <a:latin typeface="Courier New" pitchFamily="49" charset="0"/>
-                <a:cs typeface="Courier New" pitchFamily="49" charset="0"/>
-              </a:rPr>
-              <a:t>strcpy</a:t>
-            </a:r>
-            <a:r>
-              <a:rPr lang="en-US" dirty="0" smtClean="0">
-                <a:latin typeface="Courier New" pitchFamily="49" charset="0"/>
-                <a:cs typeface="Courier New" pitchFamily="49" charset="0"/>
-              </a:rPr>
-              <a:t>(char *</a:t>
-            </a:r>
-            <a:r>
-              <a:rPr lang="en-US" dirty="0" err="1" smtClean="0">
-                <a:latin typeface="Courier New" pitchFamily="49" charset="0"/>
-                <a:cs typeface="Courier New" pitchFamily="49" charset="0"/>
-              </a:rPr>
-              <a:t>dest</a:t>
-            </a:r>
-            <a:r>
-              <a:rPr lang="en-US" dirty="0" smtClean="0">
-                <a:latin typeface="Courier New" pitchFamily="49" charset="0"/>
-                <a:cs typeface="Courier New" pitchFamily="49" charset="0"/>
+          </a:p>
+          <a:p>
+            <a:pPr lvl="1"/>
+            <a:r>
+              <a:rPr lang="en-US">
+                <a:latin typeface="Courier New" charset="0"/>
+                <a:cs typeface="Courier New" charset="0"/>
+              </a:rPr>
+              <a:t>printf()</a:t>
+            </a:r>
+            <a:r>
+              <a:rPr lang="en-US">
+                <a:latin typeface="Arial" charset="0"/>
               </a:rPr>
               <a:t>, </a:t>
             </a:r>
-          </a:p>
-          <a:p>
-            <a:pPr lvl="2">
-              <a:buFont typeface="Wingdings" pitchFamily="2" charset="2"/>
-              <a:buNone/>
-              <a:defRPr/>
-            </a:pPr>
-            <a:r>
-              <a:rPr lang="en-US" dirty="0" smtClean="0">
-                <a:latin typeface="Courier New" pitchFamily="49" charset="0"/>
-                <a:cs typeface="Courier New" pitchFamily="49" charset="0"/>
-              </a:rPr>
-              <a:t>			   const char *source);</a:t>
-            </a:r>
-          </a:p>
-          <a:p>
-            <a:pPr lvl="2">
-              <a:buFont typeface="Wingdings" pitchFamily="2" charset="2"/>
-              <a:buChar char="n"/>
-              <a:defRPr/>
-            </a:pPr>
-            <a:r>
-              <a:rPr lang="en-US" dirty="0" smtClean="0">
-                <a:latin typeface="Courier New" pitchFamily="49" charset="0"/>
-                <a:cs typeface="Courier New" pitchFamily="49" charset="0"/>
+            <a:r>
+              <a:rPr lang="en-US">
+                <a:latin typeface="Courier New" charset="0"/>
+                <a:cs typeface="Courier New" charset="0"/>
+              </a:rPr>
+              <a:t>scanf()</a:t>
+            </a:r>
+            <a:r>
+              <a:rPr lang="en-US">
+                <a:latin typeface="Arial" charset="0"/>
+              </a:rPr>
+              <a:t> take </a:t>
+            </a:r>
+            <a:r>
+              <a:rPr lang="en-US">
+                <a:latin typeface="Courier New" charset="0"/>
+                <a:cs typeface="Courier New" charset="0"/>
               </a:rPr>
               <a:t>char *</a:t>
             </a:r>
             <a:r>
-              <a:rPr lang="en-US" dirty="0" err="1" smtClean="0">
-                <a:latin typeface="Courier New" pitchFamily="49" charset="0"/>
-                <a:cs typeface="Courier New" pitchFamily="49" charset="0"/>
-              </a:rPr>
-              <a:t>strncpy</a:t>
-            </a:r>
-            <a:r>
-              <a:rPr lang="en-US" dirty="0" smtClean="0">
-                <a:latin typeface="Courier New" pitchFamily="49" charset="0"/>
-                <a:cs typeface="Courier New" pitchFamily="49" charset="0"/>
-              </a:rPr>
-              <a:t>(char *</a:t>
-            </a:r>
-            <a:r>
-              <a:rPr lang="en-US" dirty="0" err="1" smtClean="0">
-                <a:latin typeface="Courier New" pitchFamily="49" charset="0"/>
-                <a:cs typeface="Courier New" pitchFamily="49" charset="0"/>
-              </a:rPr>
-              <a:t>dest</a:t>
-            </a:r>
-            <a:r>
-              <a:rPr lang="en-US" dirty="0" smtClean="0">
-                <a:latin typeface="Courier New" pitchFamily="49" charset="0"/>
-                <a:cs typeface="Courier New" pitchFamily="49" charset="0"/>
-              </a:rPr>
-              <a:t>, </a:t>
-            </a:r>
-          </a:p>
-          <a:p>
-            <a:pPr lvl="2">
-              <a:buFont typeface="Wingdings" pitchFamily="2" charset="2"/>
-              <a:buNone/>
-              <a:defRPr/>
-            </a:pPr>
-            <a:r>
-              <a:rPr lang="en-US" dirty="0" smtClean="0">
-                <a:latin typeface="Courier New" pitchFamily="49" charset="0"/>
-                <a:cs typeface="Courier New" pitchFamily="49" charset="0"/>
-              </a:rPr>
-              <a:t>			    const char *source, </a:t>
-            </a:r>
-          </a:p>
-          <a:p>
-            <a:pPr lvl="2">
-              <a:buFont typeface="Wingdings" pitchFamily="2" charset="2"/>
-              <a:buNone/>
-              <a:defRPr/>
-            </a:pPr>
-            <a:r>
-              <a:rPr lang="en-US" dirty="0" smtClean="0">
-                <a:latin typeface="Courier New" pitchFamily="49" charset="0"/>
-                <a:cs typeface="Courier New" pitchFamily="49" charset="0"/>
-              </a:rPr>
-              <a:t>			    </a:t>
-            </a:r>
-            <a:r>
-              <a:rPr lang="en-US" dirty="0" err="1" smtClean="0">
-                <a:latin typeface="Courier New" pitchFamily="49" charset="0"/>
-                <a:cs typeface="Courier New" pitchFamily="49" charset="0"/>
-              </a:rPr>
-              <a:t>size_t</a:t>
-            </a:r>
-            <a:r>
-              <a:rPr lang="en-US" dirty="0" smtClean="0">
-                <a:latin typeface="Courier New" pitchFamily="49" charset="0"/>
-                <a:cs typeface="Courier New" pitchFamily="49" charset="0"/>
-              </a:rPr>
-              <a:t> num);</a:t>
-            </a:r>
-          </a:p>
-          <a:p>
-            <a:pPr lvl="2">
-              <a:buFont typeface="Wingdings" pitchFamily="2" charset="2"/>
-              <a:buChar char="n"/>
-              <a:defRPr/>
-            </a:pPr>
-            <a:r>
-              <a:rPr lang="en-US" dirty="0" smtClean="0"/>
-              <a:t>Return </a:t>
-            </a:r>
-            <a:r>
-              <a:rPr lang="en-US" dirty="0" err="1" smtClean="0">
-                <a:latin typeface="Courier New" pitchFamily="49" charset="0"/>
-                <a:cs typeface="Courier New" pitchFamily="49" charset="0"/>
-              </a:rPr>
-              <a:t>dest</a:t>
-            </a:r>
-            <a:endParaRPr lang="en-US" dirty="0" smtClean="0">
-              <a:latin typeface="Courier New" pitchFamily="49" charset="0"/>
-              <a:cs typeface="Courier New" pitchFamily="49" charset="0"/>
-            </a:endParaRPr>
-          </a:p>
-          <a:p>
-            <a:pPr lvl="2">
-              <a:buFont typeface="Wingdings" pitchFamily="2" charset="2"/>
-              <a:buChar char="n"/>
-              <a:defRPr/>
-            </a:pPr>
-            <a:r>
-              <a:rPr lang="en-US" dirty="0" err="1" smtClean="0">
-                <a:cs typeface="Courier New" pitchFamily="49" charset="0"/>
-              </a:rPr>
-              <a:t>strncpy</a:t>
-            </a:r>
-            <a:r>
-              <a:rPr lang="en-US" smtClean="0">
-                <a:cs typeface="Courier New" pitchFamily="49" charset="0"/>
-              </a:rPr>
-              <a:t>() not </a:t>
-            </a:r>
-            <a:r>
-              <a:rPr lang="en-US" dirty="0" smtClean="0">
-                <a:cs typeface="Courier New" pitchFamily="49" charset="0"/>
-              </a:rPr>
-              <a:t>guaranteed to add null terminator</a:t>
-            </a:r>
-          </a:p>
-          <a:p>
-            <a:pPr lvl="1">
-              <a:buFont typeface="Wingdings" pitchFamily="2" charset="2"/>
-              <a:buChar char="q"/>
-              <a:defRPr/>
-            </a:pPr>
-            <a:r>
-              <a:rPr lang="en-US" dirty="0" smtClean="0"/>
-              <a:t>Comparing strings:</a:t>
-            </a:r>
-          </a:p>
-          <a:p>
-            <a:pPr lvl="2">
-              <a:buFont typeface="Wingdings" pitchFamily="2" charset="2"/>
-              <a:buChar char="n"/>
-              <a:defRPr/>
-            </a:pPr>
-            <a:r>
-              <a:rPr lang="en-US" dirty="0" err="1" smtClean="0">
-                <a:latin typeface="Courier New" pitchFamily="49" charset="0"/>
-                <a:cs typeface="Courier New" pitchFamily="49" charset="0"/>
-              </a:rPr>
-              <a:t>int</a:t>
-            </a:r>
-            <a:r>
-              <a:rPr lang="en-US" dirty="0" smtClean="0">
-                <a:latin typeface="Courier New" pitchFamily="49" charset="0"/>
-                <a:cs typeface="Courier New" pitchFamily="49" charset="0"/>
-              </a:rPr>
-              <a:t> </a:t>
-            </a:r>
-            <a:r>
-              <a:rPr lang="en-US" dirty="0" err="1" smtClean="0">
-                <a:latin typeface="Courier New" pitchFamily="49" charset="0"/>
-                <a:cs typeface="Courier New" pitchFamily="49" charset="0"/>
-              </a:rPr>
-              <a:t>strcmp</a:t>
-            </a:r>
-            <a:r>
-              <a:rPr lang="en-US" dirty="0" smtClean="0">
-                <a:latin typeface="Courier New" pitchFamily="49" charset="0"/>
-                <a:cs typeface="Courier New" pitchFamily="49" charset="0"/>
-              </a:rPr>
-              <a:t>(const char *s1, const char *s2);</a:t>
-            </a:r>
-          </a:p>
-          <a:p>
-            <a:pPr lvl="2">
-              <a:buFont typeface="Wingdings" pitchFamily="2" charset="2"/>
-              <a:buChar char="n"/>
-              <a:defRPr/>
-            </a:pPr>
-            <a:r>
-              <a:rPr lang="en-US" dirty="0" err="1" smtClean="0">
-                <a:latin typeface="Courier New" pitchFamily="49" charset="0"/>
-                <a:cs typeface="Courier New" pitchFamily="49" charset="0"/>
-              </a:rPr>
-              <a:t>int</a:t>
-            </a:r>
-            <a:r>
-              <a:rPr lang="en-US" dirty="0" smtClean="0">
-                <a:latin typeface="Courier New" pitchFamily="49" charset="0"/>
-                <a:cs typeface="Courier New" pitchFamily="49" charset="0"/>
-              </a:rPr>
-              <a:t> </a:t>
-            </a:r>
-            <a:r>
-              <a:rPr lang="en-US" dirty="0" err="1" smtClean="0">
-                <a:latin typeface="Courier New" pitchFamily="49" charset="0"/>
-                <a:cs typeface="Courier New" pitchFamily="49" charset="0"/>
-              </a:rPr>
-              <a:t>strncmp</a:t>
-            </a:r>
-            <a:r>
-              <a:rPr lang="en-US" dirty="0" smtClean="0">
-                <a:latin typeface="Courier New" pitchFamily="49" charset="0"/>
-                <a:cs typeface="Courier New" pitchFamily="49" charset="0"/>
-              </a:rPr>
-              <a:t>(const char *s1, const char *s2, 		</a:t>
-            </a:r>
-            <a:r>
-              <a:rPr lang="en-US" dirty="0" err="1" smtClean="0">
-                <a:latin typeface="Courier New" pitchFamily="49" charset="0"/>
-                <a:cs typeface="Courier New" pitchFamily="49" charset="0"/>
-              </a:rPr>
-              <a:t>size_t</a:t>
-            </a:r>
-            <a:r>
-              <a:rPr lang="en-US" dirty="0" smtClean="0">
-                <a:latin typeface="Courier New" pitchFamily="49" charset="0"/>
-                <a:cs typeface="Courier New" pitchFamily="49" charset="0"/>
-              </a:rPr>
-              <a:t> num);</a:t>
-            </a:r>
-          </a:p>
-          <a:p>
-            <a:pPr lvl="2">
-              <a:buFont typeface="Wingdings" pitchFamily="2" charset="2"/>
-              <a:buChar char="n"/>
-              <a:defRPr/>
-            </a:pPr>
-            <a:r>
-              <a:rPr lang="en-US" dirty="0" smtClean="0">
-                <a:cs typeface="Courier New" pitchFamily="49" charset="0"/>
-              </a:rPr>
-              <a:t>Character-by-character comparison of character values</a:t>
-            </a:r>
-          </a:p>
-          <a:p>
-            <a:pPr lvl="2">
-              <a:buFont typeface="Wingdings" pitchFamily="2" charset="2"/>
-              <a:buChar char="n"/>
-              <a:defRPr/>
-            </a:pPr>
-            <a:r>
-              <a:rPr lang="en-US" dirty="0" smtClean="0">
-                <a:cs typeface="Courier New" pitchFamily="49" charset="0"/>
-              </a:rPr>
-              <a:t>Returns 0 if s1 == s2, 1 if s1 &gt; s2, -1 if s1 &lt; s2</a:t>
-            </a:r>
-            <a:endParaRPr lang="en-US" dirty="0">
-              <a:cs typeface="Courier New" pitchFamily="49" charset="0"/>
-            </a:endParaRPr>
+              <a:rPr lang="en-US">
+                <a:latin typeface="Arial" charset="0"/>
+              </a:rPr>
+              <a:t> as first argument</a:t>
+            </a:r>
+          </a:p>
+          <a:p>
+            <a:pPr lvl="1"/>
+            <a:r>
+              <a:rPr lang="en-US">
+                <a:latin typeface="Arial" charset="0"/>
+              </a:rPr>
+              <a:t>Given string </a:t>
+            </a:r>
+            <a:r>
+              <a:rPr lang="en-US">
+                <a:latin typeface="Courier New" charset="0"/>
+                <a:cs typeface="Courier New" charset="0"/>
+              </a:rPr>
+              <a:t>char hello[]</a:t>
+            </a:r>
+            <a:r>
+              <a:rPr lang="en-US">
+                <a:latin typeface="Arial" charset="0"/>
+              </a:rPr>
+              <a:t> from previous slide:</a:t>
+            </a:r>
+          </a:p>
+          <a:p>
+            <a:pPr lvl="2"/>
+            <a:r>
+              <a:rPr lang="en-US">
+                <a:latin typeface="Arial" charset="0"/>
+              </a:rPr>
+              <a:t>Print directly: </a:t>
+            </a:r>
+            <a:r>
+              <a:rPr lang="en-US">
+                <a:latin typeface="Courier New" charset="0"/>
+                <a:cs typeface="Courier New" charset="0"/>
+              </a:rPr>
+              <a:t>printf(hello);</a:t>
+            </a:r>
+          </a:p>
+          <a:p>
+            <a:pPr lvl="2"/>
+            <a:r>
+              <a:rPr lang="en-US">
+                <a:latin typeface="Arial" charset="0"/>
+                <a:cs typeface="Courier New" charset="0"/>
+              </a:rPr>
+              <a:t>Print w/formatting using %s: </a:t>
+            </a:r>
+            <a:r>
+              <a:rPr lang="en-US">
+                <a:latin typeface="Courier New" charset="0"/>
+                <a:cs typeface="Courier New" charset="0"/>
+              </a:rPr>
+              <a:t>printf(“%s\n”, 						 hello);</a:t>
+            </a:r>
+          </a:p>
+          <a:p>
+            <a:pPr lvl="2"/>
+            <a:r>
+              <a:rPr lang="en-US">
+                <a:latin typeface="Arial" charset="0"/>
+                <a:cs typeface="Courier New" charset="0"/>
+              </a:rPr>
+              <a:t>Print individual character:  </a:t>
+            </a:r>
+            <a:r>
+              <a:rPr lang="en-US">
+                <a:latin typeface="Courier New" charset="0"/>
+                <a:cs typeface="Courier New" charset="0"/>
+              </a:rPr>
+              <a:t>printf(“%c\n”, 						hello[1]);</a:t>
+            </a:r>
           </a:p>
         </p:txBody>
       </p:sp>
       <p:sp>
         <p:nvSpPr>
-          <p:cNvPr id="22531" name="Date Placeholder 3"/>
+          <p:cNvPr id="21507" name="Date Placeholder 3"/>
           <p:cNvSpPr>
             <a:spLocks noGrp="1"/>
           </p:cNvSpPr>
@@ -9471,15 +10800,16 @@
           </a:lstStyle>
           <a:p>
             <a:pPr eaLnBrk="1" hangingPunct="1"/>
-            <a:fld id="{7636E9B2-26E5-8D41-A9CB-61FF4C6818AA}" type="datetime1">
-              <a:rPr lang="en-US" sz="1200">
+            <a:fld id="{4FB5E56E-E9FC-A243-A9FA-57AC6E6301E3}" type="datetime1">
+              <a:rPr lang="en-US" sz="1200" smtClean="0">
                 <a:latin typeface="Garamond" charset="0"/>
-              </a:rPr>
-              <a:pPr eaLnBrk="1" hangingPunct="1"/>
-              <a:t>10/26/16</a:t>
+                <a:cs typeface="Arial" charset="0"/>
+              </a:rPr>
+              <a:t>10/30/16</a:t>
             </a:fld>
             <a:endParaRPr lang="en-US" sz="1200">
               <a:latin typeface="Garamond" charset="0"/>
+              <a:cs typeface="Arial" charset="0"/>
             </a:endParaRPr>
           </a:p>
         </p:txBody>
@@ -9503,15 +10833,16 @@
               <a:defRPr/>
             </a:pPr>
             <a:r>
-              <a:rPr lang="en-US" altLang="en-US"/>
-              <a:t>ECE Application Programming: Exam 2 Preview</a:t>
-            </a:r>
+              <a:rPr lang="en-US" altLang="en-US" smtClean="0"/>
+              <a:t>ECE Application Programming: Lecture 23</a:t>
+            </a:r>
+            <a:endParaRPr lang="en-US" altLang="en-US"/>
           </a:p>
         </p:txBody>
       </p:sp>
       <p:sp>
         <p:nvSpPr>
-          <p:cNvPr id="22533" name="Slide Number Placeholder 5"/>
+          <p:cNvPr id="21509" name="Slide Number Placeholder 5"/>
           <p:cNvSpPr>
             <a:spLocks noGrp="1"/>
           </p:cNvSpPr>
@@ -9654,15 +10985,17 @@
           </a:lstStyle>
           <a:p>
             <a:pPr eaLnBrk="1" hangingPunct="1"/>
-            <a:fld id="{461BCDD1-CF9F-3146-B3FE-6E55E0D2637C}" type="slidenum">
+            <a:fld id="{41AC0AE3-EF86-5341-A8BC-D36450E83481}" type="slidenum">
               <a:rPr lang="en-US" sz="1200">
                 <a:latin typeface="Garamond" charset="0"/>
+                <a:cs typeface="Arial" charset="0"/>
               </a:rPr>
               <a:pPr eaLnBrk="1" hangingPunct="1"/>
               <a:t>5</a:t>
             </a:fld>
             <a:endParaRPr lang="en-US" sz="1200">
               <a:latin typeface="Garamond" charset="0"/>
+              <a:cs typeface="Arial" charset="0"/>
             </a:endParaRPr>
           </a:p>
         </p:txBody>
@@ -9670,7 +11003,7 @@
     </p:spTree>
     <p:extLst>
       <p:ext uri="{BB962C8B-B14F-4D97-AF65-F5344CB8AC3E}">
-        <p14:creationId xmlns:p14="http://schemas.microsoft.com/office/powerpoint/2010/main" val="535286564"/>
+        <p14:creationId xmlns:p14="http://schemas.microsoft.com/office/powerpoint/2010/main" val="2347645850"/>
       </p:ext>
     </p:extLst>
   </p:cSld>
@@ -9706,7 +11039,7 @@
       </p:grpSpPr>
       <p:sp>
         <p:nvSpPr>
-          <p:cNvPr id="23553" name="Title 1"/>
+          <p:cNvPr id="22529" name="Title 1"/>
           <p:cNvSpPr>
             <a:spLocks noGrp="1"/>
           </p:cNvSpPr>
@@ -9723,14 +11056,14 @@
               <a:rPr lang="en-US">
                 <a:latin typeface="Garamond" charset="0"/>
               </a:rPr>
-              <a:t>Review: String functions (cont.)</a:t>
+              <a:t>String functions</a:t>
             </a:r>
           </a:p>
         </p:txBody>
       </p:sp>
       <p:sp>
         <p:nvSpPr>
-          <p:cNvPr id="23554" name="Content Placeholder 2"/>
+          <p:cNvPr id="22530" name="Content Placeholder 2"/>
           <p:cNvSpPr>
             <a:spLocks noGrp="1"/>
           </p:cNvSpPr>
@@ -9743,235 +11076,72 @@
           <a:bodyPr/>
           <a:lstStyle/>
           <a:p>
-            <a:pPr>
-              <a:lnSpc>
-                <a:spcPct val="90000"/>
-              </a:lnSpc>
-            </a:pPr>
-            <a:r>
-              <a:rPr lang="en-US" sz="2800">
-                <a:latin typeface="Arial" charset="0"/>
-              </a:rPr>
-              <a:t>Find # of characters in a string</a:t>
-            </a:r>
-          </a:p>
-          <a:p>
-            <a:pPr lvl="1">
-              <a:lnSpc>
-                <a:spcPct val="90000"/>
-              </a:lnSpc>
-            </a:pPr>
-            <a:r>
-              <a:rPr lang="en-US" sz="2400">
-                <a:latin typeface="Courier New" charset="0"/>
-                <a:cs typeface="Courier New" charset="0"/>
-              </a:rPr>
-              <a:t>size_t strlen(const char *s1);</a:t>
-            </a:r>
-          </a:p>
-          <a:p>
-            <a:pPr lvl="1">
-              <a:lnSpc>
-                <a:spcPct val="90000"/>
-              </a:lnSpc>
-            </a:pPr>
-            <a:r>
-              <a:rPr lang="en-US" sz="2400">
-                <a:latin typeface="Arial" charset="0"/>
-              </a:rPr>
-              <a:t>Returns # characters before </a:t>
-            </a:r>
-            <a:r>
-              <a:rPr lang="ja-JP" altLang="en-US" sz="2400">
-                <a:latin typeface="Courier New" charset="0"/>
-                <a:cs typeface="Courier New" charset="0"/>
-              </a:rPr>
-              <a:t>‘</a:t>
-            </a:r>
-            <a:r>
-              <a:rPr lang="en-US" altLang="ja-JP" sz="2400">
-                <a:latin typeface="Courier New" charset="0"/>
-                <a:cs typeface="Courier New" charset="0"/>
-              </a:rPr>
-              <a:t>\0</a:t>
-            </a:r>
-            <a:r>
-              <a:rPr lang="ja-JP" altLang="en-US" sz="2400">
-                <a:latin typeface="Courier New" charset="0"/>
-                <a:cs typeface="Courier New" charset="0"/>
-              </a:rPr>
-              <a:t>’</a:t>
-            </a:r>
-            <a:endParaRPr lang="en-US" altLang="ja-JP" sz="2400">
-              <a:latin typeface="Courier New" charset="0"/>
-              <a:cs typeface="Courier New" charset="0"/>
-            </a:endParaRPr>
-          </a:p>
-          <a:p>
-            <a:pPr lvl="2">
-              <a:lnSpc>
-                <a:spcPct val="90000"/>
-              </a:lnSpc>
-            </a:pPr>
-            <a:r>
-              <a:rPr lang="en-US" sz="2000">
-                <a:latin typeface="Arial" charset="0"/>
-                <a:cs typeface="Courier New" charset="0"/>
-              </a:rPr>
-              <a:t>Not necessarily size of array</a:t>
-            </a:r>
-          </a:p>
-          <a:p>
-            <a:pPr>
-              <a:lnSpc>
-                <a:spcPct val="90000"/>
-              </a:lnSpc>
-            </a:pPr>
-            <a:r>
-              <a:rPr lang="ja-JP" altLang="en-US" sz="2800">
-                <a:latin typeface="Arial" charset="0"/>
-                <a:cs typeface="Courier New" charset="0"/>
-              </a:rPr>
-              <a:t>“</a:t>
-            </a:r>
-            <a:r>
-              <a:rPr lang="en-US" altLang="ja-JP" sz="2800">
-                <a:latin typeface="Arial" charset="0"/>
-                <a:cs typeface="Courier New" charset="0"/>
-              </a:rPr>
-              <a:t>Add</a:t>
-            </a:r>
-            <a:r>
-              <a:rPr lang="ja-JP" altLang="en-US" sz="2800">
-                <a:latin typeface="Arial" charset="0"/>
-                <a:cs typeface="Courier New" charset="0"/>
-              </a:rPr>
-              <a:t>”</a:t>
-            </a:r>
-            <a:r>
-              <a:rPr lang="en-US" altLang="ja-JP" sz="2800">
-                <a:latin typeface="Arial" charset="0"/>
-                <a:cs typeface="Courier New" charset="0"/>
-              </a:rPr>
-              <a:t> strings together—string concatenation</a:t>
-            </a:r>
-          </a:p>
-          <a:p>
-            <a:pPr lvl="1">
-              <a:lnSpc>
-                <a:spcPct val="90000"/>
-              </a:lnSpc>
-            </a:pPr>
-            <a:r>
-              <a:rPr lang="en-US" sz="2400">
-                <a:latin typeface="Courier New" charset="0"/>
-                <a:cs typeface="Courier New" charset="0"/>
-              </a:rPr>
-              <a:t>char *strcat(char *dest, </a:t>
-            </a:r>
-          </a:p>
-          <a:p>
-            <a:pPr lvl="1">
-              <a:lnSpc>
-                <a:spcPct val="90000"/>
-              </a:lnSpc>
-              <a:buFont typeface="Wingdings" charset="0"/>
-              <a:buNone/>
-            </a:pPr>
-            <a:r>
-              <a:rPr lang="en-US" sz="2400">
-                <a:latin typeface="Courier New" charset="0"/>
-                <a:cs typeface="Courier New" charset="0"/>
-              </a:rPr>
-              <a:t>			   const char *source);</a:t>
-            </a:r>
-          </a:p>
-          <a:p>
-            <a:pPr lvl="1">
-              <a:lnSpc>
-                <a:spcPct val="90000"/>
-              </a:lnSpc>
-            </a:pPr>
-            <a:r>
-              <a:rPr lang="en-US" sz="2400">
-                <a:latin typeface="Courier New" charset="0"/>
-                <a:cs typeface="Courier New" charset="0"/>
-              </a:rPr>
-              <a:t>char *strncat(char *dest, </a:t>
-            </a:r>
-          </a:p>
-          <a:p>
-            <a:pPr lvl="1">
-              <a:lnSpc>
-                <a:spcPct val="90000"/>
-              </a:lnSpc>
-              <a:buFont typeface="Wingdings" charset="0"/>
-              <a:buNone/>
-            </a:pPr>
-            <a:r>
-              <a:rPr lang="en-US" sz="2400">
-                <a:latin typeface="Courier New" charset="0"/>
-                <a:cs typeface="Courier New" charset="0"/>
-              </a:rPr>
-              <a:t>			    const char *source, </a:t>
-            </a:r>
-          </a:p>
-          <a:p>
-            <a:pPr lvl="1">
-              <a:lnSpc>
-                <a:spcPct val="90000"/>
-              </a:lnSpc>
-              <a:buFont typeface="Wingdings" charset="0"/>
-              <a:buNone/>
-            </a:pPr>
-            <a:r>
-              <a:rPr lang="en-US" sz="2400">
-                <a:latin typeface="Courier New" charset="0"/>
-                <a:cs typeface="Courier New" charset="0"/>
-              </a:rPr>
-              <a:t>			    size_t num);</a:t>
-            </a:r>
-          </a:p>
-          <a:p>
-            <a:pPr lvl="1">
-              <a:lnSpc>
-                <a:spcPct val="90000"/>
-              </a:lnSpc>
-            </a:pPr>
-            <a:r>
-              <a:rPr lang="en-US" sz="2400">
-                <a:latin typeface="Arial" charset="0"/>
-                <a:cs typeface="Courier New" charset="0"/>
-              </a:rPr>
-              <a:t>Returns </a:t>
-            </a:r>
-            <a:r>
-              <a:rPr lang="en-US" sz="2400">
-                <a:latin typeface="Courier New" charset="0"/>
-                <a:cs typeface="Courier New" charset="0"/>
-              </a:rPr>
-              <a:t>dest</a:t>
-            </a:r>
-          </a:p>
-          <a:p>
-            <a:pPr lvl="1">
-              <a:lnSpc>
-                <a:spcPct val="90000"/>
-              </a:lnSpc>
-            </a:pPr>
-            <a:r>
-              <a:rPr lang="en-US" sz="2400">
-                <a:latin typeface="Arial" charset="0"/>
-                <a:cs typeface="Courier New" charset="0"/>
-              </a:rPr>
-              <a:t>strncat() guaranteed to add null terminator</a:t>
+            <a:r>
+              <a:rPr lang="en-US">
+                <a:latin typeface="Arial" charset="0"/>
+              </a:rPr>
+              <a:t>Things we’d like to do with strings:</a:t>
+            </a:r>
+          </a:p>
+          <a:p>
+            <a:pPr lvl="1"/>
+            <a:r>
+              <a:rPr lang="en-US">
+                <a:latin typeface="Arial" charset="0"/>
+              </a:rPr>
+              <a:t>Set one equal to another</a:t>
+            </a:r>
+          </a:p>
+          <a:p>
+            <a:pPr lvl="1"/>
+            <a:r>
+              <a:rPr lang="en-US">
+                <a:latin typeface="Arial" charset="0"/>
+              </a:rPr>
+              <a:t>Compare two strings</a:t>
+            </a:r>
+          </a:p>
+          <a:p>
+            <a:pPr lvl="1"/>
+            <a:r>
+              <a:rPr lang="en-US">
+                <a:latin typeface="Arial" charset="0"/>
+              </a:rPr>
+              <a:t>Find # characters in string</a:t>
+            </a:r>
+          </a:p>
+          <a:p>
+            <a:pPr lvl="2"/>
+            <a:r>
+              <a:rPr lang="en-US">
+                <a:latin typeface="Arial" charset="0"/>
+              </a:rPr>
+              <a:t>String may not fill array (“buffer”) allocated for it</a:t>
+            </a:r>
+          </a:p>
+          <a:p>
+            <a:pPr lvl="1"/>
+            <a:r>
+              <a:rPr lang="en-US">
+                <a:latin typeface="Arial" charset="0"/>
+              </a:rPr>
+              <a:t>“Add” two strings together</a:t>
+            </a:r>
+          </a:p>
+          <a:p>
+            <a:pPr lvl="2"/>
+            <a:r>
+              <a:rPr lang="en-US">
+                <a:latin typeface="Arial" charset="0"/>
+              </a:rPr>
+              <a:t>“abc” + “def” = “abcdef”</a:t>
             </a:r>
           </a:p>
         </p:txBody>
       </p:sp>
       <p:sp>
         <p:nvSpPr>
-          <p:cNvPr id="23555" name="Date Placeholder 3"/>
+          <p:cNvPr id="22531" name="Date Placeholder 3"/>
           <p:cNvSpPr>
             <a:spLocks noGrp="1"/>
           </p:cNvSpPr>
@@ -10114,15 +11284,16 @@
           </a:lstStyle>
           <a:p>
             <a:pPr eaLnBrk="1" hangingPunct="1"/>
-            <a:fld id="{2523AF0B-71F6-8F42-BB6B-CE6BA1BDB54C}" type="datetime1">
-              <a:rPr lang="en-US" sz="1200">
+            <a:fld id="{9DEB34EA-8E7A-F54C-967B-6A1B16A0ED29}" type="datetime1">
+              <a:rPr lang="en-US" sz="1200" smtClean="0">
                 <a:latin typeface="Garamond" charset="0"/>
-              </a:rPr>
-              <a:pPr eaLnBrk="1" hangingPunct="1"/>
-              <a:t>10/26/16</a:t>
+                <a:cs typeface="Arial" charset="0"/>
+              </a:rPr>
+              <a:t>10/30/16</a:t>
             </a:fld>
             <a:endParaRPr lang="en-US" sz="1200">
               <a:latin typeface="Garamond" charset="0"/>
+              <a:cs typeface="Arial" charset="0"/>
             </a:endParaRPr>
           </a:p>
         </p:txBody>
@@ -10146,15 +11317,16 @@
               <a:defRPr/>
             </a:pPr>
             <a:r>
-              <a:rPr lang="en-US" altLang="en-US"/>
-              <a:t>ECE Application Programming: Exam 2 Preview</a:t>
-            </a:r>
+              <a:rPr lang="en-US" altLang="en-US" smtClean="0"/>
+              <a:t>ECE Application Programming: Lecture 23</a:t>
+            </a:r>
+            <a:endParaRPr lang="en-US" altLang="en-US"/>
           </a:p>
         </p:txBody>
       </p:sp>
       <p:sp>
         <p:nvSpPr>
-          <p:cNvPr id="23557" name="Slide Number Placeholder 5"/>
+          <p:cNvPr id="22533" name="Slide Number Placeholder 5"/>
           <p:cNvSpPr>
             <a:spLocks noGrp="1"/>
           </p:cNvSpPr>
@@ -10297,15 +11469,17 @@
           </a:lstStyle>
           <a:p>
             <a:pPr eaLnBrk="1" hangingPunct="1"/>
-            <a:fld id="{BC0D8EDD-5401-B945-B370-F7CD33B5D563}" type="slidenum">
+            <a:fld id="{2C301CE6-3F17-A846-BA25-0D6463054381}" type="slidenum">
               <a:rPr lang="en-US" sz="1200">
                 <a:latin typeface="Garamond" charset="0"/>
+                <a:cs typeface="Arial" charset="0"/>
               </a:rPr>
               <a:pPr eaLnBrk="1" hangingPunct="1"/>
               <a:t>6</a:t>
             </a:fld>
             <a:endParaRPr lang="en-US" sz="1200">
               <a:latin typeface="Garamond" charset="0"/>
+              <a:cs typeface="Arial" charset="0"/>
             </a:endParaRPr>
           </a:p>
         </p:txBody>
@@ -10313,7 +11487,7 @@
     </p:spTree>
     <p:extLst>
       <p:ext uri="{BB962C8B-B14F-4D97-AF65-F5344CB8AC3E}">
-        <p14:creationId xmlns:p14="http://schemas.microsoft.com/office/powerpoint/2010/main" val="90391982"/>
+        <p14:creationId xmlns:p14="http://schemas.microsoft.com/office/powerpoint/2010/main" val="3669480358"/>
       </p:ext>
     </p:extLst>
   </p:cSld>
@@ -10349,7 +11523,7 @@
       </p:grpSpPr>
       <p:sp>
         <p:nvSpPr>
-          <p:cNvPr id="25601" name="Title 1"/>
+          <p:cNvPr id="23553" name="Title 1"/>
           <p:cNvSpPr>
             <a:spLocks noGrp="1"/>
           </p:cNvSpPr>
@@ -10366,35 +11540,22 @@
               <a:rPr lang="en-US">
                 <a:latin typeface="Garamond" charset="0"/>
               </a:rPr>
-              <a:t>Example: Strings</a:t>
+              <a:t>String functions (cont.)</a:t>
             </a:r>
           </a:p>
         </p:txBody>
       </p:sp>
       <p:sp>
         <p:nvSpPr>
-          <p:cNvPr id="25602" name="Content Placeholder 2"/>
+          <p:cNvPr id="23554" name="Content Placeholder 2"/>
           <p:cNvSpPr>
             <a:spLocks noGrp="1"/>
           </p:cNvSpPr>
           <p:nvPr>
-            <p:ph sz="half" idx="1"/>
+            <p:ph idx="1"/>
           </p:nvPr>
         </p:nvSpPr>
-        <p:spPr>
-          <a:xfrm>
-            <a:off x="0" y="1143000"/>
-            <a:ext cx="4572000" cy="4987925"/>
-          </a:xfrm>
-          <a:ln>
-            <a:solidFill>
-              <a:schemeClr val="accent1"/>
-            </a:solidFill>
-            <a:miter lim="800000"/>
-            <a:headEnd/>
-            <a:tailEnd/>
-          </a:ln>
-        </p:spPr>
+        <p:spPr/>
         <p:txBody>
           <a:bodyPr/>
           <a:lstStyle/>
@@ -10405,14 +11566,54 @@
               </a:lnSpc>
             </a:pPr>
             <a:r>
-              <a:rPr lang="en-US" sz="1800">
-                <a:latin typeface="Arial" charset="0"/>
-              </a:rPr>
-              <a:t>What does the following program print?</a:t>
-            </a:r>
-          </a:p>
-          <a:p>
-            <a:pPr>
+              <a:rPr lang="en-US" sz="2800">
+                <a:latin typeface="Arial" charset="0"/>
+              </a:rPr>
+              <a:t>In </a:t>
+            </a:r>
+            <a:r>
+              <a:rPr lang="en-US" sz="2800">
+                <a:latin typeface="Courier New" charset="0"/>
+                <a:cs typeface="Courier New" charset="0"/>
+              </a:rPr>
+              <a:t>&lt;string.h&gt;</a:t>
+            </a:r>
+            <a:r>
+              <a:rPr lang="en-US" sz="2800">
+                <a:latin typeface="Arial" charset="0"/>
+              </a:rPr>
+              <a:t> library:</a:t>
+            </a:r>
+          </a:p>
+          <a:p>
+            <a:pPr lvl="1">
+              <a:lnSpc>
+                <a:spcPct val="80000"/>
+              </a:lnSpc>
+            </a:pPr>
+            <a:r>
+              <a:rPr lang="en-US" sz="2400">
+                <a:latin typeface="Arial" charset="0"/>
+              </a:rPr>
+              <a:t>Copying strings:</a:t>
+            </a:r>
+          </a:p>
+          <a:p>
+            <a:pPr lvl="2">
+              <a:lnSpc>
+                <a:spcPct val="80000"/>
+              </a:lnSpc>
+            </a:pPr>
+            <a:r>
+              <a:rPr lang="en-US" sz="2000">
+                <a:latin typeface="Courier New" charset="0"/>
+                <a:cs typeface="Courier New" charset="0"/>
+              </a:rPr>
+              <a:t>char *strcpy(char *dest, </a:t>
+            </a:r>
+          </a:p>
+          <a:p>
+            <a:pPr lvl="2">
               <a:lnSpc>
                 <a:spcPct val="80000"/>
               </a:lnSpc>
@@ -10420,15 +11621,29 @@
               <a:buNone/>
             </a:pPr>
             <a:r>
-              <a:rPr lang="en-US" sz="1500">
-                <a:latin typeface="Courier New" charset="0"/>
-                <a:cs typeface="Courier New" charset="0"/>
-              </a:rPr>
-              <a:t>int main() {</a:t>
-            </a:r>
-          </a:p>
-          <a:p>
-            <a:pPr>
+              <a:rPr lang="en-US" sz="2000">
+                <a:latin typeface="Courier New" charset="0"/>
+                <a:cs typeface="Courier New" charset="0"/>
+              </a:rPr>
+              <a:t>			   const char *source);</a:t>
+            </a:r>
+          </a:p>
+          <a:p>
+            <a:pPr lvl="2">
+              <a:lnSpc>
+                <a:spcPct val="80000"/>
+              </a:lnSpc>
+            </a:pPr>
+            <a:r>
+              <a:rPr lang="en-US" sz="2000">
+                <a:latin typeface="Courier New" charset="0"/>
+                <a:cs typeface="Courier New" charset="0"/>
+              </a:rPr>
+              <a:t>char *strncpy(char *dest, </a:t>
+            </a:r>
+          </a:p>
+          <a:p>
+            <a:pPr lvl="2">
               <a:lnSpc>
                 <a:spcPct val="80000"/>
               </a:lnSpc>
@@ -10436,15 +11651,15 @@
               <a:buNone/>
             </a:pPr>
             <a:r>
-              <a:rPr lang="en-US" sz="1500">
-                <a:latin typeface="Courier New" charset="0"/>
-                <a:cs typeface="Courier New" charset="0"/>
-              </a:rPr>
-              <a:t>	char s1[15];</a:t>
-            </a:r>
-          </a:p>
-          <a:p>
-            <a:pPr lvl="1">
+              <a:rPr lang="en-US" sz="2000">
+                <a:latin typeface="Courier New" charset="0"/>
+                <a:cs typeface="Courier New" charset="0"/>
+              </a:rPr>
+              <a:t>			    const char *source, </a:t>
+            </a:r>
+          </a:p>
+          <a:p>
+            <a:pPr lvl="2">
               <a:lnSpc>
                 <a:spcPct val="80000"/>
               </a:lnSpc>
@@ -10452,11 +11667,94 @@
               <a:buNone/>
             </a:pPr>
             <a:r>
-              <a:rPr lang="en-US" sz="1500">
-                <a:latin typeface="Courier New" charset="0"/>
-                <a:cs typeface="Courier New" charset="0"/>
-              </a:rPr>
-              <a:t>int n1;</a:t>
+              <a:rPr lang="en-US" sz="2000">
+                <a:latin typeface="Courier New" charset="0"/>
+                <a:cs typeface="Courier New" charset="0"/>
+              </a:rPr>
+              <a:t>			    size_t num);</a:t>
+            </a:r>
+          </a:p>
+          <a:p>
+            <a:pPr lvl="2">
+              <a:lnSpc>
+                <a:spcPct val="80000"/>
+              </a:lnSpc>
+            </a:pPr>
+            <a:r>
+              <a:rPr lang="en-US" sz="2000">
+                <a:latin typeface="Arial" charset="0"/>
+              </a:rPr>
+              <a:t>Return </a:t>
+            </a:r>
+            <a:r>
+              <a:rPr lang="en-US" sz="2000">
+                <a:latin typeface="Courier New" charset="0"/>
+                <a:cs typeface="Courier New" charset="0"/>
+              </a:rPr>
+              <a:t>dest</a:t>
+            </a:r>
+          </a:p>
+          <a:p>
+            <a:pPr lvl="2">
+              <a:lnSpc>
+                <a:spcPct val="80000"/>
+              </a:lnSpc>
+            </a:pPr>
+            <a:r>
+              <a:rPr lang="en-US" sz="2000">
+                <a:latin typeface="Arial" charset="0"/>
+                <a:cs typeface="Courier New" charset="0"/>
+              </a:rPr>
+              <a:t>Does not append </a:t>
+            </a:r>
+            <a:r>
+              <a:rPr lang="ja-JP" altLang="en-US" sz="2000">
+                <a:latin typeface="Arial" charset="0"/>
+                <a:cs typeface="Courier New" charset="0"/>
+              </a:rPr>
+              <a:t>‘</a:t>
+            </a:r>
+            <a:r>
+              <a:rPr lang="en-US" altLang="ja-JP" sz="2000">
+                <a:latin typeface="Arial" charset="0"/>
+                <a:cs typeface="Courier New" charset="0"/>
+              </a:rPr>
+              <a:t>\0</a:t>
+            </a:r>
+            <a:r>
+              <a:rPr lang="ja-JP" altLang="en-US" sz="2000">
+                <a:latin typeface="Arial" charset="0"/>
+                <a:cs typeface="Courier New" charset="0"/>
+              </a:rPr>
+              <a:t>’</a:t>
+            </a:r>
+            <a:r>
+              <a:rPr lang="en-US" altLang="ja-JP" sz="2000">
+                <a:latin typeface="Arial" charset="0"/>
+                <a:cs typeface="Courier New" charset="0"/>
+              </a:rPr>
+              <a:t> unless length of </a:t>
+            </a:r>
+            <a:r>
+              <a:rPr lang="en-US" altLang="ja-JP" sz="2000">
+                <a:latin typeface="Courier New" charset="0"/>
+                <a:cs typeface="Courier New" charset="0"/>
+              </a:rPr>
+              <a:t>source</a:t>
+            </a:r>
+            <a:r>
+              <a:rPr lang="en-US" altLang="ja-JP" sz="2000">
+                <a:latin typeface="Arial" charset="0"/>
+                <a:cs typeface="Courier New" charset="0"/>
+              </a:rPr>
+              <a:t> &lt; </a:t>
+            </a:r>
+            <a:r>
+              <a:rPr lang="en-US" altLang="ja-JP" sz="2000">
+                <a:latin typeface="Courier New" charset="0"/>
+                <a:cs typeface="Courier New" charset="0"/>
+              </a:rPr>
+              <a:t>num</a:t>
             </a:r>
           </a:p>
           <a:p>
@@ -10464,830 +11762,75 @@
               <a:lnSpc>
                 <a:spcPct val="80000"/>
               </a:lnSpc>
-              <a:buFont typeface="Wingdings" charset="0"/>
-              <a:buNone/>
-            </a:pPr>
-            <a:r>
-              <a:rPr lang="en-US" sz="1500">
-                <a:latin typeface="Courier New" charset="0"/>
-                <a:cs typeface="Courier New" charset="0"/>
-              </a:rPr>
-              <a:t>char s2[10] = </a:t>
-            </a:r>
-            <a:r>
-              <a:rPr lang="ja-JP" altLang="en-US" sz="1500">
-                <a:latin typeface="Courier New" charset="0"/>
-                <a:cs typeface="Courier New" charset="0"/>
-              </a:rPr>
-              <a:t>“</a:t>
-            </a:r>
-            <a:r>
-              <a:rPr lang="en-US" altLang="ja-JP" sz="1500">
-                <a:latin typeface="Courier New" charset="0"/>
-                <a:cs typeface="Courier New" charset="0"/>
-              </a:rPr>
-              <a:t>.216</a:t>
-            </a:r>
-            <a:r>
-              <a:rPr lang="ja-JP" altLang="en-US" sz="1500">
-                <a:latin typeface="Courier New" charset="0"/>
-                <a:cs typeface="Courier New" charset="0"/>
-              </a:rPr>
-              <a:t>”</a:t>
-            </a:r>
-            <a:r>
-              <a:rPr lang="en-US" altLang="ja-JP" sz="1500">
-                <a:latin typeface="Courier New" charset="0"/>
-                <a:cs typeface="Courier New" charset="0"/>
-              </a:rPr>
-              <a:t>;</a:t>
-            </a:r>
-          </a:p>
-          <a:p>
-            <a:pPr lvl="1">
+            </a:pPr>
+            <a:r>
+              <a:rPr lang="en-US" sz="2400">
+                <a:latin typeface="Arial" charset="0"/>
+              </a:rPr>
+              <a:t>Comparing strings:</a:t>
+            </a:r>
+          </a:p>
+          <a:p>
+            <a:pPr lvl="2">
               <a:lnSpc>
                 <a:spcPct val="80000"/>
               </a:lnSpc>
-              <a:buFont typeface="Wingdings" charset="0"/>
-              <a:buNone/>
-            </a:pPr>
-            <a:r>
-              <a:rPr lang="en-US" sz="1500">
-                <a:latin typeface="Courier New" charset="0"/>
-                <a:cs typeface="Courier New" charset="0"/>
-              </a:rPr>
-              <a:t>int n;</a:t>
-            </a:r>
-          </a:p>
-          <a:p>
-            <a:pPr lvl="1">
+            </a:pPr>
+            <a:r>
+              <a:rPr lang="en-US" sz="2000">
+                <a:latin typeface="Courier New" charset="0"/>
+                <a:cs typeface="Courier New" charset="0"/>
+              </a:rPr>
+              <a:t>int strcmp(const char *s1, const char *s2);</a:t>
+            </a:r>
+          </a:p>
+          <a:p>
+            <a:pPr lvl="2">
               <a:lnSpc>
                 <a:spcPct val="80000"/>
               </a:lnSpc>
-              <a:buFont typeface="Wingdings" charset="0"/>
-              <a:buNone/>
-            </a:pPr>
-            <a:endParaRPr lang="en-US" sz="1500">
-              <a:latin typeface="Courier New" charset="0"/>
-              <a:cs typeface="Courier New" charset="0"/>
-            </a:endParaRPr>
-          </a:p>
-          <a:p>
-            <a:pPr lvl="1">
+            </a:pPr>
+            <a:r>
+              <a:rPr lang="en-US" sz="2000">
+                <a:latin typeface="Courier New" charset="0"/>
+                <a:cs typeface="Courier New" charset="0"/>
+              </a:rPr>
+              <a:t>int strncmp(const char *s1, const char *s2, 		size_t num);</a:t>
+            </a:r>
+          </a:p>
+          <a:p>
+            <a:pPr lvl="2">
               <a:lnSpc>
                 <a:spcPct val="80000"/>
               </a:lnSpc>
-              <a:buFont typeface="Wingdings" charset="0"/>
-              <a:buNone/>
-            </a:pPr>
-            <a:r>
-              <a:rPr lang="en-US" sz="1500">
-                <a:latin typeface="Courier New" charset="0"/>
-                <a:cs typeface="Courier New" charset="0"/>
-              </a:rPr>
-              <a:t>strncpy(s1, </a:t>
-            </a:r>
-            <a:r>
-              <a:rPr lang="ja-JP" altLang="en-US" sz="1500">
-                <a:latin typeface="Courier New" charset="0"/>
-                <a:cs typeface="Courier New" charset="0"/>
-              </a:rPr>
-              <a:t>“</a:t>
-            </a:r>
-            <a:r>
-              <a:rPr lang="en-US" altLang="ja-JP" sz="1500">
-                <a:latin typeface="Courier New" charset="0"/>
-                <a:cs typeface="Courier New" charset="0"/>
-              </a:rPr>
-              <a:t>16</a:t>
-            </a:r>
-            <a:r>
-              <a:rPr lang="ja-JP" altLang="en-US" sz="1500">
-                <a:latin typeface="Courier New" charset="0"/>
-                <a:cs typeface="Courier New" charset="0"/>
-              </a:rPr>
-              <a:t>”</a:t>
-            </a:r>
-            <a:r>
-              <a:rPr lang="en-US" altLang="ja-JP" sz="1500">
-                <a:latin typeface="Courier New" charset="0"/>
-                <a:cs typeface="Courier New" charset="0"/>
-              </a:rPr>
-              <a:t>, 15);</a:t>
-            </a:r>
-          </a:p>
-          <a:p>
-            <a:pPr lvl="1">
+            </a:pPr>
+            <a:r>
+              <a:rPr lang="en-US" sz="2000">
+                <a:latin typeface="Arial" charset="0"/>
+                <a:cs typeface="Courier New" charset="0"/>
+              </a:rPr>
+              <a:t>Character-by-character comparison of character values</a:t>
+            </a:r>
+          </a:p>
+          <a:p>
+            <a:pPr lvl="2">
               <a:lnSpc>
                 <a:spcPct val="80000"/>
               </a:lnSpc>
-              <a:buFont typeface="Wingdings" charset="0"/>
-              <a:buNone/>
-            </a:pPr>
-            <a:r>
-              <a:rPr lang="en-US" sz="1500">
-                <a:latin typeface="Courier New" charset="0"/>
-                <a:cs typeface="Courier New" charset="0"/>
-              </a:rPr>
-              <a:t>n1 = strlen(s1);</a:t>
-            </a:r>
-          </a:p>
-          <a:p>
-            <a:pPr lvl="1">
-              <a:lnSpc>
-                <a:spcPct val="80000"/>
-              </a:lnSpc>
-              <a:buFont typeface="Wingdings" charset="0"/>
-              <a:buNone/>
-            </a:pPr>
-            <a:r>
-              <a:rPr lang="en-US" sz="1500">
-                <a:latin typeface="Courier New" charset="0"/>
-                <a:cs typeface="Courier New" charset="0"/>
-              </a:rPr>
-              <a:t>printf(</a:t>
-            </a:r>
-            <a:r>
-              <a:rPr lang="ja-JP" altLang="en-US" sz="1500">
-                <a:latin typeface="Courier New" charset="0"/>
-                <a:cs typeface="Courier New" charset="0"/>
-              </a:rPr>
-              <a:t>“</a:t>
-            </a:r>
-            <a:r>
-              <a:rPr lang="en-US" altLang="ja-JP" sz="1500">
-                <a:latin typeface="Courier New" charset="0"/>
-                <a:cs typeface="Courier New" charset="0"/>
-              </a:rPr>
-              <a:t>s1 = %s\n</a:t>
-            </a:r>
-            <a:r>
-              <a:rPr lang="ja-JP" altLang="en-US" sz="1500">
-                <a:latin typeface="Courier New" charset="0"/>
-                <a:cs typeface="Courier New" charset="0"/>
-              </a:rPr>
-              <a:t>”</a:t>
-            </a:r>
-            <a:r>
-              <a:rPr lang="en-US" altLang="ja-JP" sz="1500">
-                <a:latin typeface="Courier New" charset="0"/>
-                <a:cs typeface="Courier New" charset="0"/>
-              </a:rPr>
-              <a:t>, s1);</a:t>
-            </a:r>
-          </a:p>
-          <a:p>
-            <a:pPr lvl="1">
-              <a:lnSpc>
-                <a:spcPct val="80000"/>
-              </a:lnSpc>
-              <a:buFont typeface="Wingdings" charset="0"/>
-              <a:buNone/>
-            </a:pPr>
-            <a:r>
-              <a:rPr lang="en-US" sz="1500">
-                <a:latin typeface="Courier New" charset="0"/>
-                <a:cs typeface="Courier New" charset="0"/>
-              </a:rPr>
-              <a:t>printf(</a:t>
-            </a:r>
-            <a:r>
-              <a:rPr lang="ja-JP" altLang="en-US" sz="1500">
-                <a:latin typeface="Courier New" charset="0"/>
-                <a:cs typeface="Courier New" charset="0"/>
-              </a:rPr>
-              <a:t>“</a:t>
-            </a:r>
-            <a:r>
-              <a:rPr lang="en-US" altLang="ja-JP" sz="1500">
-                <a:latin typeface="Courier New" charset="0"/>
-                <a:cs typeface="Courier New" charset="0"/>
-              </a:rPr>
-              <a:t>Length of s1 = %d\n\n</a:t>
-            </a:r>
-            <a:r>
-              <a:rPr lang="ja-JP" altLang="en-US" sz="1500">
-                <a:latin typeface="Courier New" charset="0"/>
-                <a:cs typeface="Courier New" charset="0"/>
-              </a:rPr>
-              <a:t>”</a:t>
-            </a:r>
-            <a:r>
-              <a:rPr lang="en-US" altLang="ja-JP" sz="1500">
-                <a:latin typeface="Courier New" charset="0"/>
-                <a:cs typeface="Courier New" charset="0"/>
-              </a:rPr>
-              <a:t>, n1);</a:t>
-            </a:r>
-          </a:p>
-          <a:p>
-            <a:pPr lvl="1">
-              <a:lnSpc>
-                <a:spcPct val="80000"/>
-              </a:lnSpc>
-              <a:buFont typeface="Wingdings" charset="0"/>
-              <a:buNone/>
-            </a:pPr>
-            <a:endParaRPr lang="en-US" sz="1500">
-              <a:latin typeface="Courier New" charset="0"/>
-              <a:cs typeface="Courier New" charset="0"/>
-            </a:endParaRPr>
-          </a:p>
-          <a:p>
-            <a:pPr lvl="1">
-              <a:lnSpc>
-                <a:spcPct val="80000"/>
-              </a:lnSpc>
-              <a:buFont typeface="Wingdings" charset="0"/>
-              <a:buNone/>
-            </a:pPr>
-            <a:r>
-              <a:rPr lang="en-US" sz="1500">
-                <a:latin typeface="Courier New" charset="0"/>
-                <a:cs typeface="Courier New" charset="0"/>
-              </a:rPr>
-              <a:t>printf(</a:t>
-            </a:r>
-            <a:r>
-              <a:rPr lang="ja-JP" altLang="en-US" sz="1500">
-                <a:latin typeface="Courier New" charset="0"/>
-                <a:cs typeface="Courier New" charset="0"/>
-              </a:rPr>
-              <a:t>“</a:t>
-            </a:r>
-            <a:r>
-              <a:rPr lang="en-US" altLang="ja-JP" sz="1500">
-                <a:latin typeface="Courier New" charset="0"/>
-                <a:cs typeface="Courier New" charset="0"/>
-              </a:rPr>
-              <a:t>%c\n\n</a:t>
-            </a:r>
-            <a:r>
-              <a:rPr lang="ja-JP" altLang="en-US" sz="1500">
-                <a:latin typeface="Courier New" charset="0"/>
-                <a:cs typeface="Courier New" charset="0"/>
-              </a:rPr>
-              <a:t>”</a:t>
-            </a:r>
-            <a:r>
-              <a:rPr lang="en-US" altLang="ja-JP" sz="1500">
-                <a:latin typeface="Courier New" charset="0"/>
-                <a:cs typeface="Courier New" charset="0"/>
-              </a:rPr>
-              <a:t>, s1[1]);</a:t>
-            </a:r>
-          </a:p>
-          <a:p>
-            <a:pPr lvl="1">
-              <a:lnSpc>
-                <a:spcPct val="80000"/>
-              </a:lnSpc>
-              <a:buFont typeface="Wingdings" charset="0"/>
-              <a:buNone/>
-            </a:pPr>
-            <a:endParaRPr lang="en-US" sz="1500">
-              <a:latin typeface="Courier New" charset="0"/>
-              <a:cs typeface="Courier New" charset="0"/>
-            </a:endParaRPr>
+            </a:pPr>
+            <a:r>
+              <a:rPr lang="en-US" sz="2000">
+                <a:latin typeface="Arial" charset="0"/>
+                <a:cs typeface="Courier New" charset="0"/>
+              </a:rPr>
+              <a:t>Returns 0 if s1 == s2, &gt;0 if s1 &gt; s2, &lt;0 if s1 &lt; s2</a:t>
+            </a:r>
           </a:p>
         </p:txBody>
       </p:sp>
       <p:sp>
         <p:nvSpPr>
-          <p:cNvPr id="25603" name="Content Placeholder 6"/>
-          <p:cNvSpPr>
-            <a:spLocks noGrp="1"/>
-          </p:cNvSpPr>
-          <p:nvPr>
-            <p:ph sz="half" idx="2"/>
-          </p:nvPr>
-        </p:nvSpPr>
-        <p:spPr>
-          <a:xfrm>
-            <a:off x="4572000" y="1143000"/>
-            <a:ext cx="4495800" cy="4987925"/>
-          </a:xfrm>
-          <a:ln>
-            <a:solidFill>
-              <a:schemeClr val="accent1"/>
-            </a:solidFill>
-            <a:miter lim="800000"/>
-            <a:headEnd/>
-            <a:tailEnd/>
-          </a:ln>
-        </p:spPr>
-        <p:txBody>
-          <a:bodyPr/>
-          <a:lstStyle/>
-          <a:p>
-            <a:pPr lvl="1">
-              <a:lnSpc>
-                <a:spcPct val="80000"/>
-              </a:lnSpc>
-              <a:buFont typeface="Wingdings" charset="0"/>
-              <a:buNone/>
-            </a:pPr>
-            <a:r>
-              <a:rPr lang="en-US" sz="1500">
-                <a:latin typeface="Courier New" charset="0"/>
-                <a:cs typeface="Courier New" charset="0"/>
-              </a:rPr>
-              <a:t>strncat(s1,s2,10);</a:t>
-            </a:r>
-          </a:p>
-          <a:p>
-            <a:pPr lvl="1">
-              <a:lnSpc>
-                <a:spcPct val="80000"/>
-              </a:lnSpc>
-              <a:buFont typeface="Wingdings" charset="0"/>
-              <a:buNone/>
-            </a:pPr>
-            <a:r>
-              <a:rPr lang="en-US" sz="1500">
-                <a:latin typeface="Courier New" charset="0"/>
-                <a:cs typeface="Courier New" charset="0"/>
-              </a:rPr>
-              <a:t>n1 = strlen(s1);</a:t>
-            </a:r>
-          </a:p>
-          <a:p>
-            <a:pPr lvl="1">
-              <a:lnSpc>
-                <a:spcPct val="80000"/>
-              </a:lnSpc>
-              <a:buFont typeface="Wingdings" charset="0"/>
-              <a:buNone/>
-            </a:pPr>
-            <a:r>
-              <a:rPr lang="en-US" sz="1500">
-                <a:latin typeface="Courier New" charset="0"/>
-                <a:cs typeface="Courier New" charset="0"/>
-              </a:rPr>
-              <a:t>printf(</a:t>
-            </a:r>
-            <a:r>
-              <a:rPr lang="ja-JP" altLang="en-US" sz="1500">
-                <a:latin typeface="Courier New" charset="0"/>
-                <a:cs typeface="Courier New" charset="0"/>
-              </a:rPr>
-              <a:t>“</a:t>
-            </a:r>
-            <a:r>
-              <a:rPr lang="en-US" altLang="ja-JP" sz="1500">
-                <a:latin typeface="Courier New" charset="0"/>
-                <a:cs typeface="Courier New" charset="0"/>
-              </a:rPr>
-              <a:t>s1 = %s\n</a:t>
-            </a:r>
-            <a:r>
-              <a:rPr lang="ja-JP" altLang="en-US" sz="1500">
-                <a:latin typeface="Courier New" charset="0"/>
-                <a:cs typeface="Courier New" charset="0"/>
-              </a:rPr>
-              <a:t>”</a:t>
-            </a:r>
-            <a:r>
-              <a:rPr lang="en-US" altLang="ja-JP" sz="1500">
-                <a:latin typeface="Courier New" charset="0"/>
-                <a:cs typeface="Courier New" charset="0"/>
-              </a:rPr>
-              <a:t>, s1);</a:t>
-            </a:r>
-          </a:p>
-          <a:p>
-            <a:pPr lvl="1">
-              <a:lnSpc>
-                <a:spcPct val="80000"/>
-              </a:lnSpc>
-              <a:buFont typeface="Wingdings" charset="0"/>
-              <a:buNone/>
-            </a:pPr>
-            <a:r>
-              <a:rPr lang="en-US" sz="1500">
-                <a:latin typeface="Courier New" charset="0"/>
-                <a:cs typeface="Courier New" charset="0"/>
-              </a:rPr>
-              <a:t>printf(</a:t>
-            </a:r>
-            <a:r>
-              <a:rPr lang="ja-JP" altLang="en-US" sz="1500">
-                <a:latin typeface="Courier New" charset="0"/>
-                <a:cs typeface="Courier New" charset="0"/>
-              </a:rPr>
-              <a:t>“</a:t>
-            </a:r>
-            <a:r>
-              <a:rPr lang="en-US" altLang="ja-JP" sz="1500">
-                <a:latin typeface="Courier New" charset="0"/>
-                <a:cs typeface="Courier New" charset="0"/>
-              </a:rPr>
-              <a:t>Length of s1 = %d\n\n</a:t>
-            </a:r>
-            <a:r>
-              <a:rPr lang="ja-JP" altLang="en-US" sz="1500">
-                <a:latin typeface="Courier New" charset="0"/>
-                <a:cs typeface="Courier New" charset="0"/>
-              </a:rPr>
-              <a:t>”</a:t>
-            </a:r>
-            <a:r>
-              <a:rPr lang="en-US" altLang="ja-JP" sz="1500">
-                <a:latin typeface="Courier New" charset="0"/>
-                <a:cs typeface="Courier New" charset="0"/>
-              </a:rPr>
-              <a:t>, n1);</a:t>
-            </a:r>
-          </a:p>
-          <a:p>
-            <a:pPr lvl="1">
-              <a:lnSpc>
-                <a:spcPct val="80000"/>
-              </a:lnSpc>
-              <a:buFont typeface="Wingdings" charset="0"/>
-              <a:buNone/>
-            </a:pPr>
-            <a:endParaRPr lang="en-US" sz="1500">
-              <a:latin typeface="Courier New" charset="0"/>
-              <a:cs typeface="Courier New" charset="0"/>
-            </a:endParaRPr>
-          </a:p>
-          <a:p>
-            <a:pPr lvl="1">
-              <a:lnSpc>
-                <a:spcPct val="80000"/>
-              </a:lnSpc>
-              <a:buFont typeface="Wingdings" charset="0"/>
-              <a:buNone/>
-            </a:pPr>
-            <a:r>
-              <a:rPr lang="en-US" sz="1500">
-                <a:latin typeface="Courier New" charset="0"/>
-                <a:cs typeface="Courier New" charset="0"/>
-              </a:rPr>
-              <a:t>// Assume user inputs: ABC ABD</a:t>
-            </a:r>
-          </a:p>
-          <a:p>
-            <a:pPr lvl="1">
-              <a:lnSpc>
-                <a:spcPct val="80000"/>
-              </a:lnSpc>
-              <a:buFont typeface="Wingdings" charset="0"/>
-              <a:buNone/>
-            </a:pPr>
-            <a:r>
-              <a:rPr lang="en-US" sz="1500">
-                <a:latin typeface="Courier New" charset="0"/>
-                <a:cs typeface="Courier New" charset="0"/>
-              </a:rPr>
-              <a:t>printf(</a:t>
-            </a:r>
-            <a:r>
-              <a:rPr lang="ja-JP" altLang="en-US" sz="1500">
-                <a:latin typeface="Courier New" charset="0"/>
-                <a:cs typeface="Courier New" charset="0"/>
-              </a:rPr>
-              <a:t>“</a:t>
-            </a:r>
-            <a:r>
-              <a:rPr lang="en-US" altLang="ja-JP" sz="1500">
-                <a:latin typeface="Courier New" charset="0"/>
-                <a:cs typeface="Courier New" charset="0"/>
-              </a:rPr>
-              <a:t>Enter two strings:</a:t>
-            </a:r>
-            <a:r>
-              <a:rPr lang="ja-JP" altLang="en-US" sz="1500">
-                <a:latin typeface="Courier New" charset="0"/>
-                <a:cs typeface="Courier New" charset="0"/>
-              </a:rPr>
-              <a:t>”</a:t>
-            </a:r>
-            <a:r>
-              <a:rPr lang="en-US" altLang="ja-JP" sz="1500">
-                <a:latin typeface="Courier New" charset="0"/>
-                <a:cs typeface="Courier New" charset="0"/>
-              </a:rPr>
-              <a:t>);</a:t>
-            </a:r>
-          </a:p>
-          <a:p>
-            <a:pPr lvl="1">
-              <a:lnSpc>
-                <a:spcPct val="80000"/>
-              </a:lnSpc>
-              <a:buFont typeface="Wingdings" charset="0"/>
-              <a:buNone/>
-            </a:pPr>
-            <a:r>
-              <a:rPr lang="en-US" sz="1500">
-                <a:latin typeface="Courier New" charset="0"/>
-                <a:cs typeface="Courier New" charset="0"/>
-              </a:rPr>
-              <a:t>scanf(</a:t>
-            </a:r>
-            <a:r>
-              <a:rPr lang="ja-JP" altLang="en-US" sz="1500">
-                <a:latin typeface="Courier New" charset="0"/>
-                <a:cs typeface="Courier New" charset="0"/>
-              </a:rPr>
-              <a:t>“</a:t>
-            </a:r>
-            <a:r>
-              <a:rPr lang="en-US" altLang="ja-JP" sz="1500">
-                <a:latin typeface="Courier New" charset="0"/>
-                <a:cs typeface="Courier New" charset="0"/>
-              </a:rPr>
-              <a:t>%s%s</a:t>
-            </a:r>
-            <a:r>
-              <a:rPr lang="ja-JP" altLang="en-US" sz="1500">
-                <a:latin typeface="Courier New" charset="0"/>
-                <a:cs typeface="Courier New" charset="0"/>
-              </a:rPr>
-              <a:t>”</a:t>
-            </a:r>
-            <a:r>
-              <a:rPr lang="en-US" altLang="ja-JP" sz="1500">
-                <a:latin typeface="Courier New" charset="0"/>
-                <a:cs typeface="Courier New" charset="0"/>
-              </a:rPr>
-              <a:t>, s1, s2);</a:t>
-            </a:r>
-          </a:p>
-          <a:p>
-            <a:pPr lvl="1">
-              <a:lnSpc>
-                <a:spcPct val="80000"/>
-              </a:lnSpc>
-              <a:buFont typeface="Wingdings" charset="0"/>
-              <a:buNone/>
-            </a:pPr>
-            <a:r>
-              <a:rPr lang="en-US" sz="1500">
-                <a:latin typeface="Courier New" charset="0"/>
-                <a:cs typeface="Courier New" charset="0"/>
-              </a:rPr>
-              <a:t>n = strncmp(s1, s2, 15);</a:t>
-            </a:r>
-          </a:p>
-          <a:p>
-            <a:pPr lvl="1">
-              <a:lnSpc>
-                <a:spcPct val="80000"/>
-              </a:lnSpc>
-              <a:buFont typeface="Wingdings" charset="0"/>
-              <a:buNone/>
-            </a:pPr>
-            <a:endParaRPr lang="en-US" sz="1500">
-              <a:latin typeface="Courier New" charset="0"/>
-              <a:cs typeface="Courier New" charset="0"/>
-            </a:endParaRPr>
-          </a:p>
-          <a:p>
-            <a:pPr lvl="1">
-              <a:lnSpc>
-                <a:spcPct val="80000"/>
-              </a:lnSpc>
-              <a:buFont typeface="Wingdings" charset="0"/>
-              <a:buNone/>
-            </a:pPr>
-            <a:r>
-              <a:rPr lang="en-US" sz="1500">
-                <a:latin typeface="Courier New" charset="0"/>
-                <a:cs typeface="Courier New" charset="0"/>
-              </a:rPr>
-              <a:t>if (n &gt; 0)</a:t>
-            </a:r>
-          </a:p>
-          <a:p>
-            <a:pPr lvl="1">
-              <a:lnSpc>
-                <a:spcPct val="80000"/>
-              </a:lnSpc>
-              <a:buFont typeface="Wingdings" charset="0"/>
-              <a:buNone/>
-            </a:pPr>
-            <a:r>
-              <a:rPr lang="en-US" sz="1500">
-                <a:latin typeface="Courier New" charset="0"/>
-                <a:cs typeface="Courier New" charset="0"/>
-              </a:rPr>
-              <a:t>	printf(</a:t>
-            </a:r>
-            <a:r>
-              <a:rPr lang="ja-JP" altLang="en-US" sz="1500">
-                <a:latin typeface="Courier New" charset="0"/>
-                <a:cs typeface="Courier New" charset="0"/>
-              </a:rPr>
-              <a:t>“</a:t>
-            </a:r>
-            <a:r>
-              <a:rPr lang="en-US" altLang="ja-JP" sz="1500">
-                <a:latin typeface="Courier New" charset="0"/>
-                <a:cs typeface="Courier New" charset="0"/>
-              </a:rPr>
-              <a:t>%s &gt; %s\n</a:t>
-            </a:r>
-            <a:r>
-              <a:rPr lang="ja-JP" altLang="en-US" sz="1500">
-                <a:latin typeface="Courier New" charset="0"/>
-                <a:cs typeface="Courier New" charset="0"/>
-              </a:rPr>
-              <a:t>”</a:t>
-            </a:r>
-            <a:r>
-              <a:rPr lang="en-US" altLang="ja-JP" sz="1500">
-                <a:latin typeface="Courier New" charset="0"/>
-                <a:cs typeface="Courier New" charset="0"/>
-              </a:rPr>
-              <a:t>, s1, s2);</a:t>
-            </a:r>
-          </a:p>
-          <a:p>
-            <a:pPr lvl="1">
-              <a:lnSpc>
-                <a:spcPct val="80000"/>
-              </a:lnSpc>
-              <a:buFont typeface="Wingdings" charset="0"/>
-              <a:buNone/>
-            </a:pPr>
-            <a:r>
-              <a:rPr lang="en-US" sz="1500">
-                <a:latin typeface="Courier New" charset="0"/>
-                <a:cs typeface="Courier New" charset="0"/>
-              </a:rPr>
-              <a:t>else if (n &lt; 0)</a:t>
-            </a:r>
-          </a:p>
-          <a:p>
-            <a:pPr lvl="1">
-              <a:lnSpc>
-                <a:spcPct val="80000"/>
-              </a:lnSpc>
-              <a:buFont typeface="Wingdings" charset="0"/>
-              <a:buNone/>
-            </a:pPr>
-            <a:r>
-              <a:rPr lang="en-US" sz="1500">
-                <a:latin typeface="Courier New" charset="0"/>
-                <a:cs typeface="Courier New" charset="0"/>
-              </a:rPr>
-              <a:t>	printf(</a:t>
-            </a:r>
-            <a:r>
-              <a:rPr lang="ja-JP" altLang="en-US" sz="1500">
-                <a:latin typeface="Courier New" charset="0"/>
-                <a:cs typeface="Courier New" charset="0"/>
-              </a:rPr>
-              <a:t>“</a:t>
-            </a:r>
-            <a:r>
-              <a:rPr lang="en-US" altLang="ja-JP" sz="1500">
-                <a:latin typeface="Courier New" charset="0"/>
-                <a:cs typeface="Courier New" charset="0"/>
-              </a:rPr>
-              <a:t>%s &lt; %s\n</a:t>
-            </a:r>
-            <a:r>
-              <a:rPr lang="ja-JP" altLang="en-US" sz="1500">
-                <a:latin typeface="Courier New" charset="0"/>
-                <a:cs typeface="Courier New" charset="0"/>
-              </a:rPr>
-              <a:t>”</a:t>
-            </a:r>
-            <a:r>
-              <a:rPr lang="en-US" altLang="ja-JP" sz="1500">
-                <a:latin typeface="Courier New" charset="0"/>
-                <a:cs typeface="Courier New" charset="0"/>
-              </a:rPr>
-              <a:t>, s1, s2);</a:t>
-            </a:r>
-          </a:p>
-          <a:p>
-            <a:pPr lvl="1">
-              <a:lnSpc>
-                <a:spcPct val="80000"/>
-              </a:lnSpc>
-              <a:buFont typeface="Wingdings" charset="0"/>
-              <a:buNone/>
-            </a:pPr>
-            <a:r>
-              <a:rPr lang="en-US" sz="1500">
-                <a:latin typeface="Courier New" charset="0"/>
-                <a:cs typeface="Courier New" charset="0"/>
-              </a:rPr>
-              <a:t>else</a:t>
-            </a:r>
-          </a:p>
-          <a:p>
-            <a:pPr lvl="1">
-              <a:lnSpc>
-                <a:spcPct val="80000"/>
-              </a:lnSpc>
-              <a:buFont typeface="Wingdings" charset="0"/>
-              <a:buNone/>
-            </a:pPr>
-            <a:r>
-              <a:rPr lang="en-US" sz="1500">
-                <a:latin typeface="Courier New" charset="0"/>
-                <a:cs typeface="Courier New" charset="0"/>
-              </a:rPr>
-              <a:t>	printf(</a:t>
-            </a:r>
-            <a:r>
-              <a:rPr lang="ja-JP" altLang="en-US" sz="1500">
-                <a:latin typeface="Courier New" charset="0"/>
-                <a:cs typeface="Courier New" charset="0"/>
-              </a:rPr>
-              <a:t>“</a:t>
-            </a:r>
-            <a:r>
-              <a:rPr lang="en-US" altLang="ja-JP" sz="1500">
-                <a:latin typeface="Courier New" charset="0"/>
-                <a:cs typeface="Courier New" charset="0"/>
-              </a:rPr>
-              <a:t>%s == %s\n</a:t>
-            </a:r>
-            <a:r>
-              <a:rPr lang="ja-JP" altLang="en-US" sz="1500">
-                <a:latin typeface="Courier New" charset="0"/>
-                <a:cs typeface="Courier New" charset="0"/>
-              </a:rPr>
-              <a:t>”</a:t>
-            </a:r>
-            <a:r>
-              <a:rPr lang="en-US" altLang="ja-JP" sz="1500">
-                <a:latin typeface="Courier New" charset="0"/>
-                <a:cs typeface="Courier New" charset="0"/>
-              </a:rPr>
-              <a:t>, s1, s2);</a:t>
-            </a:r>
-          </a:p>
-          <a:p>
-            <a:pPr lvl="1">
-              <a:lnSpc>
-                <a:spcPct val="80000"/>
-              </a:lnSpc>
-              <a:buFont typeface="Wingdings" charset="0"/>
-              <a:buNone/>
-            </a:pPr>
-            <a:r>
-              <a:rPr lang="en-US" sz="1500">
-                <a:latin typeface="Courier New" charset="0"/>
-                <a:cs typeface="Courier New" charset="0"/>
-              </a:rPr>
-              <a:t>return 0;</a:t>
-            </a:r>
-          </a:p>
-          <a:p>
-            <a:pPr lvl="1">
-              <a:lnSpc>
-                <a:spcPct val="80000"/>
-              </a:lnSpc>
-              <a:buFont typeface="Wingdings" charset="0"/>
-              <a:buNone/>
-            </a:pPr>
-            <a:r>
-              <a:rPr lang="en-US" sz="1500">
-                <a:latin typeface="Courier New" charset="0"/>
-                <a:cs typeface="Courier New" charset="0"/>
-              </a:rPr>
-              <a:t>}</a:t>
-            </a:r>
-          </a:p>
-          <a:p>
-            <a:pPr lvl="1">
-              <a:lnSpc>
-                <a:spcPct val="80000"/>
-              </a:lnSpc>
-              <a:buFont typeface="Wingdings" charset="0"/>
-              <a:buNone/>
-            </a:pPr>
-            <a:endParaRPr lang="en-US" sz="1500">
-              <a:latin typeface="Courier New" charset="0"/>
-              <a:cs typeface="Courier New" charset="0"/>
-            </a:endParaRPr>
-          </a:p>
-          <a:p>
-            <a:pPr>
-              <a:lnSpc>
-                <a:spcPct val="80000"/>
-              </a:lnSpc>
-              <a:buFont typeface="Wingdings" charset="0"/>
-              <a:buNone/>
-            </a:pPr>
-            <a:endParaRPr lang="en-US" sz="1800">
-              <a:latin typeface="Courier New" charset="0"/>
-              <a:cs typeface="Courier New" charset="0"/>
-            </a:endParaRPr>
-          </a:p>
-        </p:txBody>
-      </p:sp>
-      <p:sp>
-        <p:nvSpPr>
-          <p:cNvPr id="25604" name="Date Placeholder 3"/>
+          <p:cNvPr id="23555" name="Date Placeholder 3"/>
           <p:cNvSpPr>
             <a:spLocks noGrp="1"/>
           </p:cNvSpPr>
@@ -11430,12 +11973,12 @@
           </a:lstStyle>
           <a:p>
             <a:pPr eaLnBrk="1" hangingPunct="1"/>
-            <a:fld id="{E469D535-C532-5744-9C71-839BD23B1934}" type="datetime1">
+            <a:fld id="{FA703B72-E5AF-6042-ADE7-A8B50F4F65B9}" type="datetime1">
               <a:rPr lang="en-US" sz="1200" smtClean="0">
                 <a:latin typeface="Garamond" charset="0"/>
                 <a:cs typeface="Arial" charset="0"/>
               </a:rPr>
-              <a:t>10/26/16</a:t>
+              <a:t>10/30/16</a:t>
             </a:fld>
             <a:endParaRPr lang="en-US" sz="1200">
               <a:latin typeface="Garamond" charset="0"/>
@@ -11464,7 +12007,7 @@
             </a:pPr>
             <a:r>
               <a:rPr lang="en-US" altLang="en-US" smtClean="0"/>
-              <a:t>ECE Application Programming: Lecture 22</a:t>
+              <a:t>ECE Application Programming: Lecture 23</a:t>
             </a:r>
             <a:endParaRPr lang="en-US" altLang="en-US"/>
           </a:p>
@@ -11472,7 +12015,7 @@
       </p:sp>
       <p:sp>
         <p:nvSpPr>
-          <p:cNvPr id="25606" name="Slide Number Placeholder 5"/>
+          <p:cNvPr id="23557" name="Slide Number Placeholder 5"/>
           <p:cNvSpPr>
             <a:spLocks noGrp="1"/>
           </p:cNvSpPr>
@@ -11615,7 +12158,7 @@
           </a:lstStyle>
           <a:p>
             <a:pPr eaLnBrk="1" hangingPunct="1"/>
-            <a:fld id="{5ACC0434-5536-4F45-8975-FAE2D3EC70DD}" type="slidenum">
+            <a:fld id="{6CD81D62-82F2-7344-B049-4ED08255A5DC}" type="slidenum">
               <a:rPr lang="en-US" sz="1200">
                 <a:latin typeface="Garamond" charset="0"/>
                 <a:cs typeface="Arial" charset="0"/>
@@ -11633,7 +12176,7 @@
     </p:spTree>
     <p:extLst>
       <p:ext uri="{BB962C8B-B14F-4D97-AF65-F5344CB8AC3E}">
-        <p14:creationId xmlns:p14="http://schemas.microsoft.com/office/powerpoint/2010/main" val="3014744672"/>
+        <p14:creationId xmlns:p14="http://schemas.microsoft.com/office/powerpoint/2010/main" val="1487773911"/>
       </p:ext>
     </p:extLst>
   </p:cSld>
@@ -11669,7 +12212,7 @@
       </p:grpSpPr>
       <p:sp>
         <p:nvSpPr>
-          <p:cNvPr id="26625" name="Title 1"/>
+          <p:cNvPr id="24577" name="Title 1"/>
           <p:cNvSpPr>
             <a:spLocks noGrp="1"/>
           </p:cNvSpPr>
@@ -11686,14 +12229,14 @@
               <a:rPr lang="en-US">
                 <a:latin typeface="Garamond" charset="0"/>
               </a:rPr>
-              <a:t>Example solution</a:t>
+              <a:t>String functions (cont.)</a:t>
             </a:r>
           </a:p>
         </p:txBody>
       </p:sp>
       <p:sp>
         <p:nvSpPr>
-          <p:cNvPr id="8" name="Content Placeholder 7"/>
+          <p:cNvPr id="24578" name="Content Placeholder 2"/>
           <p:cNvSpPr>
             <a:spLocks noGrp="1"/>
           </p:cNvSpPr>
@@ -11703,258 +12246,224 @@
         </p:nvSpPr>
         <p:spPr/>
         <p:txBody>
-          <a:bodyPr>
-            <a:normAutofit fontScale="92500" lnSpcReduction="10000"/>
-          </a:bodyPr>
+          <a:bodyPr/>
           <a:lstStyle/>
           <a:p>
             <a:pPr>
-              <a:buFont typeface="Wingdings" pitchFamily="2" charset="2"/>
+              <a:lnSpc>
+                <a:spcPct val="90000"/>
+              </a:lnSpc>
+            </a:pPr>
+            <a:r>
+              <a:rPr lang="en-US">
+                <a:latin typeface="Arial" charset="0"/>
+              </a:rPr>
+              <a:t>Find # of characters in a string</a:t>
+            </a:r>
+          </a:p>
+          <a:p>
+            <a:pPr lvl="1">
+              <a:lnSpc>
+                <a:spcPct val="90000"/>
+              </a:lnSpc>
+            </a:pPr>
+            <a:r>
+              <a:rPr lang="en-US">
+                <a:latin typeface="Courier New" charset="0"/>
+                <a:cs typeface="Courier New" charset="0"/>
+              </a:rPr>
+              <a:t>size_t strlen(const char *s1);</a:t>
+            </a:r>
+          </a:p>
+          <a:p>
+            <a:pPr lvl="1">
+              <a:lnSpc>
+                <a:spcPct val="90000"/>
+              </a:lnSpc>
+            </a:pPr>
+            <a:r>
+              <a:rPr lang="en-US">
+                <a:latin typeface="Arial" charset="0"/>
+              </a:rPr>
+              <a:t>Returns # characters before </a:t>
+            </a:r>
+            <a:r>
+              <a:rPr lang="ja-JP" altLang="en-US">
+                <a:latin typeface="Courier New" charset="0"/>
+                <a:cs typeface="Courier New" charset="0"/>
+              </a:rPr>
+              <a:t>‘</a:t>
+            </a:r>
+            <a:r>
+              <a:rPr lang="en-US" altLang="ja-JP">
+                <a:latin typeface="Courier New" charset="0"/>
+                <a:cs typeface="Courier New" charset="0"/>
+              </a:rPr>
+              <a:t>\0</a:t>
+            </a:r>
+            <a:r>
+              <a:rPr lang="ja-JP" altLang="en-US">
+                <a:latin typeface="Courier New" charset="0"/>
+                <a:cs typeface="Courier New" charset="0"/>
+              </a:rPr>
+              <a:t>’</a:t>
+            </a:r>
+            <a:endParaRPr lang="en-US" altLang="ja-JP">
+              <a:latin typeface="Courier New" charset="0"/>
+              <a:cs typeface="Courier New" charset="0"/>
+            </a:endParaRPr>
+          </a:p>
+          <a:p>
+            <a:pPr lvl="2">
+              <a:lnSpc>
+                <a:spcPct val="90000"/>
+              </a:lnSpc>
+            </a:pPr>
+            <a:r>
+              <a:rPr lang="en-US">
+                <a:latin typeface="Arial" charset="0"/>
+                <a:cs typeface="Courier New" charset="0"/>
+              </a:rPr>
+              <a:t>Not necessarily size of array</a:t>
+            </a:r>
+          </a:p>
+          <a:p>
+            <a:pPr>
+              <a:lnSpc>
+                <a:spcPct val="90000"/>
+              </a:lnSpc>
+            </a:pPr>
+            <a:r>
+              <a:rPr lang="ja-JP" altLang="en-US">
+                <a:latin typeface="Arial" charset="0"/>
+                <a:cs typeface="Courier New" charset="0"/>
+              </a:rPr>
+              <a:t>“</a:t>
+            </a:r>
+            <a:r>
+              <a:rPr lang="en-US" altLang="ja-JP">
+                <a:latin typeface="Arial" charset="0"/>
+                <a:cs typeface="Courier New" charset="0"/>
+              </a:rPr>
+              <a:t>Add</a:t>
+            </a:r>
+            <a:r>
+              <a:rPr lang="ja-JP" altLang="en-US">
+                <a:latin typeface="Arial" charset="0"/>
+                <a:cs typeface="Courier New" charset="0"/>
+              </a:rPr>
+              <a:t>”</a:t>
+            </a:r>
+            <a:r>
+              <a:rPr lang="en-US" altLang="ja-JP">
+                <a:latin typeface="Arial" charset="0"/>
+                <a:cs typeface="Courier New" charset="0"/>
+              </a:rPr>
+              <a:t> strings together—string concatenation</a:t>
+            </a:r>
+          </a:p>
+          <a:p>
+            <a:pPr lvl="1">
+              <a:lnSpc>
+                <a:spcPct val="90000"/>
+              </a:lnSpc>
+            </a:pPr>
+            <a:r>
+              <a:rPr lang="en-US">
+                <a:latin typeface="Courier New" charset="0"/>
+                <a:cs typeface="Courier New" charset="0"/>
+              </a:rPr>
+              <a:t>char *strcat(char *dest, </a:t>
+            </a:r>
+          </a:p>
+          <a:p>
+            <a:pPr lvl="1">
+              <a:lnSpc>
+                <a:spcPct val="90000"/>
+              </a:lnSpc>
+              <a:buFont typeface="Wingdings" charset="0"/>
               <a:buNone/>
-              <a:defRPr/>
-            </a:pPr>
-            <a:r>
-              <a:rPr lang="en-US" dirty="0" smtClean="0">
-                <a:latin typeface="Courier New" pitchFamily="49" charset="0"/>
-                <a:ea typeface="+mn-ea"/>
-                <a:cs typeface="Courier New" pitchFamily="49" charset="0"/>
-              </a:rPr>
-              <a:t>s1 = 16				</a:t>
-            </a:r>
-            <a:r>
-              <a:rPr lang="en-US" dirty="0" smtClean="0">
-                <a:ea typeface="+mn-ea"/>
-                <a:cs typeface="Courier New" pitchFamily="49" charset="0"/>
-                <a:sym typeface="Wingdings" pitchFamily="2" charset="2"/>
-              </a:rPr>
-              <a:t>Initial value of s1</a:t>
-            </a:r>
-            <a:endParaRPr lang="en-US" dirty="0" smtClean="0">
-              <a:latin typeface="Courier New" pitchFamily="49" charset="0"/>
-              <a:ea typeface="+mn-ea"/>
-              <a:cs typeface="Courier New" pitchFamily="49" charset="0"/>
-            </a:endParaRPr>
-          </a:p>
-          <a:p>
-            <a:pPr>
-              <a:buFont typeface="Wingdings" pitchFamily="2" charset="2"/>
+            </a:pPr>
+            <a:r>
+              <a:rPr lang="en-US">
+                <a:latin typeface="Courier New" charset="0"/>
+                <a:cs typeface="Courier New" charset="0"/>
+              </a:rPr>
+              <a:t>			   const char *source);</a:t>
+            </a:r>
+          </a:p>
+          <a:p>
+            <a:pPr lvl="1">
+              <a:lnSpc>
+                <a:spcPct val="90000"/>
+              </a:lnSpc>
+            </a:pPr>
+            <a:r>
+              <a:rPr lang="en-US">
+                <a:latin typeface="Courier New" charset="0"/>
+                <a:cs typeface="Courier New" charset="0"/>
+              </a:rPr>
+              <a:t>char *strncat(char *dest, </a:t>
+            </a:r>
+          </a:p>
+          <a:p>
+            <a:pPr lvl="1">
+              <a:lnSpc>
+                <a:spcPct val="90000"/>
+              </a:lnSpc>
+              <a:buFont typeface="Wingdings" charset="0"/>
               <a:buNone/>
-              <a:defRPr/>
-            </a:pPr>
-            <a:r>
-              <a:rPr lang="en-US" dirty="0" smtClean="0">
-                <a:latin typeface="Courier New" pitchFamily="49" charset="0"/>
-                <a:ea typeface="+mn-ea"/>
-                <a:cs typeface="Courier New" pitchFamily="49" charset="0"/>
-              </a:rPr>
-              <a:t>Length of s1 = 2</a:t>
-            </a:r>
-          </a:p>
-          <a:p>
-            <a:pPr>
-              <a:buFont typeface="Wingdings" pitchFamily="2" charset="2"/>
+            </a:pPr>
+            <a:r>
+              <a:rPr lang="en-US">
+                <a:latin typeface="Courier New" charset="0"/>
+                <a:cs typeface="Courier New" charset="0"/>
+              </a:rPr>
+              <a:t>			    const char *source, </a:t>
+            </a:r>
+          </a:p>
+          <a:p>
+            <a:pPr lvl="1">
+              <a:lnSpc>
+                <a:spcPct val="90000"/>
+              </a:lnSpc>
+              <a:buFont typeface="Wingdings" charset="0"/>
               <a:buNone/>
-              <a:defRPr/>
-            </a:pPr>
-            <a:endParaRPr lang="en-US" dirty="0" smtClean="0">
-              <a:latin typeface="Courier New" pitchFamily="49" charset="0"/>
-              <a:ea typeface="+mn-ea"/>
-              <a:cs typeface="Courier New" pitchFamily="49" charset="0"/>
-            </a:endParaRPr>
-          </a:p>
-          <a:p>
-            <a:pPr>
-              <a:buFont typeface="Wingdings" pitchFamily="2" charset="2"/>
-              <a:buNone/>
-              <a:defRPr/>
-            </a:pPr>
-            <a:r>
-              <a:rPr lang="en-US" dirty="0" smtClean="0">
-                <a:latin typeface="Courier New" pitchFamily="49" charset="0"/>
-                <a:ea typeface="+mn-ea"/>
-                <a:cs typeface="Courier New" pitchFamily="49" charset="0"/>
-              </a:rPr>
-              <a:t>6						</a:t>
-            </a:r>
-            <a:r>
-              <a:rPr lang="en-US" dirty="0" smtClean="0">
-                <a:ea typeface="+mn-ea"/>
-                <a:cs typeface="Courier New" pitchFamily="49" charset="0"/>
-                <a:sym typeface="Wingdings" pitchFamily="2" charset="2"/>
-              </a:rPr>
-              <a:t> s1[1]</a:t>
-            </a:r>
-          </a:p>
-          <a:p>
-            <a:pPr>
-              <a:buFont typeface="Wingdings" pitchFamily="2" charset="2"/>
-              <a:buNone/>
-              <a:defRPr/>
-            </a:pPr>
-            <a:r>
-              <a:rPr lang="en-US" dirty="0" smtClean="0">
-                <a:latin typeface="Courier New" pitchFamily="49" charset="0"/>
-                <a:ea typeface="+mn-ea"/>
-                <a:cs typeface="Courier New" pitchFamily="49" charset="0"/>
-              </a:rPr>
-              <a:t>	</a:t>
-            </a:r>
-          </a:p>
-          <a:p>
-            <a:pPr>
-              <a:buFont typeface="Wingdings" pitchFamily="2" charset="2"/>
-              <a:buNone/>
-              <a:defRPr/>
-            </a:pPr>
-            <a:r>
-              <a:rPr lang="en-US" dirty="0" smtClean="0">
-                <a:latin typeface="Courier New" pitchFamily="49" charset="0"/>
-                <a:ea typeface="+mn-ea"/>
-                <a:cs typeface="Courier New" pitchFamily="49" charset="0"/>
-              </a:rPr>
-              <a:t>s1 = 16.216			</a:t>
-            </a:r>
-            <a:r>
-              <a:rPr lang="en-US" dirty="0" smtClean="0">
-                <a:ea typeface="+mn-ea"/>
-                <a:cs typeface="Courier New" pitchFamily="49" charset="0"/>
-                <a:sym typeface="Wingdings" pitchFamily="2" charset="2"/>
-              </a:rPr>
-              <a:t> s1 after </a:t>
-            </a:r>
-            <a:r>
-              <a:rPr lang="en-US" dirty="0" err="1" smtClean="0">
-                <a:ea typeface="+mn-ea"/>
-                <a:cs typeface="Courier New" pitchFamily="49" charset="0"/>
-                <a:sym typeface="Wingdings" pitchFamily="2" charset="2"/>
-              </a:rPr>
-              <a:t>strncat</a:t>
-            </a:r>
-            <a:r>
-              <a:rPr lang="en-US" dirty="0" smtClean="0">
-                <a:ea typeface="+mn-ea"/>
-                <a:cs typeface="Courier New" pitchFamily="49" charset="0"/>
-                <a:sym typeface="Wingdings" pitchFamily="2" charset="2"/>
-              </a:rPr>
-              <a:t>()</a:t>
-            </a:r>
-          </a:p>
-          <a:p>
-            <a:pPr>
-              <a:buFont typeface="Wingdings" pitchFamily="2" charset="2"/>
-              <a:buNone/>
-              <a:defRPr/>
-            </a:pPr>
-            <a:r>
-              <a:rPr lang="en-US" dirty="0" smtClean="0">
-                <a:latin typeface="Courier New" pitchFamily="49" charset="0"/>
-                <a:ea typeface="+mn-ea"/>
-                <a:cs typeface="Courier New" pitchFamily="49" charset="0"/>
-              </a:rPr>
-              <a:t>Length of s1 = 6</a:t>
-            </a:r>
-          </a:p>
-          <a:p>
-            <a:pPr>
-              <a:buFont typeface="Wingdings" pitchFamily="2" charset="2"/>
-              <a:buNone/>
-              <a:defRPr/>
-            </a:pPr>
-            <a:endParaRPr lang="en-US" dirty="0" smtClean="0">
-              <a:latin typeface="Courier New" pitchFamily="49" charset="0"/>
-              <a:ea typeface="+mn-ea"/>
-              <a:cs typeface="Courier New" pitchFamily="49" charset="0"/>
-            </a:endParaRPr>
-          </a:p>
-          <a:p>
-            <a:pPr>
-              <a:buFont typeface="Wingdings" pitchFamily="2" charset="2"/>
-              <a:buNone/>
-              <a:defRPr/>
-            </a:pPr>
-            <a:r>
-              <a:rPr lang="en-US" dirty="0" smtClean="0">
-                <a:latin typeface="Courier New" pitchFamily="49" charset="0"/>
-                <a:ea typeface="+mn-ea"/>
-                <a:cs typeface="Courier New" pitchFamily="49" charset="0"/>
-              </a:rPr>
-              <a:t>Enter two strings: </a:t>
-            </a:r>
-            <a:r>
-              <a:rPr lang="en-US" u="sng" dirty="0" smtClean="0">
-                <a:latin typeface="Courier New" pitchFamily="49" charset="0"/>
-                <a:ea typeface="+mn-ea"/>
-                <a:cs typeface="Courier New" pitchFamily="49" charset="0"/>
-              </a:rPr>
-              <a:t>ABC ABD</a:t>
-            </a:r>
-            <a:endParaRPr lang="en-US" dirty="0" smtClean="0">
-              <a:latin typeface="Courier New" pitchFamily="49" charset="0"/>
-              <a:ea typeface="+mn-ea"/>
-              <a:cs typeface="Courier New" pitchFamily="49" charset="0"/>
-            </a:endParaRPr>
-          </a:p>
-          <a:p>
-            <a:pPr>
-              <a:buFont typeface="Wingdings" pitchFamily="2" charset="2"/>
-              <a:buNone/>
-              <a:defRPr/>
-            </a:pPr>
-            <a:r>
-              <a:rPr lang="en-US" dirty="0" smtClean="0">
-                <a:latin typeface="Courier New" pitchFamily="49" charset="0"/>
-                <a:ea typeface="+mn-ea"/>
-                <a:cs typeface="Courier New" pitchFamily="49" charset="0"/>
-              </a:rPr>
-              <a:t>ABC &lt; ABD			</a:t>
-            </a:r>
-            <a:r>
-              <a:rPr lang="en-US" dirty="0" smtClean="0">
-                <a:ea typeface="+mn-ea"/>
-                <a:cs typeface="Courier New" pitchFamily="49" charset="0"/>
-                <a:sym typeface="Wingdings" pitchFamily="2" charset="2"/>
-              </a:rPr>
-              <a:t> Result of </a:t>
-            </a:r>
-            <a:r>
-              <a:rPr lang="en-US" dirty="0" err="1" smtClean="0">
-                <a:ea typeface="+mn-ea"/>
-                <a:cs typeface="Courier New" pitchFamily="49" charset="0"/>
-                <a:sym typeface="Wingdings" pitchFamily="2" charset="2"/>
-              </a:rPr>
-              <a:t>strncmp</a:t>
-            </a:r>
-            <a:r>
-              <a:rPr lang="en-US" dirty="0" smtClean="0">
-                <a:ea typeface="+mn-ea"/>
-                <a:cs typeface="Courier New" pitchFamily="49" charset="0"/>
-                <a:sym typeface="Wingdings" pitchFamily="2" charset="2"/>
-              </a:rPr>
-              <a:t>()</a:t>
-            </a:r>
-            <a:endParaRPr lang="en-US" dirty="0" smtClean="0">
-              <a:latin typeface="Courier New" pitchFamily="49" charset="0"/>
-              <a:ea typeface="+mn-ea"/>
-              <a:cs typeface="Courier New" pitchFamily="49" charset="0"/>
-            </a:endParaRPr>
-          </a:p>
-          <a:p>
-            <a:pPr>
-              <a:buFont typeface="Wingdings" pitchFamily="2" charset="2"/>
-              <a:buNone/>
-              <a:defRPr/>
-            </a:pPr>
-            <a:endParaRPr lang="en-US" dirty="0">
-              <a:latin typeface="Courier New" pitchFamily="49" charset="0"/>
-              <a:ea typeface="+mn-ea"/>
-              <a:cs typeface="Courier New" pitchFamily="49" charset="0"/>
-            </a:endParaRPr>
+            </a:pPr>
+            <a:r>
+              <a:rPr lang="en-US">
+                <a:latin typeface="Courier New" charset="0"/>
+                <a:cs typeface="Courier New" charset="0"/>
+              </a:rPr>
+              <a:t>			    size_t num);</a:t>
+            </a:r>
+          </a:p>
+          <a:p>
+            <a:pPr lvl="1">
+              <a:lnSpc>
+                <a:spcPct val="90000"/>
+              </a:lnSpc>
+            </a:pPr>
+            <a:r>
+              <a:rPr lang="en-US">
+                <a:latin typeface="Arial" charset="0"/>
+                <a:cs typeface="Courier New" charset="0"/>
+              </a:rPr>
+              <a:t>Returns </a:t>
+            </a:r>
+            <a:r>
+              <a:rPr lang="en-US">
+                <a:latin typeface="Courier New" charset="0"/>
+                <a:cs typeface="Courier New" charset="0"/>
+              </a:rPr>
+              <a:t>dest</a:t>
+            </a:r>
           </a:p>
         </p:txBody>
       </p:sp>
       <p:sp>
         <p:nvSpPr>
-          <p:cNvPr id="26627" name="Date Placeholder 4"/>
+          <p:cNvPr id="24579" name="Date Placeholder 3"/>
           <p:cNvSpPr>
             <a:spLocks noGrp="1"/>
           </p:cNvSpPr>
@@ -12097,12 +12606,12 @@
           </a:lstStyle>
           <a:p>
             <a:pPr eaLnBrk="1" hangingPunct="1"/>
-            <a:fld id="{523B7FAA-FDFD-3A46-998A-7DF6D54307C5}" type="datetime1">
+            <a:fld id="{BE439D72-0FD3-A645-BE4C-4A558DED64DC}" type="datetime1">
               <a:rPr lang="en-US" sz="1200" smtClean="0">
                 <a:latin typeface="Garamond" charset="0"/>
                 <a:cs typeface="Arial" charset="0"/>
               </a:rPr>
-              <a:t>10/26/16</a:t>
+              <a:t>10/30/16</a:t>
             </a:fld>
             <a:endParaRPr lang="en-US" sz="1200">
               <a:latin typeface="Garamond" charset="0"/>
@@ -12113,7 +12622,7 @@
       </p:sp>
       <p:sp>
         <p:nvSpPr>
-          <p:cNvPr id="6" name="Footer Placeholder 5"/>
+          <p:cNvPr id="5" name="Footer Placeholder 4"/>
           <p:cNvSpPr>
             <a:spLocks noGrp="1"/>
           </p:cNvSpPr>
@@ -12131,7 +12640,7 @@
             </a:pPr>
             <a:r>
               <a:rPr lang="en-US" altLang="en-US" smtClean="0"/>
-              <a:t>ECE Application Programming: Lecture 22</a:t>
+              <a:t>ECE Application Programming: Lecture 23</a:t>
             </a:r>
             <a:endParaRPr lang="en-US" altLang="en-US"/>
           </a:p>
@@ -12139,7 +12648,7 @@
       </p:sp>
       <p:sp>
         <p:nvSpPr>
-          <p:cNvPr id="26629" name="Slide Number Placeholder 6"/>
+          <p:cNvPr id="24581" name="Slide Number Placeholder 5"/>
           <p:cNvSpPr>
             <a:spLocks noGrp="1"/>
           </p:cNvSpPr>
@@ -12282,7 +12791,7 @@
           </a:lstStyle>
           <a:p>
             <a:pPr eaLnBrk="1" hangingPunct="1"/>
-            <a:fld id="{EBA00BFF-6F30-D348-9DEE-A61DE5213C31}" type="slidenum">
+            <a:fld id="{A1A4E562-9E91-1D48-8FB4-F5CF7960CF23}" type="slidenum">
               <a:rPr lang="en-US" sz="1200">
                 <a:latin typeface="Garamond" charset="0"/>
                 <a:cs typeface="Arial" charset="0"/>
@@ -12300,7 +12809,7 @@
     </p:spTree>
     <p:extLst>
       <p:ext uri="{BB962C8B-B14F-4D97-AF65-F5344CB8AC3E}">
-        <p14:creationId xmlns:p14="http://schemas.microsoft.com/office/powerpoint/2010/main" val="3020675307"/>
+        <p14:creationId xmlns:p14="http://schemas.microsoft.com/office/powerpoint/2010/main" val="723209987"/>
       </p:ext>
     </p:extLst>
   </p:cSld>
@@ -12336,7 +12845,7 @@
       </p:grpSpPr>
       <p:sp>
         <p:nvSpPr>
-          <p:cNvPr id="40961" name="Title 1"/>
+          <p:cNvPr id="25601" name="Title 1"/>
           <p:cNvSpPr>
             <a:spLocks noGrp="1"/>
           </p:cNvSpPr>
@@ -12353,99 +12862,928 @@
               <a:rPr lang="en-US">
                 <a:latin typeface="Garamond" charset="0"/>
               </a:rPr>
-              <a:t>Final notes</a:t>
+              <a:t>Example: Strings</a:t>
             </a:r>
           </a:p>
         </p:txBody>
       </p:sp>
       <p:sp>
         <p:nvSpPr>
-          <p:cNvPr id="40962" name="Content Placeholder 2"/>
+          <p:cNvPr id="25602" name="Content Placeholder 2"/>
           <p:cNvSpPr>
             <a:spLocks noGrp="1"/>
           </p:cNvSpPr>
           <p:nvPr>
-            <p:ph idx="1"/>
+            <p:ph sz="half" idx="1"/>
           </p:nvPr>
         </p:nvSpPr>
-        <p:spPr/>
+        <p:spPr>
+          <a:xfrm>
+            <a:off x="0" y="1143000"/>
+            <a:ext cx="4572000" cy="4987925"/>
+          </a:xfrm>
+          <a:ln>
+            <a:solidFill>
+              <a:schemeClr val="accent1"/>
+            </a:solidFill>
+            <a:miter lim="800000"/>
+            <a:headEnd/>
+            <a:tailEnd/>
+          </a:ln>
+        </p:spPr>
         <p:txBody>
-          <a:bodyPr>
-            <a:normAutofit/>
-          </a:bodyPr>
+          <a:bodyPr/>
           <a:lstStyle/>
           <a:p>
-            <a:r>
-              <a:rPr lang="en-US" dirty="0">
-                <a:latin typeface="Arial" charset="0"/>
-              </a:rPr>
-              <a:t>Next time</a:t>
-            </a:r>
-          </a:p>
-          <a:p>
-            <a:pPr lvl="1"/>
-            <a:r>
-              <a:rPr lang="en-US" dirty="0" smtClean="0">
-                <a:latin typeface="Arial" charset="0"/>
-              </a:rPr>
-              <a:t>Exam 2 Preview</a:t>
-            </a:r>
-            <a:endParaRPr lang="en-US" dirty="0">
-              <a:latin typeface="Arial" charset="0"/>
+            <a:pPr>
+              <a:lnSpc>
+                <a:spcPct val="80000"/>
+              </a:lnSpc>
+            </a:pPr>
+            <a:r>
+              <a:rPr lang="en-US" sz="1800">
+                <a:latin typeface="Arial" charset="0"/>
+              </a:rPr>
+              <a:t>What does the following program print?</a:t>
+            </a:r>
+          </a:p>
+          <a:p>
+            <a:pPr>
+              <a:lnSpc>
+                <a:spcPct val="80000"/>
+              </a:lnSpc>
+              <a:buFont typeface="Wingdings" charset="0"/>
+              <a:buNone/>
+            </a:pPr>
+            <a:r>
+              <a:rPr lang="en-US" sz="1500">
+                <a:latin typeface="Courier New" charset="0"/>
+                <a:cs typeface="Courier New" charset="0"/>
+              </a:rPr>
+              <a:t>int main() {</a:t>
+            </a:r>
+          </a:p>
+          <a:p>
+            <a:pPr>
+              <a:lnSpc>
+                <a:spcPct val="80000"/>
+              </a:lnSpc>
+              <a:buFont typeface="Wingdings" charset="0"/>
+              <a:buNone/>
+            </a:pPr>
+            <a:r>
+              <a:rPr lang="en-US" sz="1500">
+                <a:latin typeface="Courier New" charset="0"/>
+                <a:cs typeface="Courier New" charset="0"/>
+              </a:rPr>
+              <a:t>	char s1[15];</a:t>
+            </a:r>
+          </a:p>
+          <a:p>
+            <a:pPr lvl="1">
+              <a:lnSpc>
+                <a:spcPct val="80000"/>
+              </a:lnSpc>
+              <a:buFont typeface="Wingdings" charset="0"/>
+              <a:buNone/>
+            </a:pPr>
+            <a:r>
+              <a:rPr lang="en-US" sz="1500">
+                <a:latin typeface="Courier New" charset="0"/>
+                <a:cs typeface="Courier New" charset="0"/>
+              </a:rPr>
+              <a:t>int n1;</a:t>
+            </a:r>
+          </a:p>
+          <a:p>
+            <a:pPr lvl="1">
+              <a:lnSpc>
+                <a:spcPct val="80000"/>
+              </a:lnSpc>
+              <a:buFont typeface="Wingdings" charset="0"/>
+              <a:buNone/>
+            </a:pPr>
+            <a:r>
+              <a:rPr lang="en-US" sz="1500">
+                <a:latin typeface="Courier New" charset="0"/>
+                <a:cs typeface="Courier New" charset="0"/>
+              </a:rPr>
+              <a:t>char s2[10] = </a:t>
+            </a:r>
+            <a:r>
+              <a:rPr lang="ja-JP" altLang="en-US" sz="1500">
+                <a:latin typeface="Courier New" charset="0"/>
+                <a:cs typeface="Courier New" charset="0"/>
+              </a:rPr>
+              <a:t>“</a:t>
+            </a:r>
+            <a:r>
+              <a:rPr lang="en-US" altLang="ja-JP" sz="1500">
+                <a:latin typeface="Courier New" charset="0"/>
+                <a:cs typeface="Courier New" charset="0"/>
+              </a:rPr>
+              <a:t>.216</a:t>
+            </a:r>
+            <a:r>
+              <a:rPr lang="ja-JP" altLang="en-US" sz="1500">
+                <a:latin typeface="Courier New" charset="0"/>
+                <a:cs typeface="Courier New" charset="0"/>
+              </a:rPr>
+              <a:t>”</a:t>
+            </a:r>
+            <a:r>
+              <a:rPr lang="en-US" altLang="ja-JP" sz="1500">
+                <a:latin typeface="Courier New" charset="0"/>
+                <a:cs typeface="Courier New" charset="0"/>
+              </a:rPr>
+              <a:t>;</a:t>
+            </a:r>
+          </a:p>
+          <a:p>
+            <a:pPr lvl="1">
+              <a:lnSpc>
+                <a:spcPct val="80000"/>
+              </a:lnSpc>
+              <a:buFont typeface="Wingdings" charset="0"/>
+              <a:buNone/>
+            </a:pPr>
+            <a:r>
+              <a:rPr lang="en-US" sz="1500">
+                <a:latin typeface="Courier New" charset="0"/>
+                <a:cs typeface="Courier New" charset="0"/>
+              </a:rPr>
+              <a:t>int n;</a:t>
+            </a:r>
+          </a:p>
+          <a:p>
+            <a:pPr lvl="1">
+              <a:lnSpc>
+                <a:spcPct val="80000"/>
+              </a:lnSpc>
+              <a:buFont typeface="Wingdings" charset="0"/>
+              <a:buNone/>
+            </a:pPr>
+            <a:endParaRPr lang="en-US" sz="1500">
+              <a:latin typeface="Courier New" charset="0"/>
+              <a:cs typeface="Courier New" charset="0"/>
             </a:endParaRPr>
           </a:p>
           <a:p>
-            <a:r>
-              <a:rPr lang="en-US" dirty="0">
-                <a:latin typeface="Arial" charset="0"/>
-              </a:rPr>
-              <a:t>Reminders:</a:t>
-            </a:r>
-          </a:p>
-          <a:p>
-            <a:pPr lvl="1"/>
-            <a:r>
-              <a:rPr lang="en-US" dirty="0">
-                <a:latin typeface="Arial" charset="0"/>
-              </a:rPr>
-              <a:t>Program 6 due 11/7</a:t>
-            </a:r>
-          </a:p>
-          <a:p>
-            <a:pPr lvl="1"/>
-            <a:r>
-              <a:rPr lang="en-US" dirty="0">
-                <a:latin typeface="Arial" charset="0"/>
-              </a:rPr>
-              <a:t>Exam 2 in class 11/4</a:t>
-            </a:r>
-          </a:p>
-          <a:p>
-            <a:pPr lvl="2"/>
-            <a:r>
-              <a:rPr lang="en-US" dirty="0">
-                <a:latin typeface="Arial" charset="0"/>
-              </a:rPr>
-              <a:t>Will be allowed one double-sided 8.5” x 11” note sheet</a:t>
-            </a:r>
-          </a:p>
-          <a:p>
-            <a:pPr lvl="2"/>
-            <a:r>
-              <a:rPr lang="en-US">
-                <a:latin typeface="Arial" charset="0"/>
-              </a:rPr>
-              <a:t>Covers material starting after Exam 1, through lecture 21 (lectures 12-16, 18-23)</a:t>
-            </a:r>
-            <a:endParaRPr lang="en-US" dirty="0">
-              <a:latin typeface="Arial" charset="0"/>
+            <a:pPr lvl="1">
+              <a:lnSpc>
+                <a:spcPct val="80000"/>
+              </a:lnSpc>
+              <a:buFont typeface="Wingdings" charset="0"/>
+              <a:buNone/>
+            </a:pPr>
+            <a:r>
+              <a:rPr lang="en-US" sz="1500">
+                <a:latin typeface="Courier New" charset="0"/>
+                <a:cs typeface="Courier New" charset="0"/>
+              </a:rPr>
+              <a:t>strncpy(s1, </a:t>
+            </a:r>
+            <a:r>
+              <a:rPr lang="ja-JP" altLang="en-US" sz="1500">
+                <a:latin typeface="Courier New" charset="0"/>
+                <a:cs typeface="Courier New" charset="0"/>
+              </a:rPr>
+              <a:t>“</a:t>
+            </a:r>
+            <a:r>
+              <a:rPr lang="en-US" altLang="ja-JP" sz="1500">
+                <a:latin typeface="Courier New" charset="0"/>
+                <a:cs typeface="Courier New" charset="0"/>
+              </a:rPr>
+              <a:t>16</a:t>
+            </a:r>
+            <a:r>
+              <a:rPr lang="ja-JP" altLang="en-US" sz="1500">
+                <a:latin typeface="Courier New" charset="0"/>
+                <a:cs typeface="Courier New" charset="0"/>
+              </a:rPr>
+              <a:t>”</a:t>
+            </a:r>
+            <a:r>
+              <a:rPr lang="en-US" altLang="ja-JP" sz="1500">
+                <a:latin typeface="Courier New" charset="0"/>
+                <a:cs typeface="Courier New" charset="0"/>
+              </a:rPr>
+              <a:t>, 15);</a:t>
+            </a:r>
+          </a:p>
+          <a:p>
+            <a:pPr lvl="1">
+              <a:lnSpc>
+                <a:spcPct val="80000"/>
+              </a:lnSpc>
+              <a:buFont typeface="Wingdings" charset="0"/>
+              <a:buNone/>
+            </a:pPr>
+            <a:r>
+              <a:rPr lang="en-US" sz="1500">
+                <a:latin typeface="Courier New" charset="0"/>
+                <a:cs typeface="Courier New" charset="0"/>
+              </a:rPr>
+              <a:t>n1 = strlen(s1);</a:t>
+            </a:r>
+          </a:p>
+          <a:p>
+            <a:pPr lvl="1">
+              <a:lnSpc>
+                <a:spcPct val="80000"/>
+              </a:lnSpc>
+              <a:buFont typeface="Wingdings" charset="0"/>
+              <a:buNone/>
+            </a:pPr>
+            <a:r>
+              <a:rPr lang="en-US" sz="1500">
+                <a:latin typeface="Courier New" charset="0"/>
+                <a:cs typeface="Courier New" charset="0"/>
+              </a:rPr>
+              <a:t>printf(</a:t>
+            </a:r>
+            <a:r>
+              <a:rPr lang="ja-JP" altLang="en-US" sz="1500">
+                <a:latin typeface="Courier New" charset="0"/>
+                <a:cs typeface="Courier New" charset="0"/>
+              </a:rPr>
+              <a:t>“</a:t>
+            </a:r>
+            <a:r>
+              <a:rPr lang="en-US" altLang="ja-JP" sz="1500">
+                <a:latin typeface="Courier New" charset="0"/>
+                <a:cs typeface="Courier New" charset="0"/>
+              </a:rPr>
+              <a:t>s1 = %s\n</a:t>
+            </a:r>
+            <a:r>
+              <a:rPr lang="ja-JP" altLang="en-US" sz="1500">
+                <a:latin typeface="Courier New" charset="0"/>
+                <a:cs typeface="Courier New" charset="0"/>
+              </a:rPr>
+              <a:t>”</a:t>
+            </a:r>
+            <a:r>
+              <a:rPr lang="en-US" altLang="ja-JP" sz="1500">
+                <a:latin typeface="Courier New" charset="0"/>
+                <a:cs typeface="Courier New" charset="0"/>
+              </a:rPr>
+              <a:t>, s1);</a:t>
+            </a:r>
+          </a:p>
+          <a:p>
+            <a:pPr lvl="1">
+              <a:lnSpc>
+                <a:spcPct val="80000"/>
+              </a:lnSpc>
+              <a:buFont typeface="Wingdings" charset="0"/>
+              <a:buNone/>
+            </a:pPr>
+            <a:r>
+              <a:rPr lang="en-US" sz="1500">
+                <a:latin typeface="Courier New" charset="0"/>
+                <a:cs typeface="Courier New" charset="0"/>
+              </a:rPr>
+              <a:t>printf(</a:t>
+            </a:r>
+            <a:r>
+              <a:rPr lang="ja-JP" altLang="en-US" sz="1500">
+                <a:latin typeface="Courier New" charset="0"/>
+                <a:cs typeface="Courier New" charset="0"/>
+              </a:rPr>
+              <a:t>“</a:t>
+            </a:r>
+            <a:r>
+              <a:rPr lang="en-US" altLang="ja-JP" sz="1500">
+                <a:latin typeface="Courier New" charset="0"/>
+                <a:cs typeface="Courier New" charset="0"/>
+              </a:rPr>
+              <a:t>Length of s1 = %d\n\n</a:t>
+            </a:r>
+            <a:r>
+              <a:rPr lang="ja-JP" altLang="en-US" sz="1500">
+                <a:latin typeface="Courier New" charset="0"/>
+                <a:cs typeface="Courier New" charset="0"/>
+              </a:rPr>
+              <a:t>”</a:t>
+            </a:r>
+            <a:r>
+              <a:rPr lang="en-US" altLang="ja-JP" sz="1500">
+                <a:latin typeface="Courier New" charset="0"/>
+                <a:cs typeface="Courier New" charset="0"/>
+              </a:rPr>
+              <a:t>, n1);</a:t>
+            </a:r>
+          </a:p>
+          <a:p>
+            <a:pPr lvl="1">
+              <a:lnSpc>
+                <a:spcPct val="80000"/>
+              </a:lnSpc>
+              <a:buFont typeface="Wingdings" charset="0"/>
+              <a:buNone/>
+            </a:pPr>
+            <a:endParaRPr lang="en-US" sz="1500">
+              <a:latin typeface="Courier New" charset="0"/>
+              <a:cs typeface="Courier New" charset="0"/>
+            </a:endParaRPr>
+          </a:p>
+          <a:p>
+            <a:pPr lvl="1">
+              <a:lnSpc>
+                <a:spcPct val="80000"/>
+              </a:lnSpc>
+              <a:buFont typeface="Wingdings" charset="0"/>
+              <a:buNone/>
+            </a:pPr>
+            <a:r>
+              <a:rPr lang="en-US" sz="1500">
+                <a:latin typeface="Courier New" charset="0"/>
+                <a:cs typeface="Courier New" charset="0"/>
+              </a:rPr>
+              <a:t>printf(</a:t>
+            </a:r>
+            <a:r>
+              <a:rPr lang="ja-JP" altLang="en-US" sz="1500">
+                <a:latin typeface="Courier New" charset="0"/>
+                <a:cs typeface="Courier New" charset="0"/>
+              </a:rPr>
+              <a:t>“</a:t>
+            </a:r>
+            <a:r>
+              <a:rPr lang="en-US" altLang="ja-JP" sz="1500">
+                <a:latin typeface="Courier New" charset="0"/>
+                <a:cs typeface="Courier New" charset="0"/>
+              </a:rPr>
+              <a:t>%c\n\n</a:t>
+            </a:r>
+            <a:r>
+              <a:rPr lang="ja-JP" altLang="en-US" sz="1500">
+                <a:latin typeface="Courier New" charset="0"/>
+                <a:cs typeface="Courier New" charset="0"/>
+              </a:rPr>
+              <a:t>”</a:t>
+            </a:r>
+            <a:r>
+              <a:rPr lang="en-US" altLang="ja-JP" sz="1500">
+                <a:latin typeface="Courier New" charset="0"/>
+                <a:cs typeface="Courier New" charset="0"/>
+              </a:rPr>
+              <a:t>, s1[1]);</a:t>
+            </a:r>
+          </a:p>
+          <a:p>
+            <a:pPr lvl="1">
+              <a:lnSpc>
+                <a:spcPct val="80000"/>
+              </a:lnSpc>
+              <a:buFont typeface="Wingdings" charset="0"/>
+              <a:buNone/>
+            </a:pPr>
+            <a:endParaRPr lang="en-US" sz="1500">
+              <a:latin typeface="Courier New" charset="0"/>
+              <a:cs typeface="Courier New" charset="0"/>
             </a:endParaRPr>
           </a:p>
         </p:txBody>
       </p:sp>
       <p:sp>
         <p:nvSpPr>
-          <p:cNvPr id="40963" name="Date Placeholder 3"/>
+          <p:cNvPr id="25603" name="Content Placeholder 6"/>
+          <p:cNvSpPr>
+            <a:spLocks noGrp="1"/>
+          </p:cNvSpPr>
+          <p:nvPr>
+            <p:ph sz="half" idx="2"/>
+          </p:nvPr>
+        </p:nvSpPr>
+        <p:spPr>
+          <a:xfrm>
+            <a:off x="4572000" y="1143000"/>
+            <a:ext cx="4495800" cy="4987925"/>
+          </a:xfrm>
+          <a:ln>
+            <a:solidFill>
+              <a:schemeClr val="accent1"/>
+            </a:solidFill>
+            <a:miter lim="800000"/>
+            <a:headEnd/>
+            <a:tailEnd/>
+          </a:ln>
+        </p:spPr>
+        <p:txBody>
+          <a:bodyPr/>
+          <a:lstStyle/>
+          <a:p>
+            <a:pPr lvl="1">
+              <a:lnSpc>
+                <a:spcPct val="80000"/>
+              </a:lnSpc>
+              <a:buFont typeface="Wingdings" charset="0"/>
+              <a:buNone/>
+            </a:pPr>
+            <a:r>
+              <a:rPr lang="en-US" sz="1500">
+                <a:latin typeface="Courier New" charset="0"/>
+                <a:cs typeface="Courier New" charset="0"/>
+              </a:rPr>
+              <a:t>strncat(s1,s2,10);</a:t>
+            </a:r>
+          </a:p>
+          <a:p>
+            <a:pPr lvl="1">
+              <a:lnSpc>
+                <a:spcPct val="80000"/>
+              </a:lnSpc>
+              <a:buFont typeface="Wingdings" charset="0"/>
+              <a:buNone/>
+            </a:pPr>
+            <a:r>
+              <a:rPr lang="en-US" sz="1500">
+                <a:latin typeface="Courier New" charset="0"/>
+                <a:cs typeface="Courier New" charset="0"/>
+              </a:rPr>
+              <a:t>n1 = strlen(s1);</a:t>
+            </a:r>
+          </a:p>
+          <a:p>
+            <a:pPr lvl="1">
+              <a:lnSpc>
+                <a:spcPct val="80000"/>
+              </a:lnSpc>
+              <a:buFont typeface="Wingdings" charset="0"/>
+              <a:buNone/>
+            </a:pPr>
+            <a:r>
+              <a:rPr lang="en-US" sz="1500">
+                <a:latin typeface="Courier New" charset="0"/>
+                <a:cs typeface="Courier New" charset="0"/>
+              </a:rPr>
+              <a:t>printf(</a:t>
+            </a:r>
+            <a:r>
+              <a:rPr lang="ja-JP" altLang="en-US" sz="1500">
+                <a:latin typeface="Courier New" charset="0"/>
+                <a:cs typeface="Courier New" charset="0"/>
+              </a:rPr>
+              <a:t>“</a:t>
+            </a:r>
+            <a:r>
+              <a:rPr lang="en-US" altLang="ja-JP" sz="1500">
+                <a:latin typeface="Courier New" charset="0"/>
+                <a:cs typeface="Courier New" charset="0"/>
+              </a:rPr>
+              <a:t>s1 = %s\n</a:t>
+            </a:r>
+            <a:r>
+              <a:rPr lang="ja-JP" altLang="en-US" sz="1500">
+                <a:latin typeface="Courier New" charset="0"/>
+                <a:cs typeface="Courier New" charset="0"/>
+              </a:rPr>
+              <a:t>”</a:t>
+            </a:r>
+            <a:r>
+              <a:rPr lang="en-US" altLang="ja-JP" sz="1500">
+                <a:latin typeface="Courier New" charset="0"/>
+                <a:cs typeface="Courier New" charset="0"/>
+              </a:rPr>
+              <a:t>, s1);</a:t>
+            </a:r>
+          </a:p>
+          <a:p>
+            <a:pPr lvl="1">
+              <a:lnSpc>
+                <a:spcPct val="80000"/>
+              </a:lnSpc>
+              <a:buFont typeface="Wingdings" charset="0"/>
+              <a:buNone/>
+            </a:pPr>
+            <a:r>
+              <a:rPr lang="en-US" sz="1500">
+                <a:latin typeface="Courier New" charset="0"/>
+                <a:cs typeface="Courier New" charset="0"/>
+              </a:rPr>
+              <a:t>printf(</a:t>
+            </a:r>
+            <a:r>
+              <a:rPr lang="ja-JP" altLang="en-US" sz="1500">
+                <a:latin typeface="Courier New" charset="0"/>
+                <a:cs typeface="Courier New" charset="0"/>
+              </a:rPr>
+              <a:t>“</a:t>
+            </a:r>
+            <a:r>
+              <a:rPr lang="en-US" altLang="ja-JP" sz="1500">
+                <a:latin typeface="Courier New" charset="0"/>
+                <a:cs typeface="Courier New" charset="0"/>
+              </a:rPr>
+              <a:t>Length of s1 = %d\n\n</a:t>
+            </a:r>
+            <a:r>
+              <a:rPr lang="ja-JP" altLang="en-US" sz="1500">
+                <a:latin typeface="Courier New" charset="0"/>
+                <a:cs typeface="Courier New" charset="0"/>
+              </a:rPr>
+              <a:t>”</a:t>
+            </a:r>
+            <a:r>
+              <a:rPr lang="en-US" altLang="ja-JP" sz="1500">
+                <a:latin typeface="Courier New" charset="0"/>
+                <a:cs typeface="Courier New" charset="0"/>
+              </a:rPr>
+              <a:t>, n1);</a:t>
+            </a:r>
+          </a:p>
+          <a:p>
+            <a:pPr lvl="1">
+              <a:lnSpc>
+                <a:spcPct val="80000"/>
+              </a:lnSpc>
+              <a:buFont typeface="Wingdings" charset="0"/>
+              <a:buNone/>
+            </a:pPr>
+            <a:endParaRPr lang="en-US" sz="1500">
+              <a:latin typeface="Courier New" charset="0"/>
+              <a:cs typeface="Courier New" charset="0"/>
+            </a:endParaRPr>
+          </a:p>
+          <a:p>
+            <a:pPr lvl="1">
+              <a:lnSpc>
+                <a:spcPct val="80000"/>
+              </a:lnSpc>
+              <a:buFont typeface="Wingdings" charset="0"/>
+              <a:buNone/>
+            </a:pPr>
+            <a:r>
+              <a:rPr lang="en-US" sz="1500">
+                <a:latin typeface="Courier New" charset="0"/>
+                <a:cs typeface="Courier New" charset="0"/>
+              </a:rPr>
+              <a:t>// Assume user inputs: ABC ABD</a:t>
+            </a:r>
+          </a:p>
+          <a:p>
+            <a:pPr lvl="1">
+              <a:lnSpc>
+                <a:spcPct val="80000"/>
+              </a:lnSpc>
+              <a:buFont typeface="Wingdings" charset="0"/>
+              <a:buNone/>
+            </a:pPr>
+            <a:r>
+              <a:rPr lang="en-US" sz="1500">
+                <a:latin typeface="Courier New" charset="0"/>
+                <a:cs typeface="Courier New" charset="0"/>
+              </a:rPr>
+              <a:t>printf(</a:t>
+            </a:r>
+            <a:r>
+              <a:rPr lang="ja-JP" altLang="en-US" sz="1500">
+                <a:latin typeface="Courier New" charset="0"/>
+                <a:cs typeface="Courier New" charset="0"/>
+              </a:rPr>
+              <a:t>“</a:t>
+            </a:r>
+            <a:r>
+              <a:rPr lang="en-US" altLang="ja-JP" sz="1500">
+                <a:latin typeface="Courier New" charset="0"/>
+                <a:cs typeface="Courier New" charset="0"/>
+              </a:rPr>
+              <a:t>Enter two strings:</a:t>
+            </a:r>
+            <a:r>
+              <a:rPr lang="ja-JP" altLang="en-US" sz="1500">
+                <a:latin typeface="Courier New" charset="0"/>
+                <a:cs typeface="Courier New" charset="0"/>
+              </a:rPr>
+              <a:t>”</a:t>
+            </a:r>
+            <a:r>
+              <a:rPr lang="en-US" altLang="ja-JP" sz="1500">
+                <a:latin typeface="Courier New" charset="0"/>
+                <a:cs typeface="Courier New" charset="0"/>
+              </a:rPr>
+              <a:t>);</a:t>
+            </a:r>
+          </a:p>
+          <a:p>
+            <a:pPr lvl="1">
+              <a:lnSpc>
+                <a:spcPct val="80000"/>
+              </a:lnSpc>
+              <a:buFont typeface="Wingdings" charset="0"/>
+              <a:buNone/>
+            </a:pPr>
+            <a:r>
+              <a:rPr lang="en-US" sz="1500">
+                <a:latin typeface="Courier New" charset="0"/>
+                <a:cs typeface="Courier New" charset="0"/>
+              </a:rPr>
+              <a:t>scanf(</a:t>
+            </a:r>
+            <a:r>
+              <a:rPr lang="ja-JP" altLang="en-US" sz="1500">
+                <a:latin typeface="Courier New" charset="0"/>
+                <a:cs typeface="Courier New" charset="0"/>
+              </a:rPr>
+              <a:t>“</a:t>
+            </a:r>
+            <a:r>
+              <a:rPr lang="en-US" altLang="ja-JP" sz="1500">
+                <a:latin typeface="Courier New" charset="0"/>
+                <a:cs typeface="Courier New" charset="0"/>
+              </a:rPr>
+              <a:t>%s%s</a:t>
+            </a:r>
+            <a:r>
+              <a:rPr lang="ja-JP" altLang="en-US" sz="1500">
+                <a:latin typeface="Courier New" charset="0"/>
+                <a:cs typeface="Courier New" charset="0"/>
+              </a:rPr>
+              <a:t>”</a:t>
+            </a:r>
+            <a:r>
+              <a:rPr lang="en-US" altLang="ja-JP" sz="1500">
+                <a:latin typeface="Courier New" charset="0"/>
+                <a:cs typeface="Courier New" charset="0"/>
+              </a:rPr>
+              <a:t>, s1, s2);</a:t>
+            </a:r>
+          </a:p>
+          <a:p>
+            <a:pPr lvl="1">
+              <a:lnSpc>
+                <a:spcPct val="80000"/>
+              </a:lnSpc>
+              <a:buFont typeface="Wingdings" charset="0"/>
+              <a:buNone/>
+            </a:pPr>
+            <a:r>
+              <a:rPr lang="en-US" sz="1500">
+                <a:latin typeface="Courier New" charset="0"/>
+                <a:cs typeface="Courier New" charset="0"/>
+              </a:rPr>
+              <a:t>n = strncmp(s1, s2, 15);</a:t>
+            </a:r>
+          </a:p>
+          <a:p>
+            <a:pPr lvl="1">
+              <a:lnSpc>
+                <a:spcPct val="80000"/>
+              </a:lnSpc>
+              <a:buFont typeface="Wingdings" charset="0"/>
+              <a:buNone/>
+            </a:pPr>
+            <a:endParaRPr lang="en-US" sz="1500">
+              <a:latin typeface="Courier New" charset="0"/>
+              <a:cs typeface="Courier New" charset="0"/>
+            </a:endParaRPr>
+          </a:p>
+          <a:p>
+            <a:pPr lvl="1">
+              <a:lnSpc>
+                <a:spcPct val="80000"/>
+              </a:lnSpc>
+              <a:buFont typeface="Wingdings" charset="0"/>
+              <a:buNone/>
+            </a:pPr>
+            <a:r>
+              <a:rPr lang="en-US" sz="1500">
+                <a:latin typeface="Courier New" charset="0"/>
+                <a:cs typeface="Courier New" charset="0"/>
+              </a:rPr>
+              <a:t>if (n &gt; 0)</a:t>
+            </a:r>
+          </a:p>
+          <a:p>
+            <a:pPr lvl="1">
+              <a:lnSpc>
+                <a:spcPct val="80000"/>
+              </a:lnSpc>
+              <a:buFont typeface="Wingdings" charset="0"/>
+              <a:buNone/>
+            </a:pPr>
+            <a:r>
+              <a:rPr lang="en-US" sz="1500">
+                <a:latin typeface="Courier New" charset="0"/>
+                <a:cs typeface="Courier New" charset="0"/>
+              </a:rPr>
+              <a:t>	printf(</a:t>
+            </a:r>
+            <a:r>
+              <a:rPr lang="ja-JP" altLang="en-US" sz="1500">
+                <a:latin typeface="Courier New" charset="0"/>
+                <a:cs typeface="Courier New" charset="0"/>
+              </a:rPr>
+              <a:t>“</a:t>
+            </a:r>
+            <a:r>
+              <a:rPr lang="en-US" altLang="ja-JP" sz="1500">
+                <a:latin typeface="Courier New" charset="0"/>
+                <a:cs typeface="Courier New" charset="0"/>
+              </a:rPr>
+              <a:t>%s &gt; %s\n</a:t>
+            </a:r>
+            <a:r>
+              <a:rPr lang="ja-JP" altLang="en-US" sz="1500">
+                <a:latin typeface="Courier New" charset="0"/>
+                <a:cs typeface="Courier New" charset="0"/>
+              </a:rPr>
+              <a:t>”</a:t>
+            </a:r>
+            <a:r>
+              <a:rPr lang="en-US" altLang="ja-JP" sz="1500">
+                <a:latin typeface="Courier New" charset="0"/>
+                <a:cs typeface="Courier New" charset="0"/>
+              </a:rPr>
+              <a:t>, s1, s2);</a:t>
+            </a:r>
+          </a:p>
+          <a:p>
+            <a:pPr lvl="1">
+              <a:lnSpc>
+                <a:spcPct val="80000"/>
+              </a:lnSpc>
+              <a:buFont typeface="Wingdings" charset="0"/>
+              <a:buNone/>
+            </a:pPr>
+            <a:r>
+              <a:rPr lang="en-US" sz="1500">
+                <a:latin typeface="Courier New" charset="0"/>
+                <a:cs typeface="Courier New" charset="0"/>
+              </a:rPr>
+              <a:t>else if (n &lt; 0)</a:t>
+            </a:r>
+          </a:p>
+          <a:p>
+            <a:pPr lvl="1">
+              <a:lnSpc>
+                <a:spcPct val="80000"/>
+              </a:lnSpc>
+              <a:buFont typeface="Wingdings" charset="0"/>
+              <a:buNone/>
+            </a:pPr>
+            <a:r>
+              <a:rPr lang="en-US" sz="1500">
+                <a:latin typeface="Courier New" charset="0"/>
+                <a:cs typeface="Courier New" charset="0"/>
+              </a:rPr>
+              <a:t>	printf(</a:t>
+            </a:r>
+            <a:r>
+              <a:rPr lang="ja-JP" altLang="en-US" sz="1500">
+                <a:latin typeface="Courier New" charset="0"/>
+                <a:cs typeface="Courier New" charset="0"/>
+              </a:rPr>
+              <a:t>“</a:t>
+            </a:r>
+            <a:r>
+              <a:rPr lang="en-US" altLang="ja-JP" sz="1500">
+                <a:latin typeface="Courier New" charset="0"/>
+                <a:cs typeface="Courier New" charset="0"/>
+              </a:rPr>
+              <a:t>%s &lt; %s\n</a:t>
+            </a:r>
+            <a:r>
+              <a:rPr lang="ja-JP" altLang="en-US" sz="1500">
+                <a:latin typeface="Courier New" charset="0"/>
+                <a:cs typeface="Courier New" charset="0"/>
+              </a:rPr>
+              <a:t>”</a:t>
+            </a:r>
+            <a:r>
+              <a:rPr lang="en-US" altLang="ja-JP" sz="1500">
+                <a:latin typeface="Courier New" charset="0"/>
+                <a:cs typeface="Courier New" charset="0"/>
+              </a:rPr>
+              <a:t>, s1, s2);</a:t>
+            </a:r>
+          </a:p>
+          <a:p>
+            <a:pPr lvl="1">
+              <a:lnSpc>
+                <a:spcPct val="80000"/>
+              </a:lnSpc>
+              <a:buFont typeface="Wingdings" charset="0"/>
+              <a:buNone/>
+            </a:pPr>
+            <a:r>
+              <a:rPr lang="en-US" sz="1500">
+                <a:latin typeface="Courier New" charset="0"/>
+                <a:cs typeface="Courier New" charset="0"/>
+              </a:rPr>
+              <a:t>else</a:t>
+            </a:r>
+          </a:p>
+          <a:p>
+            <a:pPr lvl="1">
+              <a:lnSpc>
+                <a:spcPct val="80000"/>
+              </a:lnSpc>
+              <a:buFont typeface="Wingdings" charset="0"/>
+              <a:buNone/>
+            </a:pPr>
+            <a:r>
+              <a:rPr lang="en-US" sz="1500">
+                <a:latin typeface="Courier New" charset="0"/>
+                <a:cs typeface="Courier New" charset="0"/>
+              </a:rPr>
+              <a:t>	printf(</a:t>
+            </a:r>
+            <a:r>
+              <a:rPr lang="ja-JP" altLang="en-US" sz="1500">
+                <a:latin typeface="Courier New" charset="0"/>
+                <a:cs typeface="Courier New" charset="0"/>
+              </a:rPr>
+              <a:t>“</a:t>
+            </a:r>
+            <a:r>
+              <a:rPr lang="en-US" altLang="ja-JP" sz="1500">
+                <a:latin typeface="Courier New" charset="0"/>
+                <a:cs typeface="Courier New" charset="0"/>
+              </a:rPr>
+              <a:t>%s == %s\n</a:t>
+            </a:r>
+            <a:r>
+              <a:rPr lang="ja-JP" altLang="en-US" sz="1500">
+                <a:latin typeface="Courier New" charset="0"/>
+                <a:cs typeface="Courier New" charset="0"/>
+              </a:rPr>
+              <a:t>”</a:t>
+            </a:r>
+            <a:r>
+              <a:rPr lang="en-US" altLang="ja-JP" sz="1500">
+                <a:latin typeface="Courier New" charset="0"/>
+                <a:cs typeface="Courier New" charset="0"/>
+              </a:rPr>
+              <a:t>, s1, s2);</a:t>
+            </a:r>
+          </a:p>
+          <a:p>
+            <a:pPr lvl="1">
+              <a:lnSpc>
+                <a:spcPct val="80000"/>
+              </a:lnSpc>
+              <a:buFont typeface="Wingdings" charset="0"/>
+              <a:buNone/>
+            </a:pPr>
+            <a:r>
+              <a:rPr lang="en-US" sz="1500">
+                <a:latin typeface="Courier New" charset="0"/>
+                <a:cs typeface="Courier New" charset="0"/>
+              </a:rPr>
+              <a:t>return 0;</a:t>
+            </a:r>
+          </a:p>
+          <a:p>
+            <a:pPr lvl="1">
+              <a:lnSpc>
+                <a:spcPct val="80000"/>
+              </a:lnSpc>
+              <a:buFont typeface="Wingdings" charset="0"/>
+              <a:buNone/>
+            </a:pPr>
+            <a:r>
+              <a:rPr lang="en-US" sz="1500">
+                <a:latin typeface="Courier New" charset="0"/>
+                <a:cs typeface="Courier New" charset="0"/>
+              </a:rPr>
+              <a:t>}</a:t>
+            </a:r>
+          </a:p>
+          <a:p>
+            <a:pPr lvl="1">
+              <a:lnSpc>
+                <a:spcPct val="80000"/>
+              </a:lnSpc>
+              <a:buFont typeface="Wingdings" charset="0"/>
+              <a:buNone/>
+            </a:pPr>
+            <a:endParaRPr lang="en-US" sz="1500">
+              <a:latin typeface="Courier New" charset="0"/>
+              <a:cs typeface="Courier New" charset="0"/>
+            </a:endParaRPr>
+          </a:p>
+          <a:p>
+            <a:pPr>
+              <a:lnSpc>
+                <a:spcPct val="80000"/>
+              </a:lnSpc>
+              <a:buFont typeface="Wingdings" charset="0"/>
+              <a:buNone/>
+            </a:pPr>
+            <a:endParaRPr lang="en-US" sz="1800">
+              <a:latin typeface="Courier New" charset="0"/>
+              <a:cs typeface="Courier New" charset="0"/>
+            </a:endParaRPr>
+          </a:p>
+        </p:txBody>
+      </p:sp>
+      <p:sp>
+        <p:nvSpPr>
+          <p:cNvPr id="25604" name="Date Placeholder 3"/>
           <p:cNvSpPr>
             <a:spLocks noGrp="1"/>
           </p:cNvSpPr>
@@ -12588,14 +13926,16 @@
           </a:lstStyle>
           <a:p>
             <a:pPr eaLnBrk="1" hangingPunct="1"/>
-            <a:fld id="{89A21D30-5BD6-6949-9445-4F4B3810ED66}" type="datetime1">
+            <a:fld id="{7309CF39-62C6-5B40-AADD-7984FC383DDD}" type="datetime1">
               <a:rPr lang="en-US" sz="1200" smtClean="0">
                 <a:latin typeface="Garamond" charset="0"/>
-              </a:rPr>
-              <a:t>10/26/16</a:t>
+                <a:cs typeface="Arial" charset="0"/>
+              </a:rPr>
+              <a:t>10/30/16</a:t>
             </a:fld>
             <a:endParaRPr lang="en-US" sz="1200">
               <a:latin typeface="Garamond" charset="0"/>
+              <a:cs typeface="Arial" charset="0"/>
             </a:endParaRPr>
           </a:p>
         </p:txBody>
@@ -12620,7 +13960,7 @@
             </a:pPr>
             <a:r>
               <a:rPr lang="en-US" altLang="en-US" smtClean="0"/>
-              <a:t>ECE Application Programming: Lecture 22</a:t>
+              <a:t>ECE Application Programming: Lecture 23</a:t>
             </a:r>
             <a:endParaRPr lang="en-US" altLang="en-US"/>
           </a:p>
@@ -12628,7 +13968,7 @@
       </p:sp>
       <p:sp>
         <p:nvSpPr>
-          <p:cNvPr id="40965" name="Slide Number Placeholder 5"/>
+          <p:cNvPr id="25606" name="Slide Number Placeholder 5"/>
           <p:cNvSpPr>
             <a:spLocks noGrp="1"/>
           </p:cNvSpPr>
@@ -12771,20 +14111,27 @@
           </a:lstStyle>
           <a:p>
             <a:pPr eaLnBrk="1" hangingPunct="1"/>
-            <a:fld id="{995840FA-E6F5-0343-A066-8FDDE6435D57}" type="slidenum">
+            <a:fld id="{5ACC0434-5536-4F45-8975-FAE2D3EC70DD}" type="slidenum">
               <a:rPr lang="en-US" sz="1200">
                 <a:latin typeface="Garamond" charset="0"/>
+                <a:cs typeface="Arial" charset="0"/>
               </a:rPr>
               <a:pPr eaLnBrk="1" hangingPunct="1"/>
               <a:t>9</a:t>
             </a:fld>
             <a:endParaRPr lang="en-US" sz="1200">
               <a:latin typeface="Garamond" charset="0"/>
+              <a:cs typeface="Arial" charset="0"/>
             </a:endParaRPr>
           </a:p>
         </p:txBody>
       </p:sp>
     </p:spTree>
+    <p:extLst>
+      <p:ext uri="{BB962C8B-B14F-4D97-AF65-F5344CB8AC3E}">
+        <p14:creationId xmlns:p14="http://schemas.microsoft.com/office/powerpoint/2010/main" val="3014744672"/>
+      </p:ext>
+    </p:extLst>
   </p:cSld>
   <p:clrMapOvr>
     <a:masterClrMapping/>
